--- a/문서/기획서 자료.pptx
+++ b/문서/기획서 자료.pptx
@@ -105,6 +105,11 @@
       </a:defRPr>
     </a:lvl9pPr>
   </p:defaultTextStyle>
+  <p:extLst>
+    <p:ext uri="{EFAFB233-063F-42B5-8137-9DF3F51BA10A}">
+      <p15:sldGuideLst xmlns:p15="http://schemas.microsoft.com/office/powerpoint/2012/main"/>
+    </p:ext>
+  </p:extLst>
 </p:presentation>
 </file>
 
@@ -255,7 +260,7 @@
           <a:p>
             <a:fld id="{E3A1109E-92E8-4135-AC41-59956D48F8A4}" type="datetimeFigureOut">
               <a:rPr lang="ko-KR" altLang="en-US" smtClean="0"/>
-              <a:t>2023-03-27</a:t>
+              <a:t>2023-03-28</a:t>
             </a:fld>
             <a:endParaRPr lang="ko-KR" altLang="en-US"/>
           </a:p>
@@ -453,7 +458,7 @@
           <a:p>
             <a:fld id="{E3A1109E-92E8-4135-AC41-59956D48F8A4}" type="datetimeFigureOut">
               <a:rPr lang="ko-KR" altLang="en-US" smtClean="0"/>
-              <a:t>2023-03-27</a:t>
+              <a:t>2023-03-28</a:t>
             </a:fld>
             <a:endParaRPr lang="ko-KR" altLang="en-US"/>
           </a:p>
@@ -661,7 +666,7 @@
           <a:p>
             <a:fld id="{E3A1109E-92E8-4135-AC41-59956D48F8A4}" type="datetimeFigureOut">
               <a:rPr lang="ko-KR" altLang="en-US" smtClean="0"/>
-              <a:t>2023-03-27</a:t>
+              <a:t>2023-03-28</a:t>
             </a:fld>
             <a:endParaRPr lang="ko-KR" altLang="en-US"/>
           </a:p>
@@ -859,7 +864,7 @@
           <a:p>
             <a:fld id="{E3A1109E-92E8-4135-AC41-59956D48F8A4}" type="datetimeFigureOut">
               <a:rPr lang="ko-KR" altLang="en-US" smtClean="0"/>
-              <a:t>2023-03-27</a:t>
+              <a:t>2023-03-28</a:t>
             </a:fld>
             <a:endParaRPr lang="ko-KR" altLang="en-US"/>
           </a:p>
@@ -1134,7 +1139,7 @@
           <a:p>
             <a:fld id="{E3A1109E-92E8-4135-AC41-59956D48F8A4}" type="datetimeFigureOut">
               <a:rPr lang="ko-KR" altLang="en-US" smtClean="0"/>
-              <a:t>2023-03-27</a:t>
+              <a:t>2023-03-28</a:t>
             </a:fld>
             <a:endParaRPr lang="ko-KR" altLang="en-US"/>
           </a:p>
@@ -1399,7 +1404,7 @@
           <a:p>
             <a:fld id="{E3A1109E-92E8-4135-AC41-59956D48F8A4}" type="datetimeFigureOut">
               <a:rPr lang="ko-KR" altLang="en-US" smtClean="0"/>
-              <a:t>2023-03-27</a:t>
+              <a:t>2023-03-28</a:t>
             </a:fld>
             <a:endParaRPr lang="ko-KR" altLang="en-US"/>
           </a:p>
@@ -1811,7 +1816,7 @@
           <a:p>
             <a:fld id="{E3A1109E-92E8-4135-AC41-59956D48F8A4}" type="datetimeFigureOut">
               <a:rPr lang="ko-KR" altLang="en-US" smtClean="0"/>
-              <a:t>2023-03-27</a:t>
+              <a:t>2023-03-28</a:t>
             </a:fld>
             <a:endParaRPr lang="ko-KR" altLang="en-US"/>
           </a:p>
@@ -1952,7 +1957,7 @@
           <a:p>
             <a:fld id="{E3A1109E-92E8-4135-AC41-59956D48F8A4}" type="datetimeFigureOut">
               <a:rPr lang="ko-KR" altLang="en-US" smtClean="0"/>
-              <a:t>2023-03-27</a:t>
+              <a:t>2023-03-28</a:t>
             </a:fld>
             <a:endParaRPr lang="ko-KR" altLang="en-US"/>
           </a:p>
@@ -2065,7 +2070,7 @@
           <a:p>
             <a:fld id="{E3A1109E-92E8-4135-AC41-59956D48F8A4}" type="datetimeFigureOut">
               <a:rPr lang="ko-KR" altLang="en-US" smtClean="0"/>
-              <a:t>2023-03-27</a:t>
+              <a:t>2023-03-28</a:t>
             </a:fld>
             <a:endParaRPr lang="ko-KR" altLang="en-US"/>
           </a:p>
@@ -2376,7 +2381,7 @@
           <a:p>
             <a:fld id="{E3A1109E-92E8-4135-AC41-59956D48F8A4}" type="datetimeFigureOut">
               <a:rPr lang="ko-KR" altLang="en-US" smtClean="0"/>
-              <a:t>2023-03-27</a:t>
+              <a:t>2023-03-28</a:t>
             </a:fld>
             <a:endParaRPr lang="ko-KR" altLang="en-US"/>
           </a:p>
@@ -2664,7 +2669,7 @@
           <a:p>
             <a:fld id="{E3A1109E-92E8-4135-AC41-59956D48F8A4}" type="datetimeFigureOut">
               <a:rPr lang="ko-KR" altLang="en-US" smtClean="0"/>
-              <a:t>2023-03-27</a:t>
+              <a:t>2023-03-28</a:t>
             </a:fld>
             <a:endParaRPr lang="ko-KR" altLang="en-US"/>
           </a:p>
@@ -2905,7 +2910,7 @@
           <a:p>
             <a:fld id="{E3A1109E-92E8-4135-AC41-59956D48F8A4}" type="datetimeFigureOut">
               <a:rPr lang="ko-KR" altLang="en-US" smtClean="0"/>
-              <a:t>2023-03-27</a:t>
+              <a:t>2023-03-28</a:t>
             </a:fld>
             <a:endParaRPr lang="ko-KR" altLang="en-US"/>
           </a:p>
@@ -3852,6 +3857,36 @@
           <a:chExt cx="0" cy="0"/>
         </a:xfrm>
       </p:grpSpPr>
+      <p:pic>
+        <p:nvPicPr>
+          <p:cNvPr id="4" name="그림 3">
+            <a:extLst>
+              <a:ext uri="{FF2B5EF4-FFF2-40B4-BE49-F238E27FC236}">
+                <a16:creationId xmlns:a16="http://schemas.microsoft.com/office/drawing/2014/main" id="{E3014277-CEFB-CA57-65BC-3D5351CAD17E}"/>
+              </a:ext>
+            </a:extLst>
+          </p:cNvPr>
+          <p:cNvPicPr>
+            <a:picLocks noChangeAspect="1"/>
+          </p:cNvPicPr>
+          <p:nvPr/>
+        </p:nvPicPr>
+        <p:blipFill>
+          <a:blip r:embed="rId2"/>
+          <a:stretch>
+            <a:fillRect/>
+          </a:stretch>
+        </p:blipFill>
+        <p:spPr>
+          <a:xfrm>
+            <a:off x="3085680" y="1819050"/>
+            <a:ext cx="6020640" cy="3219899"/>
+          </a:xfrm>
+          <a:prstGeom prst="rect">
+            <a:avLst/>
+          </a:prstGeom>
+        </p:spPr>
+      </p:pic>
     </p:spTree>
     <p:extLst>
       <p:ext uri="{BB962C8B-B14F-4D97-AF65-F5344CB8AC3E}">

--- a/문서/기획서 자료.pptx
+++ b/문서/기획서 자료.pptx
@@ -7,6 +7,9 @@
   <p:sldIdLst>
     <p:sldId id="256" r:id="rId2"/>
     <p:sldId id="257" r:id="rId3"/>
+    <p:sldId id="258" r:id="rId4"/>
+    <p:sldId id="260" r:id="rId5"/>
+    <p:sldId id="261" r:id="rId6"/>
   </p:sldIdLst>
   <p:sldSz cx="12192000" cy="6858000"/>
   <p:notesSz cx="6858000" cy="9144000"/>
@@ -260,7 +263,7 @@
           <a:p>
             <a:fld id="{E3A1109E-92E8-4135-AC41-59956D48F8A4}" type="datetimeFigureOut">
               <a:rPr lang="ko-KR" altLang="en-US" smtClean="0"/>
-              <a:t>2023-03-28</a:t>
+              <a:t>2023-04-04</a:t>
             </a:fld>
             <a:endParaRPr lang="ko-KR" altLang="en-US"/>
           </a:p>
@@ -458,7 +461,7 @@
           <a:p>
             <a:fld id="{E3A1109E-92E8-4135-AC41-59956D48F8A4}" type="datetimeFigureOut">
               <a:rPr lang="ko-KR" altLang="en-US" smtClean="0"/>
-              <a:t>2023-03-28</a:t>
+              <a:t>2023-04-04</a:t>
             </a:fld>
             <a:endParaRPr lang="ko-KR" altLang="en-US"/>
           </a:p>
@@ -666,7 +669,7 @@
           <a:p>
             <a:fld id="{E3A1109E-92E8-4135-AC41-59956D48F8A4}" type="datetimeFigureOut">
               <a:rPr lang="ko-KR" altLang="en-US" smtClean="0"/>
-              <a:t>2023-03-28</a:t>
+              <a:t>2023-04-04</a:t>
             </a:fld>
             <a:endParaRPr lang="ko-KR" altLang="en-US"/>
           </a:p>
@@ -864,7 +867,7 @@
           <a:p>
             <a:fld id="{E3A1109E-92E8-4135-AC41-59956D48F8A4}" type="datetimeFigureOut">
               <a:rPr lang="ko-KR" altLang="en-US" smtClean="0"/>
-              <a:t>2023-03-28</a:t>
+              <a:t>2023-04-04</a:t>
             </a:fld>
             <a:endParaRPr lang="ko-KR" altLang="en-US"/>
           </a:p>
@@ -1139,7 +1142,7 @@
           <a:p>
             <a:fld id="{E3A1109E-92E8-4135-AC41-59956D48F8A4}" type="datetimeFigureOut">
               <a:rPr lang="ko-KR" altLang="en-US" smtClean="0"/>
-              <a:t>2023-03-28</a:t>
+              <a:t>2023-04-04</a:t>
             </a:fld>
             <a:endParaRPr lang="ko-KR" altLang="en-US"/>
           </a:p>
@@ -1404,7 +1407,7 @@
           <a:p>
             <a:fld id="{E3A1109E-92E8-4135-AC41-59956D48F8A4}" type="datetimeFigureOut">
               <a:rPr lang="ko-KR" altLang="en-US" smtClean="0"/>
-              <a:t>2023-03-28</a:t>
+              <a:t>2023-04-04</a:t>
             </a:fld>
             <a:endParaRPr lang="ko-KR" altLang="en-US"/>
           </a:p>
@@ -1816,7 +1819,7 @@
           <a:p>
             <a:fld id="{E3A1109E-92E8-4135-AC41-59956D48F8A4}" type="datetimeFigureOut">
               <a:rPr lang="ko-KR" altLang="en-US" smtClean="0"/>
-              <a:t>2023-03-28</a:t>
+              <a:t>2023-04-04</a:t>
             </a:fld>
             <a:endParaRPr lang="ko-KR" altLang="en-US"/>
           </a:p>
@@ -1957,7 +1960,7 @@
           <a:p>
             <a:fld id="{E3A1109E-92E8-4135-AC41-59956D48F8A4}" type="datetimeFigureOut">
               <a:rPr lang="ko-KR" altLang="en-US" smtClean="0"/>
-              <a:t>2023-03-28</a:t>
+              <a:t>2023-04-04</a:t>
             </a:fld>
             <a:endParaRPr lang="ko-KR" altLang="en-US"/>
           </a:p>
@@ -2070,7 +2073,7 @@
           <a:p>
             <a:fld id="{E3A1109E-92E8-4135-AC41-59956D48F8A4}" type="datetimeFigureOut">
               <a:rPr lang="ko-KR" altLang="en-US" smtClean="0"/>
-              <a:t>2023-03-28</a:t>
+              <a:t>2023-04-04</a:t>
             </a:fld>
             <a:endParaRPr lang="ko-KR" altLang="en-US"/>
           </a:p>
@@ -2381,7 +2384,7 @@
           <a:p>
             <a:fld id="{E3A1109E-92E8-4135-AC41-59956D48F8A4}" type="datetimeFigureOut">
               <a:rPr lang="ko-KR" altLang="en-US" smtClean="0"/>
-              <a:t>2023-03-28</a:t>
+              <a:t>2023-04-04</a:t>
             </a:fld>
             <a:endParaRPr lang="ko-KR" altLang="en-US"/>
           </a:p>
@@ -2669,7 +2672,7 @@
           <a:p>
             <a:fld id="{E3A1109E-92E8-4135-AC41-59956D48F8A4}" type="datetimeFigureOut">
               <a:rPr lang="ko-KR" altLang="en-US" smtClean="0"/>
-              <a:t>2023-03-28</a:t>
+              <a:t>2023-04-04</a:t>
             </a:fld>
             <a:endParaRPr lang="ko-KR" altLang="en-US"/>
           </a:p>
@@ -2910,7 +2913,7 @@
           <a:p>
             <a:fld id="{E3A1109E-92E8-4135-AC41-59956D48F8A4}" type="datetimeFigureOut">
               <a:rPr lang="ko-KR" altLang="en-US" smtClean="0"/>
-              <a:t>2023-03-28</a:t>
+              <a:t>2023-04-04</a:t>
             </a:fld>
             <a:endParaRPr lang="ko-KR" altLang="en-US"/>
           </a:p>
@@ -3900,6 +3903,3203 @@
 </p:sld>
 </file>
 
+<file path=ppt/slides/slide3.xml><?xml version="1.0" encoding="utf-8"?>
+<p:sld xmlns:a="http://schemas.openxmlformats.org/drawingml/2006/main" xmlns:r="http://schemas.openxmlformats.org/officeDocument/2006/relationships" xmlns:p="http://schemas.openxmlformats.org/presentationml/2006/main">
+  <p:cSld>
+    <p:spTree>
+      <p:nvGrpSpPr>
+        <p:cNvPr id="1" name=""/>
+        <p:cNvGrpSpPr/>
+        <p:nvPr/>
+      </p:nvGrpSpPr>
+      <p:grpSpPr>
+        <a:xfrm>
+          <a:off x="0" y="0"/>
+          <a:ext cx="0" cy="0"/>
+          <a:chOff x="0" y="0"/>
+          <a:chExt cx="0" cy="0"/>
+        </a:xfrm>
+      </p:grpSpPr>
+      <p:sp>
+        <p:nvSpPr>
+          <p:cNvPr id="4" name="직사각형 3">
+            <a:extLst>
+              <a:ext uri="{FF2B5EF4-FFF2-40B4-BE49-F238E27FC236}">
+                <a16:creationId xmlns:a16="http://schemas.microsoft.com/office/drawing/2014/main" id="{F9AD4351-000C-4E7A-B3DB-60823A1BB38C}"/>
+              </a:ext>
+            </a:extLst>
+          </p:cNvPr>
+          <p:cNvSpPr/>
+          <p:nvPr/>
+        </p:nvSpPr>
+        <p:spPr>
+          <a:xfrm>
+            <a:off x="1503485" y="984739"/>
+            <a:ext cx="3015762" cy="4563207"/>
+          </a:xfrm>
+          <a:prstGeom prst="rect">
+            <a:avLst/>
+          </a:prstGeom>
+          <a:noFill/>
+          <a:ln w="38100">
+            <a:solidFill>
+              <a:schemeClr val="tx1"/>
+            </a:solidFill>
+          </a:ln>
+        </p:spPr>
+        <p:style>
+          <a:lnRef idx="2">
+            <a:schemeClr val="accent1">
+              <a:shade val="50000"/>
+            </a:schemeClr>
+          </a:lnRef>
+          <a:fillRef idx="1">
+            <a:schemeClr val="accent1"/>
+          </a:fillRef>
+          <a:effectRef idx="0">
+            <a:schemeClr val="accent1"/>
+          </a:effectRef>
+          <a:fontRef idx="minor">
+            <a:schemeClr val="lt1"/>
+          </a:fontRef>
+        </p:style>
+        <p:txBody>
+          <a:bodyPr rtlCol="0" anchor="ctr"/>
+          <a:lstStyle/>
+          <a:p>
+            <a:pPr algn="ctr"/>
+            <a:r>
+              <a:rPr lang="ko-KR" altLang="en-US" dirty="0">
+                <a:solidFill>
+                  <a:schemeClr val="tx1"/>
+                </a:solidFill>
+              </a:rPr>
+              <a:t>캐릭터</a:t>
+            </a:r>
+          </a:p>
+        </p:txBody>
+      </p:sp>
+      <p:sp>
+        <p:nvSpPr>
+          <p:cNvPr id="5" name="직사각형 4">
+            <a:extLst>
+              <a:ext uri="{FF2B5EF4-FFF2-40B4-BE49-F238E27FC236}">
+                <a16:creationId xmlns:a16="http://schemas.microsoft.com/office/drawing/2014/main" id="{F4F1F9C1-485B-4AD3-8DC4-0760C4E8218E}"/>
+              </a:ext>
+            </a:extLst>
+          </p:cNvPr>
+          <p:cNvSpPr/>
+          <p:nvPr/>
+        </p:nvSpPr>
+        <p:spPr>
+          <a:xfrm>
+            <a:off x="1503485" y="5741376"/>
+            <a:ext cx="3015762" cy="650632"/>
+          </a:xfrm>
+          <a:prstGeom prst="rect">
+            <a:avLst/>
+          </a:prstGeom>
+          <a:solidFill>
+            <a:schemeClr val="bg2">
+              <a:lumMod val="90000"/>
+            </a:schemeClr>
+          </a:solidFill>
+          <a:ln w="38100">
+            <a:solidFill>
+              <a:schemeClr val="tx1"/>
+            </a:solidFill>
+          </a:ln>
+        </p:spPr>
+        <p:style>
+          <a:lnRef idx="2">
+            <a:schemeClr val="accent1">
+              <a:shade val="50000"/>
+            </a:schemeClr>
+          </a:lnRef>
+          <a:fillRef idx="1">
+            <a:schemeClr val="accent1"/>
+          </a:fillRef>
+          <a:effectRef idx="0">
+            <a:schemeClr val="accent1"/>
+          </a:effectRef>
+          <a:fontRef idx="minor">
+            <a:schemeClr val="lt1"/>
+          </a:fontRef>
+        </p:style>
+        <p:txBody>
+          <a:bodyPr rtlCol="0" anchor="ctr"/>
+          <a:lstStyle/>
+          <a:p>
+            <a:pPr algn="ctr"/>
+            <a:r>
+              <a:rPr lang="ko-KR" altLang="en-US" dirty="0">
+                <a:solidFill>
+                  <a:schemeClr val="tx1"/>
+                </a:solidFill>
+              </a:rPr>
+              <a:t>선택 </a:t>
+            </a:r>
+            <a:r>
+              <a:rPr lang="en-US" altLang="ko-KR" dirty="0">
+                <a:solidFill>
+                  <a:schemeClr val="tx1"/>
+                </a:solidFill>
+              </a:rPr>
+              <a:t>/ </a:t>
+            </a:r>
+            <a:r>
+              <a:rPr lang="ko-KR" altLang="en-US" dirty="0">
+                <a:solidFill>
+                  <a:schemeClr val="tx1"/>
+                </a:solidFill>
+              </a:rPr>
+              <a:t>해제</a:t>
+            </a:r>
+          </a:p>
+        </p:txBody>
+      </p:sp>
+      <p:sp>
+        <p:nvSpPr>
+          <p:cNvPr id="6" name="직사각형 5">
+            <a:extLst>
+              <a:ext uri="{FF2B5EF4-FFF2-40B4-BE49-F238E27FC236}">
+                <a16:creationId xmlns:a16="http://schemas.microsoft.com/office/drawing/2014/main" id="{C0DB10B8-83C5-41F1-8C28-34EFDFB82DFA}"/>
+              </a:ext>
+            </a:extLst>
+          </p:cNvPr>
+          <p:cNvSpPr/>
+          <p:nvPr/>
+        </p:nvSpPr>
+        <p:spPr>
+          <a:xfrm>
+            <a:off x="8593016" y="5741376"/>
+            <a:ext cx="3015762" cy="650632"/>
+          </a:xfrm>
+          <a:prstGeom prst="rect">
+            <a:avLst/>
+          </a:prstGeom>
+          <a:solidFill>
+            <a:schemeClr val="bg2">
+              <a:lumMod val="90000"/>
+            </a:schemeClr>
+          </a:solidFill>
+          <a:ln w="38100">
+            <a:solidFill>
+              <a:schemeClr val="tx1"/>
+            </a:solidFill>
+          </a:ln>
+        </p:spPr>
+        <p:style>
+          <a:lnRef idx="2">
+            <a:schemeClr val="accent1">
+              <a:shade val="50000"/>
+            </a:schemeClr>
+          </a:lnRef>
+          <a:fillRef idx="1">
+            <a:schemeClr val="accent1"/>
+          </a:fillRef>
+          <a:effectRef idx="0">
+            <a:schemeClr val="accent1"/>
+          </a:effectRef>
+          <a:fontRef idx="minor">
+            <a:schemeClr val="lt1"/>
+          </a:fontRef>
+        </p:style>
+        <p:txBody>
+          <a:bodyPr rtlCol="0" anchor="ctr"/>
+          <a:lstStyle/>
+          <a:p>
+            <a:pPr algn="ctr"/>
+            <a:r>
+              <a:rPr lang="ko-KR" altLang="en-US" dirty="0">
+                <a:solidFill>
+                  <a:schemeClr val="tx1"/>
+                </a:solidFill>
+              </a:rPr>
+              <a:t>랭크 업</a:t>
+            </a:r>
+            <a:endParaRPr lang="en-US" altLang="ko-KR" dirty="0">
+              <a:solidFill>
+                <a:schemeClr val="tx1"/>
+              </a:solidFill>
+            </a:endParaRPr>
+          </a:p>
+          <a:p>
+            <a:pPr algn="ctr"/>
+            <a:r>
+              <a:rPr lang="en-US" altLang="ko-KR" sz="1500" dirty="0">
+                <a:solidFill>
+                  <a:schemeClr val="tx1"/>
+                </a:solidFill>
+              </a:rPr>
+              <a:t>[</a:t>
+            </a:r>
+            <a:r>
+              <a:rPr lang="ko-KR" altLang="en-US" sz="1500" dirty="0">
+                <a:solidFill>
+                  <a:schemeClr val="tx1"/>
+                </a:solidFill>
+              </a:rPr>
+              <a:t>필요 골드</a:t>
+            </a:r>
+            <a:r>
+              <a:rPr lang="en-US" altLang="ko-KR" sz="1500" dirty="0">
+                <a:solidFill>
+                  <a:schemeClr val="tx1"/>
+                </a:solidFill>
+              </a:rPr>
+              <a:t> </a:t>
+            </a:r>
+            <a:r>
+              <a:rPr lang="ko-KR" altLang="en-US" sz="1500" dirty="0">
+                <a:solidFill>
+                  <a:schemeClr val="tx1"/>
+                </a:solidFill>
+              </a:rPr>
+              <a:t>표시</a:t>
+            </a:r>
+            <a:r>
+              <a:rPr lang="en-US" altLang="ko-KR" sz="1500" dirty="0">
+                <a:solidFill>
+                  <a:schemeClr val="tx1"/>
+                </a:solidFill>
+              </a:rPr>
+              <a:t>]</a:t>
+            </a:r>
+            <a:endParaRPr lang="ko-KR" altLang="en-US" sz="1500" dirty="0">
+              <a:solidFill>
+                <a:schemeClr val="tx1"/>
+              </a:solidFill>
+            </a:endParaRPr>
+          </a:p>
+        </p:txBody>
+      </p:sp>
+      <p:sp>
+        <p:nvSpPr>
+          <p:cNvPr id="7" name="TextBox 6">
+            <a:extLst>
+              <a:ext uri="{FF2B5EF4-FFF2-40B4-BE49-F238E27FC236}">
+                <a16:creationId xmlns:a16="http://schemas.microsoft.com/office/drawing/2014/main" id="{9AD15269-5A14-4EB4-9EE4-3C074FCCC4E5}"/>
+              </a:ext>
+            </a:extLst>
+          </p:cNvPr>
+          <p:cNvSpPr txBox="1"/>
+          <p:nvPr/>
+        </p:nvSpPr>
+        <p:spPr>
+          <a:xfrm>
+            <a:off x="5180618" y="2523392"/>
+            <a:ext cx="2383986" cy="3170099"/>
+          </a:xfrm>
+          <a:prstGeom prst="rect">
+            <a:avLst/>
+          </a:prstGeom>
+          <a:noFill/>
+        </p:spPr>
+        <p:txBody>
+          <a:bodyPr wrap="none" rtlCol="0">
+            <a:spAutoFit/>
+          </a:bodyPr>
+          <a:lstStyle/>
+          <a:p>
+            <a:r>
+              <a:rPr lang="ko-KR" altLang="en-US" sz="2500" dirty="0"/>
+              <a:t>공격력</a:t>
+            </a:r>
+            <a:r>
+              <a:rPr lang="en-US" altLang="ko-KR" sz="2500" dirty="0"/>
+              <a:t>	30</a:t>
+            </a:r>
+          </a:p>
+          <a:p>
+            <a:endParaRPr lang="en-US" altLang="ko-KR" sz="2500" dirty="0"/>
+          </a:p>
+          <a:p>
+            <a:endParaRPr lang="en-US" altLang="ko-KR" sz="2500" dirty="0"/>
+          </a:p>
+          <a:p>
+            <a:r>
+              <a:rPr lang="ko-KR" altLang="en-US" sz="2500" dirty="0"/>
+              <a:t>체력</a:t>
+            </a:r>
+            <a:r>
+              <a:rPr lang="en-US" altLang="ko-KR" sz="2500" dirty="0"/>
+              <a:t>		80</a:t>
+            </a:r>
+          </a:p>
+          <a:p>
+            <a:endParaRPr lang="en-US" altLang="ko-KR" sz="2500" dirty="0"/>
+          </a:p>
+          <a:p>
+            <a:endParaRPr lang="en-US" altLang="ko-KR" sz="2500" dirty="0"/>
+          </a:p>
+          <a:p>
+            <a:endParaRPr lang="en-US" altLang="ko-KR" sz="2500" dirty="0"/>
+          </a:p>
+          <a:p>
+            <a:r>
+              <a:rPr lang="en-US" altLang="ko-KR" sz="2500" dirty="0"/>
+              <a:t>MP		50</a:t>
+            </a:r>
+            <a:endParaRPr lang="ko-KR" altLang="en-US" sz="2500" dirty="0"/>
+          </a:p>
+        </p:txBody>
+      </p:sp>
+      <p:sp>
+        <p:nvSpPr>
+          <p:cNvPr id="8" name="TextBox 7">
+            <a:extLst>
+              <a:ext uri="{FF2B5EF4-FFF2-40B4-BE49-F238E27FC236}">
+                <a16:creationId xmlns:a16="http://schemas.microsoft.com/office/drawing/2014/main" id="{E8A585EA-915C-4122-AEE5-C66872DC6DA9}"/>
+              </a:ext>
+            </a:extLst>
+          </p:cNvPr>
+          <p:cNvSpPr txBox="1"/>
+          <p:nvPr/>
+        </p:nvSpPr>
+        <p:spPr>
+          <a:xfrm>
+            <a:off x="9474194" y="2523392"/>
+            <a:ext cx="761747" cy="3170099"/>
+          </a:xfrm>
+          <a:prstGeom prst="rect">
+            <a:avLst/>
+          </a:prstGeom>
+          <a:noFill/>
+        </p:spPr>
+        <p:txBody>
+          <a:bodyPr wrap="none" rtlCol="0">
+            <a:spAutoFit/>
+          </a:bodyPr>
+          <a:lstStyle/>
+          <a:p>
+            <a:r>
+              <a:rPr lang="en-US" altLang="ko-KR" sz="2500" dirty="0"/>
+              <a:t>+30</a:t>
+            </a:r>
+          </a:p>
+          <a:p>
+            <a:endParaRPr lang="en-US" altLang="ko-KR" sz="2500" dirty="0"/>
+          </a:p>
+          <a:p>
+            <a:endParaRPr lang="en-US" altLang="ko-KR" sz="2500" dirty="0"/>
+          </a:p>
+          <a:p>
+            <a:r>
+              <a:rPr lang="en-US" altLang="ko-KR" sz="2500" dirty="0"/>
+              <a:t>+80</a:t>
+            </a:r>
+          </a:p>
+          <a:p>
+            <a:endParaRPr lang="en-US" altLang="ko-KR" sz="2500" dirty="0"/>
+          </a:p>
+          <a:p>
+            <a:endParaRPr lang="en-US" altLang="ko-KR" sz="2500" dirty="0"/>
+          </a:p>
+          <a:p>
+            <a:endParaRPr lang="en-US" altLang="ko-KR" sz="2500" dirty="0"/>
+          </a:p>
+          <a:p>
+            <a:r>
+              <a:rPr lang="en-US" altLang="ko-KR" sz="2500" dirty="0"/>
+              <a:t>+50</a:t>
+            </a:r>
+            <a:endParaRPr lang="ko-KR" altLang="en-US" sz="2500" dirty="0"/>
+          </a:p>
+        </p:txBody>
+      </p:sp>
+      <p:sp>
+        <p:nvSpPr>
+          <p:cNvPr id="9" name="TextBox 8">
+            <a:extLst>
+              <a:ext uri="{FF2B5EF4-FFF2-40B4-BE49-F238E27FC236}">
+                <a16:creationId xmlns:a16="http://schemas.microsoft.com/office/drawing/2014/main" id="{519EC97C-1D1F-481D-94B4-F849A0CDB37E}"/>
+              </a:ext>
+            </a:extLst>
+          </p:cNvPr>
+          <p:cNvSpPr txBox="1"/>
+          <p:nvPr/>
+        </p:nvSpPr>
+        <p:spPr>
+          <a:xfrm>
+            <a:off x="5180618" y="1919654"/>
+            <a:ext cx="825867" cy="477054"/>
+          </a:xfrm>
+          <a:prstGeom prst="rect">
+            <a:avLst/>
+          </a:prstGeom>
+          <a:noFill/>
+        </p:spPr>
+        <p:txBody>
+          <a:bodyPr wrap="none" rtlCol="0">
+            <a:spAutoFit/>
+          </a:bodyPr>
+          <a:lstStyle/>
+          <a:p>
+            <a:r>
+              <a:rPr lang="ko-KR" altLang="en-US" sz="2500" dirty="0"/>
+              <a:t>현재</a:t>
+            </a:r>
+          </a:p>
+        </p:txBody>
+      </p:sp>
+      <p:sp>
+        <p:nvSpPr>
+          <p:cNvPr id="10" name="TextBox 9">
+            <a:extLst>
+              <a:ext uri="{FF2B5EF4-FFF2-40B4-BE49-F238E27FC236}">
+                <a16:creationId xmlns:a16="http://schemas.microsoft.com/office/drawing/2014/main" id="{D1AAAD4F-2F62-46E5-9E6A-AE257B5E0F39}"/>
+              </a:ext>
+            </a:extLst>
+          </p:cNvPr>
+          <p:cNvSpPr txBox="1"/>
+          <p:nvPr/>
+        </p:nvSpPr>
+        <p:spPr>
+          <a:xfrm>
+            <a:off x="9426925" y="1919654"/>
+            <a:ext cx="825867" cy="477054"/>
+          </a:xfrm>
+          <a:prstGeom prst="rect">
+            <a:avLst/>
+          </a:prstGeom>
+          <a:noFill/>
+        </p:spPr>
+        <p:txBody>
+          <a:bodyPr wrap="none" rtlCol="0">
+            <a:spAutoFit/>
+          </a:bodyPr>
+          <a:lstStyle/>
+          <a:p>
+            <a:r>
+              <a:rPr lang="ko-KR" altLang="en-US" sz="2500" dirty="0"/>
+              <a:t>상승</a:t>
+            </a:r>
+          </a:p>
+        </p:txBody>
+      </p:sp>
+      <p:sp>
+        <p:nvSpPr>
+          <p:cNvPr id="12" name="직사각형 11">
+            <a:extLst>
+              <a:ext uri="{FF2B5EF4-FFF2-40B4-BE49-F238E27FC236}">
+                <a16:creationId xmlns:a16="http://schemas.microsoft.com/office/drawing/2014/main" id="{99AA20B8-A962-48E5-96AA-392003DC8FAB}"/>
+              </a:ext>
+            </a:extLst>
+          </p:cNvPr>
+          <p:cNvSpPr/>
+          <p:nvPr/>
+        </p:nvSpPr>
+        <p:spPr>
+          <a:xfrm>
+            <a:off x="4724401" y="984739"/>
+            <a:ext cx="5193322" cy="700510"/>
+          </a:xfrm>
+          <a:prstGeom prst="rect">
+            <a:avLst/>
+          </a:prstGeom>
+          <a:noFill/>
+          <a:ln w="38100">
+            <a:solidFill>
+              <a:schemeClr val="tx1"/>
+            </a:solidFill>
+          </a:ln>
+        </p:spPr>
+        <p:style>
+          <a:lnRef idx="2">
+            <a:schemeClr val="accent1">
+              <a:shade val="50000"/>
+            </a:schemeClr>
+          </a:lnRef>
+          <a:fillRef idx="1">
+            <a:schemeClr val="accent1"/>
+          </a:fillRef>
+          <a:effectRef idx="0">
+            <a:schemeClr val="accent1"/>
+          </a:effectRef>
+          <a:fontRef idx="minor">
+            <a:schemeClr val="lt1"/>
+          </a:fontRef>
+        </p:style>
+        <p:txBody>
+          <a:bodyPr rtlCol="0" anchor="ctr"/>
+          <a:lstStyle/>
+          <a:p>
+            <a:pPr algn="ctr"/>
+            <a:r>
+              <a:rPr lang="ko-KR" altLang="en-US" dirty="0">
+                <a:solidFill>
+                  <a:schemeClr val="tx1"/>
+                </a:solidFill>
+              </a:rPr>
+              <a:t>캐릭터 명 표시</a:t>
+            </a:r>
+          </a:p>
+        </p:txBody>
+      </p:sp>
+      <p:sp>
+        <p:nvSpPr>
+          <p:cNvPr id="13" name="직사각형 12">
+            <a:extLst>
+              <a:ext uri="{FF2B5EF4-FFF2-40B4-BE49-F238E27FC236}">
+                <a16:creationId xmlns:a16="http://schemas.microsoft.com/office/drawing/2014/main" id="{5F72A282-3084-4049-8489-69023D0ABEDD}"/>
+              </a:ext>
+            </a:extLst>
+          </p:cNvPr>
+          <p:cNvSpPr/>
+          <p:nvPr/>
+        </p:nvSpPr>
+        <p:spPr>
+          <a:xfrm>
+            <a:off x="10026162" y="984739"/>
+            <a:ext cx="1582616" cy="700510"/>
+          </a:xfrm>
+          <a:prstGeom prst="rect">
+            <a:avLst/>
+          </a:prstGeom>
+          <a:noFill/>
+          <a:ln w="38100">
+            <a:solidFill>
+              <a:schemeClr val="tx1"/>
+            </a:solidFill>
+          </a:ln>
+        </p:spPr>
+        <p:style>
+          <a:lnRef idx="2">
+            <a:schemeClr val="accent1">
+              <a:shade val="50000"/>
+            </a:schemeClr>
+          </a:lnRef>
+          <a:fillRef idx="1">
+            <a:schemeClr val="accent1"/>
+          </a:fillRef>
+          <a:effectRef idx="0">
+            <a:schemeClr val="accent1"/>
+          </a:effectRef>
+          <a:fontRef idx="minor">
+            <a:schemeClr val="lt1"/>
+          </a:fontRef>
+        </p:style>
+        <p:txBody>
+          <a:bodyPr rtlCol="0" anchor="ctr"/>
+          <a:lstStyle/>
+          <a:p>
+            <a:pPr algn="ctr"/>
+            <a:r>
+              <a:rPr lang="en-US" altLang="ko-KR" dirty="0">
+                <a:solidFill>
+                  <a:schemeClr val="tx1"/>
+                </a:solidFill>
+              </a:rPr>
+              <a:t>[</a:t>
+            </a:r>
+            <a:r>
+              <a:rPr lang="ko-KR" altLang="en-US" dirty="0">
+                <a:solidFill>
+                  <a:schemeClr val="tx1"/>
+                </a:solidFill>
+              </a:rPr>
+              <a:t>캐릭터 랭크</a:t>
+            </a:r>
+            <a:r>
+              <a:rPr lang="en-US" altLang="ko-KR" dirty="0">
+                <a:solidFill>
+                  <a:schemeClr val="tx1"/>
+                </a:solidFill>
+              </a:rPr>
+              <a:t>]</a:t>
+            </a:r>
+            <a:endParaRPr lang="ko-KR" altLang="en-US" dirty="0">
+              <a:solidFill>
+                <a:schemeClr val="tx1"/>
+              </a:solidFill>
+            </a:endParaRPr>
+          </a:p>
+        </p:txBody>
+      </p:sp>
+    </p:spTree>
+    <p:extLst>
+      <p:ext uri="{BB962C8B-B14F-4D97-AF65-F5344CB8AC3E}">
+        <p14:creationId xmlns:p14="http://schemas.microsoft.com/office/powerpoint/2010/main" val="2114081682"/>
+      </p:ext>
+    </p:extLst>
+  </p:cSld>
+  <p:clrMapOvr>
+    <a:masterClrMapping/>
+  </p:clrMapOvr>
+</p:sld>
+</file>
+
+<file path=ppt/slides/slide4.xml><?xml version="1.0" encoding="utf-8"?>
+<p:sld xmlns:a="http://schemas.openxmlformats.org/drawingml/2006/main" xmlns:r="http://schemas.openxmlformats.org/officeDocument/2006/relationships" xmlns:p="http://schemas.openxmlformats.org/presentationml/2006/main">
+  <p:cSld>
+    <p:spTree>
+      <p:nvGrpSpPr>
+        <p:cNvPr id="1" name=""/>
+        <p:cNvGrpSpPr/>
+        <p:nvPr/>
+      </p:nvGrpSpPr>
+      <p:grpSpPr>
+        <a:xfrm>
+          <a:off x="0" y="0"/>
+          <a:ext cx="0" cy="0"/>
+          <a:chOff x="0" y="0"/>
+          <a:chExt cx="0" cy="0"/>
+        </a:xfrm>
+      </p:grpSpPr>
+      <p:sp>
+        <p:nvSpPr>
+          <p:cNvPr id="4" name="직사각형 3">
+            <a:extLst>
+              <a:ext uri="{FF2B5EF4-FFF2-40B4-BE49-F238E27FC236}">
+                <a16:creationId xmlns:a16="http://schemas.microsoft.com/office/drawing/2014/main" id="{F9AD4351-000C-4E7A-B3DB-60823A1BB38C}"/>
+              </a:ext>
+            </a:extLst>
+          </p:cNvPr>
+          <p:cNvSpPr/>
+          <p:nvPr/>
+        </p:nvSpPr>
+        <p:spPr>
+          <a:xfrm>
+            <a:off x="1503485" y="984739"/>
+            <a:ext cx="3015762" cy="4563207"/>
+          </a:xfrm>
+          <a:prstGeom prst="rect">
+            <a:avLst/>
+          </a:prstGeom>
+          <a:noFill/>
+          <a:ln w="38100">
+            <a:solidFill>
+              <a:schemeClr val="tx1"/>
+            </a:solidFill>
+          </a:ln>
+        </p:spPr>
+        <p:style>
+          <a:lnRef idx="2">
+            <a:schemeClr val="accent1">
+              <a:shade val="50000"/>
+            </a:schemeClr>
+          </a:lnRef>
+          <a:fillRef idx="1">
+            <a:schemeClr val="accent1"/>
+          </a:fillRef>
+          <a:effectRef idx="0">
+            <a:schemeClr val="accent1"/>
+          </a:effectRef>
+          <a:fontRef idx="minor">
+            <a:schemeClr val="lt1"/>
+          </a:fontRef>
+        </p:style>
+        <p:txBody>
+          <a:bodyPr rtlCol="0" anchor="ctr"/>
+          <a:lstStyle/>
+          <a:p>
+            <a:pPr algn="ctr"/>
+            <a:r>
+              <a:rPr lang="ko-KR" altLang="en-US" dirty="0">
+                <a:solidFill>
+                  <a:schemeClr val="tx1"/>
+                </a:solidFill>
+              </a:rPr>
+              <a:t>캐릭터</a:t>
+            </a:r>
+          </a:p>
+        </p:txBody>
+      </p:sp>
+      <p:sp>
+        <p:nvSpPr>
+          <p:cNvPr id="5" name="직사각형 4">
+            <a:extLst>
+              <a:ext uri="{FF2B5EF4-FFF2-40B4-BE49-F238E27FC236}">
+                <a16:creationId xmlns:a16="http://schemas.microsoft.com/office/drawing/2014/main" id="{F4F1F9C1-485B-4AD3-8DC4-0760C4E8218E}"/>
+              </a:ext>
+            </a:extLst>
+          </p:cNvPr>
+          <p:cNvSpPr/>
+          <p:nvPr/>
+        </p:nvSpPr>
+        <p:spPr>
+          <a:xfrm>
+            <a:off x="1503485" y="5741376"/>
+            <a:ext cx="3015762" cy="650632"/>
+          </a:xfrm>
+          <a:prstGeom prst="rect">
+            <a:avLst/>
+          </a:prstGeom>
+          <a:solidFill>
+            <a:schemeClr val="bg2">
+              <a:lumMod val="90000"/>
+            </a:schemeClr>
+          </a:solidFill>
+          <a:ln w="38100">
+            <a:solidFill>
+              <a:schemeClr val="tx1"/>
+            </a:solidFill>
+          </a:ln>
+        </p:spPr>
+        <p:style>
+          <a:lnRef idx="2">
+            <a:schemeClr val="accent1">
+              <a:shade val="50000"/>
+            </a:schemeClr>
+          </a:lnRef>
+          <a:fillRef idx="1">
+            <a:schemeClr val="accent1"/>
+          </a:fillRef>
+          <a:effectRef idx="0">
+            <a:schemeClr val="accent1"/>
+          </a:effectRef>
+          <a:fontRef idx="minor">
+            <a:schemeClr val="lt1"/>
+          </a:fontRef>
+        </p:style>
+        <p:txBody>
+          <a:bodyPr rtlCol="0" anchor="ctr"/>
+          <a:lstStyle/>
+          <a:p>
+            <a:pPr algn="ctr"/>
+            <a:r>
+              <a:rPr lang="ko-KR" altLang="en-US" dirty="0">
+                <a:solidFill>
+                  <a:schemeClr val="tx1"/>
+                </a:solidFill>
+              </a:rPr>
+              <a:t>선택 </a:t>
+            </a:r>
+            <a:r>
+              <a:rPr lang="en-US" altLang="ko-KR" dirty="0">
+                <a:solidFill>
+                  <a:schemeClr val="tx1"/>
+                </a:solidFill>
+              </a:rPr>
+              <a:t>/ </a:t>
+            </a:r>
+            <a:r>
+              <a:rPr lang="ko-KR" altLang="en-US" dirty="0">
+                <a:solidFill>
+                  <a:schemeClr val="tx1"/>
+                </a:solidFill>
+              </a:rPr>
+              <a:t>해제</a:t>
+            </a:r>
+          </a:p>
+        </p:txBody>
+      </p:sp>
+      <p:sp>
+        <p:nvSpPr>
+          <p:cNvPr id="6" name="직사각형 5">
+            <a:extLst>
+              <a:ext uri="{FF2B5EF4-FFF2-40B4-BE49-F238E27FC236}">
+                <a16:creationId xmlns:a16="http://schemas.microsoft.com/office/drawing/2014/main" id="{C0DB10B8-83C5-41F1-8C28-34EFDFB82DFA}"/>
+              </a:ext>
+            </a:extLst>
+          </p:cNvPr>
+          <p:cNvSpPr/>
+          <p:nvPr/>
+        </p:nvSpPr>
+        <p:spPr>
+          <a:xfrm>
+            <a:off x="8593016" y="5741376"/>
+            <a:ext cx="3015762" cy="650632"/>
+          </a:xfrm>
+          <a:prstGeom prst="rect">
+            <a:avLst/>
+          </a:prstGeom>
+          <a:solidFill>
+            <a:schemeClr val="bg2">
+              <a:lumMod val="90000"/>
+            </a:schemeClr>
+          </a:solidFill>
+          <a:ln w="38100">
+            <a:solidFill>
+              <a:schemeClr val="tx1"/>
+            </a:solidFill>
+          </a:ln>
+        </p:spPr>
+        <p:style>
+          <a:lnRef idx="2">
+            <a:schemeClr val="accent1">
+              <a:shade val="50000"/>
+            </a:schemeClr>
+          </a:lnRef>
+          <a:fillRef idx="1">
+            <a:schemeClr val="accent1"/>
+          </a:fillRef>
+          <a:effectRef idx="0">
+            <a:schemeClr val="accent1"/>
+          </a:effectRef>
+          <a:fontRef idx="minor">
+            <a:schemeClr val="lt1"/>
+          </a:fontRef>
+        </p:style>
+        <p:txBody>
+          <a:bodyPr rtlCol="0" anchor="ctr"/>
+          <a:lstStyle/>
+          <a:p>
+            <a:pPr algn="ctr"/>
+            <a:r>
+              <a:rPr lang="ko-KR" altLang="en-US" sz="1500" dirty="0">
+                <a:solidFill>
+                  <a:schemeClr val="tx1"/>
+                </a:solidFill>
+              </a:rPr>
+              <a:t>용병 강화</a:t>
+            </a:r>
+          </a:p>
+        </p:txBody>
+      </p:sp>
+      <p:sp>
+        <p:nvSpPr>
+          <p:cNvPr id="7" name="TextBox 6">
+            <a:extLst>
+              <a:ext uri="{FF2B5EF4-FFF2-40B4-BE49-F238E27FC236}">
+                <a16:creationId xmlns:a16="http://schemas.microsoft.com/office/drawing/2014/main" id="{9AD15269-5A14-4EB4-9EE4-3C074FCCC4E5}"/>
+              </a:ext>
+            </a:extLst>
+          </p:cNvPr>
+          <p:cNvSpPr txBox="1"/>
+          <p:nvPr/>
+        </p:nvSpPr>
+        <p:spPr>
+          <a:xfrm>
+            <a:off x="5029782" y="2725289"/>
+            <a:ext cx="1319592" cy="2400657"/>
+          </a:xfrm>
+          <a:prstGeom prst="rect">
+            <a:avLst/>
+          </a:prstGeom>
+          <a:noFill/>
+        </p:spPr>
+        <p:txBody>
+          <a:bodyPr wrap="none" rtlCol="0">
+            <a:spAutoFit/>
+          </a:bodyPr>
+          <a:lstStyle/>
+          <a:p>
+            <a:r>
+              <a:rPr lang="ko-KR" altLang="en-US" sz="1500" dirty="0"/>
+              <a:t>공격력</a:t>
+            </a:r>
+            <a:r>
+              <a:rPr lang="en-US" altLang="ko-KR" sz="1500" dirty="0"/>
+              <a:t>	30</a:t>
+            </a:r>
+          </a:p>
+          <a:p>
+            <a:endParaRPr lang="en-US" altLang="ko-KR" sz="1500" dirty="0"/>
+          </a:p>
+          <a:p>
+            <a:endParaRPr lang="en-US" altLang="ko-KR" sz="1500" dirty="0"/>
+          </a:p>
+          <a:p>
+            <a:endParaRPr lang="en-US" altLang="ko-KR" sz="1500" dirty="0"/>
+          </a:p>
+          <a:p>
+            <a:r>
+              <a:rPr lang="ko-KR" altLang="en-US" sz="1500" dirty="0"/>
+              <a:t>체력</a:t>
+            </a:r>
+            <a:r>
+              <a:rPr lang="en-US" altLang="ko-KR" sz="1500" dirty="0"/>
+              <a:t>	80</a:t>
+            </a:r>
+          </a:p>
+          <a:p>
+            <a:endParaRPr lang="en-US" altLang="ko-KR" sz="1500" dirty="0"/>
+          </a:p>
+          <a:p>
+            <a:endParaRPr lang="en-US" altLang="ko-KR" sz="1500" dirty="0"/>
+          </a:p>
+          <a:p>
+            <a:endParaRPr lang="en-US" altLang="ko-KR" sz="1500" dirty="0"/>
+          </a:p>
+          <a:p>
+            <a:endParaRPr lang="en-US" altLang="ko-KR" sz="1500" dirty="0"/>
+          </a:p>
+          <a:p>
+            <a:r>
+              <a:rPr lang="en-US" altLang="ko-KR" sz="1500" dirty="0"/>
+              <a:t>MP	50</a:t>
+            </a:r>
+            <a:endParaRPr lang="ko-KR" altLang="en-US" sz="1500" dirty="0"/>
+          </a:p>
+        </p:txBody>
+      </p:sp>
+      <p:sp>
+        <p:nvSpPr>
+          <p:cNvPr id="10" name="TextBox 9">
+            <a:extLst>
+              <a:ext uri="{FF2B5EF4-FFF2-40B4-BE49-F238E27FC236}">
+                <a16:creationId xmlns:a16="http://schemas.microsoft.com/office/drawing/2014/main" id="{D1AAAD4F-2F62-46E5-9E6A-AE257B5E0F39}"/>
+              </a:ext>
+            </a:extLst>
+          </p:cNvPr>
+          <p:cNvSpPr txBox="1"/>
+          <p:nvPr/>
+        </p:nvSpPr>
+        <p:spPr>
+          <a:xfrm>
+            <a:off x="5029782" y="2043686"/>
+            <a:ext cx="761747" cy="323165"/>
+          </a:xfrm>
+          <a:prstGeom prst="rect">
+            <a:avLst/>
+          </a:prstGeom>
+          <a:noFill/>
+        </p:spPr>
+        <p:txBody>
+          <a:bodyPr wrap="none" rtlCol="0">
+            <a:spAutoFit/>
+          </a:bodyPr>
+          <a:lstStyle/>
+          <a:p>
+            <a:r>
+              <a:rPr lang="ko-KR" altLang="en-US" sz="1500" b="1" dirty="0"/>
+              <a:t>능력치</a:t>
+            </a:r>
+          </a:p>
+        </p:txBody>
+      </p:sp>
+      <p:sp>
+        <p:nvSpPr>
+          <p:cNvPr id="12" name="직사각형 11">
+            <a:extLst>
+              <a:ext uri="{FF2B5EF4-FFF2-40B4-BE49-F238E27FC236}">
+                <a16:creationId xmlns:a16="http://schemas.microsoft.com/office/drawing/2014/main" id="{99AA20B8-A962-48E5-96AA-392003DC8FAB}"/>
+              </a:ext>
+            </a:extLst>
+          </p:cNvPr>
+          <p:cNvSpPr/>
+          <p:nvPr/>
+        </p:nvSpPr>
+        <p:spPr>
+          <a:xfrm>
+            <a:off x="4724401" y="984739"/>
+            <a:ext cx="5193322" cy="700510"/>
+          </a:xfrm>
+          <a:prstGeom prst="rect">
+            <a:avLst/>
+          </a:prstGeom>
+          <a:noFill/>
+          <a:ln w="38100">
+            <a:solidFill>
+              <a:schemeClr val="tx1"/>
+            </a:solidFill>
+          </a:ln>
+        </p:spPr>
+        <p:style>
+          <a:lnRef idx="2">
+            <a:schemeClr val="accent1">
+              <a:shade val="50000"/>
+            </a:schemeClr>
+          </a:lnRef>
+          <a:fillRef idx="1">
+            <a:schemeClr val="accent1"/>
+          </a:fillRef>
+          <a:effectRef idx="0">
+            <a:schemeClr val="accent1"/>
+          </a:effectRef>
+          <a:fontRef idx="minor">
+            <a:schemeClr val="lt1"/>
+          </a:fontRef>
+        </p:style>
+        <p:txBody>
+          <a:bodyPr rtlCol="0" anchor="ctr"/>
+          <a:lstStyle/>
+          <a:p>
+            <a:pPr algn="ctr"/>
+            <a:r>
+              <a:rPr lang="ko-KR" altLang="en-US" dirty="0">
+                <a:solidFill>
+                  <a:schemeClr val="tx1"/>
+                </a:solidFill>
+              </a:rPr>
+              <a:t>캐릭터 명 표시</a:t>
+            </a:r>
+          </a:p>
+        </p:txBody>
+      </p:sp>
+      <p:sp>
+        <p:nvSpPr>
+          <p:cNvPr id="13" name="직사각형 12">
+            <a:extLst>
+              <a:ext uri="{FF2B5EF4-FFF2-40B4-BE49-F238E27FC236}">
+                <a16:creationId xmlns:a16="http://schemas.microsoft.com/office/drawing/2014/main" id="{5F72A282-3084-4049-8489-69023D0ABEDD}"/>
+              </a:ext>
+            </a:extLst>
+          </p:cNvPr>
+          <p:cNvSpPr/>
+          <p:nvPr/>
+        </p:nvSpPr>
+        <p:spPr>
+          <a:xfrm>
+            <a:off x="10026162" y="984739"/>
+            <a:ext cx="1582616" cy="700510"/>
+          </a:xfrm>
+          <a:prstGeom prst="rect">
+            <a:avLst/>
+          </a:prstGeom>
+          <a:noFill/>
+          <a:ln w="38100">
+            <a:solidFill>
+              <a:schemeClr val="tx1"/>
+            </a:solidFill>
+          </a:ln>
+        </p:spPr>
+        <p:style>
+          <a:lnRef idx="2">
+            <a:schemeClr val="accent1">
+              <a:shade val="50000"/>
+            </a:schemeClr>
+          </a:lnRef>
+          <a:fillRef idx="1">
+            <a:schemeClr val="accent1"/>
+          </a:fillRef>
+          <a:effectRef idx="0">
+            <a:schemeClr val="accent1"/>
+          </a:effectRef>
+          <a:fontRef idx="minor">
+            <a:schemeClr val="lt1"/>
+          </a:fontRef>
+        </p:style>
+        <p:txBody>
+          <a:bodyPr rtlCol="0" anchor="ctr"/>
+          <a:lstStyle/>
+          <a:p>
+            <a:pPr algn="ctr"/>
+            <a:r>
+              <a:rPr lang="en-US" altLang="ko-KR" dirty="0">
+                <a:solidFill>
+                  <a:schemeClr val="tx1"/>
+                </a:solidFill>
+              </a:rPr>
+              <a:t>[</a:t>
+            </a:r>
+            <a:r>
+              <a:rPr lang="ko-KR" altLang="en-US" dirty="0">
+                <a:solidFill>
+                  <a:schemeClr val="tx1"/>
+                </a:solidFill>
+              </a:rPr>
+              <a:t>캐릭터 랭크</a:t>
+            </a:r>
+            <a:r>
+              <a:rPr lang="en-US" altLang="ko-KR" dirty="0">
+                <a:solidFill>
+                  <a:schemeClr val="tx1"/>
+                </a:solidFill>
+              </a:rPr>
+              <a:t>]</a:t>
+            </a:r>
+            <a:endParaRPr lang="ko-KR" altLang="en-US" dirty="0">
+              <a:solidFill>
+                <a:schemeClr val="tx1"/>
+              </a:solidFill>
+            </a:endParaRPr>
+          </a:p>
+        </p:txBody>
+      </p:sp>
+      <p:sp>
+        <p:nvSpPr>
+          <p:cNvPr id="11" name="직사각형 10">
+            <a:extLst>
+              <a:ext uri="{FF2B5EF4-FFF2-40B4-BE49-F238E27FC236}">
+                <a16:creationId xmlns:a16="http://schemas.microsoft.com/office/drawing/2014/main" id="{A17E1F68-4AF7-4515-8CCE-5CA75B6392D6}"/>
+              </a:ext>
+            </a:extLst>
+          </p:cNvPr>
+          <p:cNvSpPr/>
+          <p:nvPr/>
+        </p:nvSpPr>
+        <p:spPr>
+          <a:xfrm>
+            <a:off x="7455878" y="2366851"/>
+            <a:ext cx="914399" cy="1201616"/>
+          </a:xfrm>
+          <a:prstGeom prst="rect">
+            <a:avLst/>
+          </a:prstGeom>
+          <a:noFill/>
+          <a:ln w="38100">
+            <a:solidFill>
+              <a:schemeClr val="tx1"/>
+            </a:solidFill>
+          </a:ln>
+        </p:spPr>
+        <p:style>
+          <a:lnRef idx="2">
+            <a:schemeClr val="accent1">
+              <a:shade val="50000"/>
+            </a:schemeClr>
+          </a:lnRef>
+          <a:fillRef idx="1">
+            <a:schemeClr val="accent1"/>
+          </a:fillRef>
+          <a:effectRef idx="0">
+            <a:schemeClr val="accent1"/>
+          </a:effectRef>
+          <a:fontRef idx="minor">
+            <a:schemeClr val="lt1"/>
+          </a:fontRef>
+        </p:style>
+        <p:txBody>
+          <a:bodyPr rtlCol="0" anchor="ctr"/>
+          <a:lstStyle/>
+          <a:p>
+            <a:pPr algn="ctr"/>
+            <a:r>
+              <a:rPr lang="ko-KR" altLang="en-US" dirty="0">
+                <a:solidFill>
+                  <a:schemeClr val="tx1"/>
+                </a:solidFill>
+              </a:rPr>
+              <a:t>스킬</a:t>
+            </a:r>
+          </a:p>
+        </p:txBody>
+      </p:sp>
+      <p:sp>
+        <p:nvSpPr>
+          <p:cNvPr id="14" name="직사각형 13">
+            <a:extLst>
+              <a:ext uri="{FF2B5EF4-FFF2-40B4-BE49-F238E27FC236}">
+                <a16:creationId xmlns:a16="http://schemas.microsoft.com/office/drawing/2014/main" id="{89C3A4D7-1553-4993-8420-32026E084EC2}"/>
+              </a:ext>
+            </a:extLst>
+          </p:cNvPr>
+          <p:cNvSpPr/>
+          <p:nvPr/>
+        </p:nvSpPr>
+        <p:spPr>
+          <a:xfrm>
+            <a:off x="9111763" y="2366851"/>
+            <a:ext cx="914399" cy="1201616"/>
+          </a:xfrm>
+          <a:prstGeom prst="rect">
+            <a:avLst/>
+          </a:prstGeom>
+          <a:noFill/>
+          <a:ln w="38100">
+            <a:solidFill>
+              <a:schemeClr val="tx1"/>
+            </a:solidFill>
+          </a:ln>
+        </p:spPr>
+        <p:style>
+          <a:lnRef idx="2">
+            <a:schemeClr val="accent1">
+              <a:shade val="50000"/>
+            </a:schemeClr>
+          </a:lnRef>
+          <a:fillRef idx="1">
+            <a:schemeClr val="accent1"/>
+          </a:fillRef>
+          <a:effectRef idx="0">
+            <a:schemeClr val="accent1"/>
+          </a:effectRef>
+          <a:fontRef idx="minor">
+            <a:schemeClr val="lt1"/>
+          </a:fontRef>
+        </p:style>
+        <p:txBody>
+          <a:bodyPr rtlCol="0" anchor="ctr"/>
+          <a:lstStyle/>
+          <a:p>
+            <a:pPr algn="ctr"/>
+            <a:r>
+              <a:rPr lang="ko-KR" altLang="en-US" dirty="0" err="1">
+                <a:solidFill>
+                  <a:schemeClr val="tx1"/>
+                </a:solidFill>
+              </a:rPr>
+              <a:t>빈슬롯</a:t>
+            </a:r>
+            <a:endParaRPr lang="ko-KR" altLang="en-US" dirty="0">
+              <a:solidFill>
+                <a:schemeClr val="tx1"/>
+              </a:solidFill>
+            </a:endParaRPr>
+          </a:p>
+        </p:txBody>
+      </p:sp>
+      <p:sp>
+        <p:nvSpPr>
+          <p:cNvPr id="15" name="직사각형 14">
+            <a:extLst>
+              <a:ext uri="{FF2B5EF4-FFF2-40B4-BE49-F238E27FC236}">
+                <a16:creationId xmlns:a16="http://schemas.microsoft.com/office/drawing/2014/main" id="{7EE37B4A-E145-43AD-9BF1-ADE48617BFA0}"/>
+              </a:ext>
+            </a:extLst>
+          </p:cNvPr>
+          <p:cNvSpPr/>
+          <p:nvPr/>
+        </p:nvSpPr>
+        <p:spPr>
+          <a:xfrm>
+            <a:off x="10767648" y="2366851"/>
+            <a:ext cx="914399" cy="1201616"/>
+          </a:xfrm>
+          <a:prstGeom prst="rect">
+            <a:avLst/>
+          </a:prstGeom>
+          <a:noFill/>
+          <a:ln w="38100">
+            <a:solidFill>
+              <a:schemeClr val="tx1"/>
+            </a:solidFill>
+          </a:ln>
+        </p:spPr>
+        <p:style>
+          <a:lnRef idx="2">
+            <a:schemeClr val="accent1">
+              <a:shade val="50000"/>
+            </a:schemeClr>
+          </a:lnRef>
+          <a:fillRef idx="1">
+            <a:schemeClr val="accent1"/>
+          </a:fillRef>
+          <a:effectRef idx="0">
+            <a:schemeClr val="accent1"/>
+          </a:effectRef>
+          <a:fontRef idx="minor">
+            <a:schemeClr val="lt1"/>
+          </a:fontRef>
+        </p:style>
+        <p:txBody>
+          <a:bodyPr rtlCol="0" anchor="ctr"/>
+          <a:lstStyle/>
+          <a:p>
+            <a:pPr algn="ctr"/>
+            <a:r>
+              <a:rPr lang="ko-KR" altLang="en-US" dirty="0" err="1">
+                <a:solidFill>
+                  <a:schemeClr val="tx1"/>
+                </a:solidFill>
+              </a:rPr>
+              <a:t>빈슬롯</a:t>
+            </a:r>
+            <a:endParaRPr lang="ko-KR" altLang="en-US" dirty="0">
+              <a:solidFill>
+                <a:schemeClr val="tx1"/>
+              </a:solidFill>
+            </a:endParaRPr>
+          </a:p>
+        </p:txBody>
+      </p:sp>
+      <p:sp>
+        <p:nvSpPr>
+          <p:cNvPr id="16" name="직사각형 15">
+            <a:extLst>
+              <a:ext uri="{FF2B5EF4-FFF2-40B4-BE49-F238E27FC236}">
+                <a16:creationId xmlns:a16="http://schemas.microsoft.com/office/drawing/2014/main" id="{A4B5C202-02EF-4FC3-9307-8B7EAAEEC8B0}"/>
+              </a:ext>
+            </a:extLst>
+          </p:cNvPr>
+          <p:cNvSpPr/>
+          <p:nvPr/>
+        </p:nvSpPr>
+        <p:spPr>
+          <a:xfrm>
+            <a:off x="7455878" y="4250069"/>
+            <a:ext cx="914399" cy="1201616"/>
+          </a:xfrm>
+          <a:prstGeom prst="rect">
+            <a:avLst/>
+          </a:prstGeom>
+          <a:noFill/>
+          <a:ln w="38100">
+            <a:solidFill>
+              <a:schemeClr val="tx1"/>
+            </a:solidFill>
+          </a:ln>
+        </p:spPr>
+        <p:style>
+          <a:lnRef idx="2">
+            <a:schemeClr val="accent1">
+              <a:shade val="50000"/>
+            </a:schemeClr>
+          </a:lnRef>
+          <a:fillRef idx="1">
+            <a:schemeClr val="accent1"/>
+          </a:fillRef>
+          <a:effectRef idx="0">
+            <a:schemeClr val="accent1"/>
+          </a:effectRef>
+          <a:fontRef idx="minor">
+            <a:schemeClr val="lt1"/>
+          </a:fontRef>
+        </p:style>
+        <p:txBody>
+          <a:bodyPr rtlCol="0" anchor="ctr"/>
+          <a:lstStyle/>
+          <a:p>
+            <a:pPr algn="ctr"/>
+            <a:r>
+              <a:rPr lang="ko-KR" altLang="en-US" dirty="0">
+                <a:solidFill>
+                  <a:schemeClr val="tx1"/>
+                </a:solidFill>
+              </a:rPr>
+              <a:t>아이템</a:t>
+            </a:r>
+          </a:p>
+        </p:txBody>
+      </p:sp>
+      <p:sp>
+        <p:nvSpPr>
+          <p:cNvPr id="17" name="직사각형 16">
+            <a:extLst>
+              <a:ext uri="{FF2B5EF4-FFF2-40B4-BE49-F238E27FC236}">
+                <a16:creationId xmlns:a16="http://schemas.microsoft.com/office/drawing/2014/main" id="{33C24FB5-B5A2-4DE2-88F8-BF15194FC92A}"/>
+              </a:ext>
+            </a:extLst>
+          </p:cNvPr>
+          <p:cNvSpPr/>
+          <p:nvPr/>
+        </p:nvSpPr>
+        <p:spPr>
+          <a:xfrm>
+            <a:off x="9111763" y="4250069"/>
+            <a:ext cx="914399" cy="1201616"/>
+          </a:xfrm>
+          <a:prstGeom prst="rect">
+            <a:avLst/>
+          </a:prstGeom>
+          <a:noFill/>
+          <a:ln w="38100">
+            <a:solidFill>
+              <a:schemeClr val="tx1"/>
+            </a:solidFill>
+          </a:ln>
+        </p:spPr>
+        <p:style>
+          <a:lnRef idx="2">
+            <a:schemeClr val="accent1">
+              <a:shade val="50000"/>
+            </a:schemeClr>
+          </a:lnRef>
+          <a:fillRef idx="1">
+            <a:schemeClr val="accent1"/>
+          </a:fillRef>
+          <a:effectRef idx="0">
+            <a:schemeClr val="accent1"/>
+          </a:effectRef>
+          <a:fontRef idx="minor">
+            <a:schemeClr val="lt1"/>
+          </a:fontRef>
+        </p:style>
+        <p:txBody>
+          <a:bodyPr rtlCol="0" anchor="ctr"/>
+          <a:lstStyle/>
+          <a:p>
+            <a:pPr algn="ctr"/>
+            <a:r>
+              <a:rPr lang="ko-KR" altLang="en-US" dirty="0">
+                <a:solidFill>
+                  <a:schemeClr val="tx1"/>
+                </a:solidFill>
+              </a:rPr>
+              <a:t>아이템</a:t>
+            </a:r>
+          </a:p>
+        </p:txBody>
+      </p:sp>
+      <p:sp>
+        <p:nvSpPr>
+          <p:cNvPr id="18" name="직사각형 17">
+            <a:extLst>
+              <a:ext uri="{FF2B5EF4-FFF2-40B4-BE49-F238E27FC236}">
+                <a16:creationId xmlns:a16="http://schemas.microsoft.com/office/drawing/2014/main" id="{CCA4E777-D485-43BA-A578-1B1A64DF3702}"/>
+              </a:ext>
+            </a:extLst>
+          </p:cNvPr>
+          <p:cNvSpPr/>
+          <p:nvPr/>
+        </p:nvSpPr>
+        <p:spPr>
+          <a:xfrm>
+            <a:off x="10767648" y="4250069"/>
+            <a:ext cx="914399" cy="1201616"/>
+          </a:xfrm>
+          <a:prstGeom prst="rect">
+            <a:avLst/>
+          </a:prstGeom>
+          <a:noFill/>
+          <a:ln w="38100">
+            <a:solidFill>
+              <a:schemeClr val="tx1"/>
+            </a:solidFill>
+          </a:ln>
+        </p:spPr>
+        <p:style>
+          <a:lnRef idx="2">
+            <a:schemeClr val="accent1">
+              <a:shade val="50000"/>
+            </a:schemeClr>
+          </a:lnRef>
+          <a:fillRef idx="1">
+            <a:schemeClr val="accent1"/>
+          </a:fillRef>
+          <a:effectRef idx="0">
+            <a:schemeClr val="accent1"/>
+          </a:effectRef>
+          <a:fontRef idx="minor">
+            <a:schemeClr val="lt1"/>
+          </a:fontRef>
+        </p:style>
+        <p:txBody>
+          <a:bodyPr rtlCol="0" anchor="ctr"/>
+          <a:lstStyle/>
+          <a:p>
+            <a:pPr algn="ctr"/>
+            <a:r>
+              <a:rPr lang="ko-KR" altLang="en-US" dirty="0" err="1">
+                <a:solidFill>
+                  <a:schemeClr val="tx1"/>
+                </a:solidFill>
+              </a:rPr>
+              <a:t>빈슬롯</a:t>
+            </a:r>
+            <a:endParaRPr lang="ko-KR" altLang="en-US" dirty="0">
+              <a:solidFill>
+                <a:schemeClr val="tx1"/>
+              </a:solidFill>
+            </a:endParaRPr>
+          </a:p>
+        </p:txBody>
+      </p:sp>
+      <p:sp>
+        <p:nvSpPr>
+          <p:cNvPr id="19" name="TextBox 18">
+            <a:extLst>
+              <a:ext uri="{FF2B5EF4-FFF2-40B4-BE49-F238E27FC236}">
+                <a16:creationId xmlns:a16="http://schemas.microsoft.com/office/drawing/2014/main" id="{615A8A12-C24A-4A50-8880-08346481E328}"/>
+              </a:ext>
+            </a:extLst>
+          </p:cNvPr>
+          <p:cNvSpPr txBox="1"/>
+          <p:nvPr/>
+        </p:nvSpPr>
+        <p:spPr>
+          <a:xfrm>
+            <a:off x="7447086" y="1990933"/>
+            <a:ext cx="1021433" cy="323165"/>
+          </a:xfrm>
+          <a:prstGeom prst="rect">
+            <a:avLst/>
+          </a:prstGeom>
+          <a:noFill/>
+        </p:spPr>
+        <p:txBody>
+          <a:bodyPr wrap="none" rtlCol="0">
+            <a:spAutoFit/>
+          </a:bodyPr>
+          <a:lstStyle/>
+          <a:p>
+            <a:r>
+              <a:rPr lang="ko-KR" altLang="en-US" sz="1500" b="1" dirty="0"/>
+              <a:t>보유 스킬</a:t>
+            </a:r>
+          </a:p>
+        </p:txBody>
+      </p:sp>
+      <p:sp>
+        <p:nvSpPr>
+          <p:cNvPr id="20" name="TextBox 19">
+            <a:extLst>
+              <a:ext uri="{FF2B5EF4-FFF2-40B4-BE49-F238E27FC236}">
+                <a16:creationId xmlns:a16="http://schemas.microsoft.com/office/drawing/2014/main" id="{53296AA2-2681-4697-9B98-A1007169805E}"/>
+              </a:ext>
+            </a:extLst>
+          </p:cNvPr>
+          <p:cNvSpPr txBox="1"/>
+          <p:nvPr/>
+        </p:nvSpPr>
+        <p:spPr>
+          <a:xfrm>
+            <a:off x="7447085" y="3872865"/>
+            <a:ext cx="1213794" cy="323165"/>
+          </a:xfrm>
+          <a:prstGeom prst="rect">
+            <a:avLst/>
+          </a:prstGeom>
+          <a:noFill/>
+        </p:spPr>
+        <p:txBody>
+          <a:bodyPr wrap="none" rtlCol="0">
+            <a:spAutoFit/>
+          </a:bodyPr>
+          <a:lstStyle/>
+          <a:p>
+            <a:r>
+              <a:rPr lang="ko-KR" altLang="en-US" sz="1500" b="1" dirty="0"/>
+              <a:t>장착 아이템</a:t>
+            </a:r>
+          </a:p>
+        </p:txBody>
+      </p:sp>
+      <p:grpSp>
+        <p:nvGrpSpPr>
+          <p:cNvPr id="2" name="그룹 1">
+            <a:extLst>
+              <a:ext uri="{FF2B5EF4-FFF2-40B4-BE49-F238E27FC236}">
+                <a16:creationId xmlns:a16="http://schemas.microsoft.com/office/drawing/2014/main" id="{018797B8-C9F2-4B5B-A8AB-3D615F0E956A}"/>
+              </a:ext>
+            </a:extLst>
+          </p:cNvPr>
+          <p:cNvGrpSpPr/>
+          <p:nvPr/>
+        </p:nvGrpSpPr>
+        <p:grpSpPr>
+          <a:xfrm>
+            <a:off x="4644942" y="2152515"/>
+            <a:ext cx="3077308" cy="3472962"/>
+            <a:chOff x="3738197" y="2152515"/>
+            <a:chExt cx="3077308" cy="3472962"/>
+          </a:xfrm>
+        </p:grpSpPr>
+        <p:sp>
+          <p:nvSpPr>
+            <p:cNvPr id="3" name="직사각형 2">
+              <a:extLst>
+                <a:ext uri="{FF2B5EF4-FFF2-40B4-BE49-F238E27FC236}">
+                  <a16:creationId xmlns:a16="http://schemas.microsoft.com/office/drawing/2014/main" id="{8EF0DBAC-7F9D-4CE0-94E3-CC2C90DD486E}"/>
+                </a:ext>
+              </a:extLst>
+            </p:cNvPr>
+            <p:cNvSpPr/>
+            <p:nvPr/>
+          </p:nvSpPr>
+          <p:spPr>
+            <a:xfrm>
+              <a:off x="3738197" y="2152515"/>
+              <a:ext cx="3077308" cy="3472962"/>
+            </a:xfrm>
+            <a:prstGeom prst="rect">
+              <a:avLst/>
+            </a:prstGeom>
+            <a:solidFill>
+              <a:schemeClr val="bg2"/>
+            </a:solidFill>
+            <a:ln w="28575">
+              <a:solidFill>
+                <a:srgbClr val="FF0000"/>
+              </a:solidFill>
+            </a:ln>
+          </p:spPr>
+          <p:style>
+            <a:lnRef idx="2">
+              <a:schemeClr val="accent1">
+                <a:shade val="50000"/>
+              </a:schemeClr>
+            </a:lnRef>
+            <a:fillRef idx="1">
+              <a:schemeClr val="accent1"/>
+            </a:fillRef>
+            <a:effectRef idx="0">
+              <a:schemeClr val="accent1"/>
+            </a:effectRef>
+            <a:fontRef idx="minor">
+              <a:schemeClr val="lt1"/>
+            </a:fontRef>
+          </p:style>
+          <p:txBody>
+            <a:bodyPr rtlCol="0" anchor="ctr"/>
+            <a:lstStyle/>
+            <a:p>
+              <a:pPr algn="ctr"/>
+              <a:endParaRPr lang="ko-KR" altLang="en-US" dirty="0"/>
+            </a:p>
+          </p:txBody>
+        </p:sp>
+        <p:sp>
+          <p:nvSpPr>
+            <p:cNvPr id="21" name="직사각형 20">
+              <a:extLst>
+                <a:ext uri="{FF2B5EF4-FFF2-40B4-BE49-F238E27FC236}">
+                  <a16:creationId xmlns:a16="http://schemas.microsoft.com/office/drawing/2014/main" id="{1AC15F91-AB17-43BA-BA45-D698302643F2}"/>
+                </a:ext>
+              </a:extLst>
+            </p:cNvPr>
+            <p:cNvSpPr/>
+            <p:nvPr/>
+          </p:nvSpPr>
+          <p:spPr>
+            <a:xfrm>
+              <a:off x="4062047" y="2511696"/>
+              <a:ext cx="914399" cy="1201616"/>
+            </a:xfrm>
+            <a:prstGeom prst="rect">
+              <a:avLst/>
+            </a:prstGeom>
+            <a:noFill/>
+            <a:ln w="38100">
+              <a:solidFill>
+                <a:schemeClr val="tx1"/>
+              </a:solidFill>
+            </a:ln>
+          </p:spPr>
+          <p:style>
+            <a:lnRef idx="2">
+              <a:schemeClr val="accent1">
+                <a:shade val="50000"/>
+              </a:schemeClr>
+            </a:lnRef>
+            <a:fillRef idx="1">
+              <a:schemeClr val="accent1"/>
+            </a:fillRef>
+            <a:effectRef idx="0">
+              <a:schemeClr val="accent1"/>
+            </a:effectRef>
+            <a:fontRef idx="minor">
+              <a:schemeClr val="lt1"/>
+            </a:fontRef>
+          </p:style>
+          <p:txBody>
+            <a:bodyPr rtlCol="0" anchor="ctr"/>
+            <a:lstStyle/>
+            <a:p>
+              <a:pPr algn="ctr"/>
+              <a:r>
+                <a:rPr lang="ko-KR" altLang="en-US" dirty="0">
+                  <a:solidFill>
+                    <a:schemeClr val="tx1"/>
+                  </a:solidFill>
+                </a:rPr>
+                <a:t>스킬</a:t>
+              </a:r>
+            </a:p>
+          </p:txBody>
+        </p:sp>
+        <p:sp>
+          <p:nvSpPr>
+            <p:cNvPr id="22" name="TextBox 21">
+              <a:extLst>
+                <a:ext uri="{FF2B5EF4-FFF2-40B4-BE49-F238E27FC236}">
+                  <a16:creationId xmlns:a16="http://schemas.microsoft.com/office/drawing/2014/main" id="{5CD536D4-C81C-4BB9-A6E8-244DA86D950C}"/>
+                </a:ext>
+              </a:extLst>
+            </p:cNvPr>
+            <p:cNvSpPr txBox="1"/>
+            <p:nvPr/>
+          </p:nvSpPr>
+          <p:spPr>
+            <a:xfrm>
+              <a:off x="5212961" y="2500370"/>
+              <a:ext cx="1189749" cy="369332"/>
+            </a:xfrm>
+            <a:prstGeom prst="rect">
+              <a:avLst/>
+            </a:prstGeom>
+            <a:noFill/>
+          </p:spPr>
+          <p:txBody>
+            <a:bodyPr wrap="none" rtlCol="0">
+              <a:spAutoFit/>
+            </a:bodyPr>
+            <a:lstStyle/>
+            <a:p>
+              <a:r>
+                <a:rPr lang="ko-KR" altLang="en-US" dirty="0"/>
+                <a:t>스킬 효과</a:t>
+              </a:r>
+            </a:p>
+          </p:txBody>
+        </p:sp>
+        <p:sp>
+          <p:nvSpPr>
+            <p:cNvPr id="23" name="TextBox 22">
+              <a:extLst>
+                <a:ext uri="{FF2B5EF4-FFF2-40B4-BE49-F238E27FC236}">
+                  <a16:creationId xmlns:a16="http://schemas.microsoft.com/office/drawing/2014/main" id="{666EA238-C649-4AF4-B92B-BEDE6E8A116E}"/>
+                </a:ext>
+              </a:extLst>
+            </p:cNvPr>
+            <p:cNvSpPr txBox="1"/>
+            <p:nvPr/>
+          </p:nvSpPr>
+          <p:spPr>
+            <a:xfrm>
+              <a:off x="5208929" y="2858808"/>
+              <a:ext cx="1189749" cy="369332"/>
+            </a:xfrm>
+            <a:prstGeom prst="rect">
+              <a:avLst/>
+            </a:prstGeom>
+            <a:noFill/>
+          </p:spPr>
+          <p:txBody>
+            <a:bodyPr wrap="none" rtlCol="0">
+              <a:spAutoFit/>
+            </a:bodyPr>
+            <a:lstStyle/>
+            <a:p>
+              <a:r>
+                <a:rPr lang="ko-KR" altLang="en-US" dirty="0"/>
+                <a:t>스킬 효과</a:t>
+              </a:r>
+            </a:p>
+          </p:txBody>
+        </p:sp>
+        <p:sp>
+          <p:nvSpPr>
+            <p:cNvPr id="24" name="TextBox 23">
+              <a:extLst>
+                <a:ext uri="{FF2B5EF4-FFF2-40B4-BE49-F238E27FC236}">
+                  <a16:creationId xmlns:a16="http://schemas.microsoft.com/office/drawing/2014/main" id="{06B6F315-2FAC-451D-902A-0807475F602C}"/>
+                </a:ext>
+              </a:extLst>
+            </p:cNvPr>
+            <p:cNvSpPr txBox="1"/>
+            <p:nvPr/>
+          </p:nvSpPr>
+          <p:spPr>
+            <a:xfrm>
+              <a:off x="5204897" y="3217246"/>
+              <a:ext cx="1189749" cy="369332"/>
+            </a:xfrm>
+            <a:prstGeom prst="rect">
+              <a:avLst/>
+            </a:prstGeom>
+            <a:noFill/>
+          </p:spPr>
+          <p:txBody>
+            <a:bodyPr wrap="none" rtlCol="0">
+              <a:spAutoFit/>
+            </a:bodyPr>
+            <a:lstStyle/>
+            <a:p>
+              <a:r>
+                <a:rPr lang="ko-KR" altLang="en-US" dirty="0"/>
+                <a:t>스킬 효과</a:t>
+              </a:r>
+            </a:p>
+          </p:txBody>
+        </p:sp>
+        <p:sp>
+          <p:nvSpPr>
+            <p:cNvPr id="25" name="직사각형 24">
+              <a:extLst>
+                <a:ext uri="{FF2B5EF4-FFF2-40B4-BE49-F238E27FC236}">
+                  <a16:creationId xmlns:a16="http://schemas.microsoft.com/office/drawing/2014/main" id="{284C4478-1430-4D51-AEC5-9FB9E228DD1D}"/>
+                </a:ext>
+              </a:extLst>
+            </p:cNvPr>
+            <p:cNvSpPr/>
+            <p:nvPr/>
+          </p:nvSpPr>
+          <p:spPr>
+            <a:xfrm>
+              <a:off x="3900703" y="4881088"/>
+              <a:ext cx="1258917" cy="592402"/>
+            </a:xfrm>
+            <a:prstGeom prst="rect">
+              <a:avLst/>
+            </a:prstGeom>
+            <a:solidFill>
+              <a:schemeClr val="bg2"/>
+            </a:solidFill>
+            <a:ln w="28575">
+              <a:solidFill>
+                <a:schemeClr val="tx1"/>
+              </a:solidFill>
+            </a:ln>
+          </p:spPr>
+          <p:style>
+            <a:lnRef idx="2">
+              <a:schemeClr val="accent1">
+                <a:shade val="50000"/>
+              </a:schemeClr>
+            </a:lnRef>
+            <a:fillRef idx="1">
+              <a:schemeClr val="accent1"/>
+            </a:fillRef>
+            <a:effectRef idx="0">
+              <a:schemeClr val="accent1"/>
+            </a:effectRef>
+            <a:fontRef idx="minor">
+              <a:schemeClr val="lt1"/>
+            </a:fontRef>
+          </p:style>
+          <p:txBody>
+            <a:bodyPr rtlCol="0" anchor="ctr"/>
+            <a:lstStyle/>
+            <a:p>
+              <a:pPr algn="ctr"/>
+              <a:r>
+                <a:rPr lang="ko-KR" altLang="en-US" dirty="0">
+                  <a:solidFill>
+                    <a:schemeClr val="tx1"/>
+                  </a:solidFill>
+                </a:rPr>
+                <a:t>재설정</a:t>
+              </a:r>
+            </a:p>
+          </p:txBody>
+        </p:sp>
+        <p:sp>
+          <p:nvSpPr>
+            <p:cNvPr id="26" name="직사각형 25">
+              <a:extLst>
+                <a:ext uri="{FF2B5EF4-FFF2-40B4-BE49-F238E27FC236}">
+                  <a16:creationId xmlns:a16="http://schemas.microsoft.com/office/drawing/2014/main" id="{511621B1-6153-4C05-BF92-31F12D28B48F}"/>
+                </a:ext>
+              </a:extLst>
+            </p:cNvPr>
+            <p:cNvSpPr/>
+            <p:nvPr/>
+          </p:nvSpPr>
+          <p:spPr>
+            <a:xfrm>
+              <a:off x="5353708" y="4881088"/>
+              <a:ext cx="1258917" cy="592402"/>
+            </a:xfrm>
+            <a:prstGeom prst="rect">
+              <a:avLst/>
+            </a:prstGeom>
+            <a:solidFill>
+              <a:schemeClr val="bg2"/>
+            </a:solidFill>
+            <a:ln w="28575">
+              <a:solidFill>
+                <a:schemeClr val="tx1"/>
+              </a:solidFill>
+            </a:ln>
+          </p:spPr>
+          <p:style>
+            <a:lnRef idx="2">
+              <a:schemeClr val="accent1">
+                <a:shade val="50000"/>
+              </a:schemeClr>
+            </a:lnRef>
+            <a:fillRef idx="1">
+              <a:schemeClr val="accent1"/>
+            </a:fillRef>
+            <a:effectRef idx="0">
+              <a:schemeClr val="accent1"/>
+            </a:effectRef>
+            <a:fontRef idx="minor">
+              <a:schemeClr val="lt1"/>
+            </a:fontRef>
+          </p:style>
+          <p:txBody>
+            <a:bodyPr rtlCol="0" anchor="ctr"/>
+            <a:lstStyle/>
+            <a:p>
+              <a:pPr algn="ctr"/>
+              <a:r>
+                <a:rPr lang="ko-KR" altLang="en-US" dirty="0">
+                  <a:solidFill>
+                    <a:schemeClr val="tx1"/>
+                  </a:solidFill>
+                </a:rPr>
+                <a:t>스킬 강화</a:t>
+              </a:r>
+            </a:p>
+          </p:txBody>
+        </p:sp>
+        <p:sp>
+          <p:nvSpPr>
+            <p:cNvPr id="27" name="TextBox 26">
+              <a:extLst>
+                <a:ext uri="{FF2B5EF4-FFF2-40B4-BE49-F238E27FC236}">
+                  <a16:creationId xmlns:a16="http://schemas.microsoft.com/office/drawing/2014/main" id="{AEF0B4DC-D993-4676-839B-BDBBB4C7DA51}"/>
+                </a:ext>
+              </a:extLst>
+            </p:cNvPr>
+            <p:cNvSpPr txBox="1"/>
+            <p:nvPr/>
+          </p:nvSpPr>
+          <p:spPr>
+            <a:xfrm>
+              <a:off x="3853839" y="4453807"/>
+              <a:ext cx="1330814" cy="369332"/>
+            </a:xfrm>
+            <a:prstGeom prst="rect">
+              <a:avLst/>
+            </a:prstGeom>
+            <a:noFill/>
+          </p:spPr>
+          <p:txBody>
+            <a:bodyPr wrap="none" rtlCol="0">
+              <a:spAutoFit/>
+            </a:bodyPr>
+            <a:lstStyle/>
+            <a:p>
+              <a:r>
+                <a:rPr lang="en-US" altLang="ko-KR" dirty="0"/>
+                <a:t>[</a:t>
+              </a:r>
+              <a:r>
+                <a:rPr lang="ko-KR" altLang="en-US" dirty="0"/>
+                <a:t>필요 골드</a:t>
+              </a:r>
+              <a:r>
+                <a:rPr lang="en-US" altLang="ko-KR" dirty="0"/>
+                <a:t>]</a:t>
+              </a:r>
+              <a:endParaRPr lang="ko-KR" altLang="en-US" dirty="0"/>
+            </a:p>
+          </p:txBody>
+        </p:sp>
+        <p:sp>
+          <p:nvSpPr>
+            <p:cNvPr id="28" name="TextBox 27">
+              <a:extLst>
+                <a:ext uri="{FF2B5EF4-FFF2-40B4-BE49-F238E27FC236}">
+                  <a16:creationId xmlns:a16="http://schemas.microsoft.com/office/drawing/2014/main" id="{3D4C0E54-E182-4D44-B815-AA6E03604A37}"/>
+                </a:ext>
+              </a:extLst>
+            </p:cNvPr>
+            <p:cNvSpPr txBox="1"/>
+            <p:nvPr/>
+          </p:nvSpPr>
+          <p:spPr>
+            <a:xfrm>
+              <a:off x="5353708" y="4453807"/>
+              <a:ext cx="1330814" cy="369332"/>
+            </a:xfrm>
+            <a:prstGeom prst="rect">
+              <a:avLst/>
+            </a:prstGeom>
+            <a:noFill/>
+          </p:spPr>
+          <p:txBody>
+            <a:bodyPr wrap="none" rtlCol="0">
+              <a:spAutoFit/>
+            </a:bodyPr>
+            <a:lstStyle/>
+            <a:p>
+              <a:r>
+                <a:rPr lang="en-US" altLang="ko-KR" dirty="0"/>
+                <a:t>[</a:t>
+              </a:r>
+              <a:r>
+                <a:rPr lang="ko-KR" altLang="en-US" dirty="0"/>
+                <a:t>필요 골드</a:t>
+              </a:r>
+              <a:r>
+                <a:rPr lang="en-US" altLang="ko-KR" dirty="0"/>
+                <a:t>]</a:t>
+              </a:r>
+              <a:endParaRPr lang="ko-KR" altLang="en-US" dirty="0"/>
+            </a:p>
+          </p:txBody>
+        </p:sp>
+      </p:grpSp>
+    </p:spTree>
+    <p:extLst>
+      <p:ext uri="{BB962C8B-B14F-4D97-AF65-F5344CB8AC3E}">
+        <p14:creationId xmlns:p14="http://schemas.microsoft.com/office/powerpoint/2010/main" val="2816174628"/>
+      </p:ext>
+    </p:extLst>
+  </p:cSld>
+  <p:clrMapOvr>
+    <a:masterClrMapping/>
+  </p:clrMapOvr>
+</p:sld>
+</file>
+
+<file path=ppt/slides/slide5.xml><?xml version="1.0" encoding="utf-8"?>
+<p:sld xmlns:a="http://schemas.openxmlformats.org/drawingml/2006/main" xmlns:r="http://schemas.openxmlformats.org/officeDocument/2006/relationships" xmlns:p="http://schemas.openxmlformats.org/presentationml/2006/main">
+  <p:cSld>
+    <p:spTree>
+      <p:nvGrpSpPr>
+        <p:cNvPr id="1" name=""/>
+        <p:cNvGrpSpPr/>
+        <p:nvPr/>
+      </p:nvGrpSpPr>
+      <p:grpSpPr>
+        <a:xfrm>
+          <a:off x="0" y="0"/>
+          <a:ext cx="0" cy="0"/>
+          <a:chOff x="0" y="0"/>
+          <a:chExt cx="0" cy="0"/>
+        </a:xfrm>
+      </p:grpSpPr>
+      <p:sp>
+        <p:nvSpPr>
+          <p:cNvPr id="4" name="직사각형 3">
+            <a:extLst>
+              <a:ext uri="{FF2B5EF4-FFF2-40B4-BE49-F238E27FC236}">
+                <a16:creationId xmlns:a16="http://schemas.microsoft.com/office/drawing/2014/main" id="{F9AD4351-000C-4E7A-B3DB-60823A1BB38C}"/>
+              </a:ext>
+            </a:extLst>
+          </p:cNvPr>
+          <p:cNvSpPr/>
+          <p:nvPr/>
+        </p:nvSpPr>
+        <p:spPr>
+          <a:xfrm>
+            <a:off x="1503485" y="984739"/>
+            <a:ext cx="3015762" cy="4563207"/>
+          </a:xfrm>
+          <a:prstGeom prst="rect">
+            <a:avLst/>
+          </a:prstGeom>
+          <a:noFill/>
+          <a:ln w="38100">
+            <a:solidFill>
+              <a:schemeClr val="tx1"/>
+            </a:solidFill>
+          </a:ln>
+        </p:spPr>
+        <p:style>
+          <a:lnRef idx="2">
+            <a:schemeClr val="accent1">
+              <a:shade val="50000"/>
+            </a:schemeClr>
+          </a:lnRef>
+          <a:fillRef idx="1">
+            <a:schemeClr val="accent1"/>
+          </a:fillRef>
+          <a:effectRef idx="0">
+            <a:schemeClr val="accent1"/>
+          </a:effectRef>
+          <a:fontRef idx="minor">
+            <a:schemeClr val="lt1"/>
+          </a:fontRef>
+        </p:style>
+        <p:txBody>
+          <a:bodyPr rtlCol="0" anchor="ctr"/>
+          <a:lstStyle/>
+          <a:p>
+            <a:pPr algn="ctr"/>
+            <a:r>
+              <a:rPr lang="ko-KR" altLang="en-US" dirty="0">
+                <a:solidFill>
+                  <a:schemeClr val="tx1"/>
+                </a:solidFill>
+              </a:rPr>
+              <a:t>캐릭터</a:t>
+            </a:r>
+          </a:p>
+        </p:txBody>
+      </p:sp>
+      <p:sp>
+        <p:nvSpPr>
+          <p:cNvPr id="5" name="직사각형 4">
+            <a:extLst>
+              <a:ext uri="{FF2B5EF4-FFF2-40B4-BE49-F238E27FC236}">
+                <a16:creationId xmlns:a16="http://schemas.microsoft.com/office/drawing/2014/main" id="{F4F1F9C1-485B-4AD3-8DC4-0760C4E8218E}"/>
+              </a:ext>
+            </a:extLst>
+          </p:cNvPr>
+          <p:cNvSpPr/>
+          <p:nvPr/>
+        </p:nvSpPr>
+        <p:spPr>
+          <a:xfrm>
+            <a:off x="1503485" y="5741376"/>
+            <a:ext cx="3015762" cy="650632"/>
+          </a:xfrm>
+          <a:prstGeom prst="rect">
+            <a:avLst/>
+          </a:prstGeom>
+          <a:solidFill>
+            <a:schemeClr val="bg2">
+              <a:lumMod val="90000"/>
+            </a:schemeClr>
+          </a:solidFill>
+          <a:ln w="38100">
+            <a:solidFill>
+              <a:schemeClr val="tx1"/>
+            </a:solidFill>
+          </a:ln>
+        </p:spPr>
+        <p:style>
+          <a:lnRef idx="2">
+            <a:schemeClr val="accent1">
+              <a:shade val="50000"/>
+            </a:schemeClr>
+          </a:lnRef>
+          <a:fillRef idx="1">
+            <a:schemeClr val="accent1"/>
+          </a:fillRef>
+          <a:effectRef idx="0">
+            <a:schemeClr val="accent1"/>
+          </a:effectRef>
+          <a:fontRef idx="minor">
+            <a:schemeClr val="lt1"/>
+          </a:fontRef>
+        </p:style>
+        <p:txBody>
+          <a:bodyPr rtlCol="0" anchor="ctr"/>
+          <a:lstStyle/>
+          <a:p>
+            <a:pPr algn="ctr"/>
+            <a:r>
+              <a:rPr lang="ko-KR" altLang="en-US" dirty="0">
+                <a:solidFill>
+                  <a:schemeClr val="tx1"/>
+                </a:solidFill>
+              </a:rPr>
+              <a:t>선택 </a:t>
+            </a:r>
+            <a:r>
+              <a:rPr lang="en-US" altLang="ko-KR" dirty="0">
+                <a:solidFill>
+                  <a:schemeClr val="tx1"/>
+                </a:solidFill>
+              </a:rPr>
+              <a:t>/ </a:t>
+            </a:r>
+            <a:r>
+              <a:rPr lang="ko-KR" altLang="en-US" dirty="0">
+                <a:solidFill>
+                  <a:schemeClr val="tx1"/>
+                </a:solidFill>
+              </a:rPr>
+              <a:t>해제</a:t>
+            </a:r>
+          </a:p>
+        </p:txBody>
+      </p:sp>
+      <p:sp>
+        <p:nvSpPr>
+          <p:cNvPr id="6" name="직사각형 5">
+            <a:extLst>
+              <a:ext uri="{FF2B5EF4-FFF2-40B4-BE49-F238E27FC236}">
+                <a16:creationId xmlns:a16="http://schemas.microsoft.com/office/drawing/2014/main" id="{C0DB10B8-83C5-41F1-8C28-34EFDFB82DFA}"/>
+              </a:ext>
+            </a:extLst>
+          </p:cNvPr>
+          <p:cNvSpPr/>
+          <p:nvPr/>
+        </p:nvSpPr>
+        <p:spPr>
+          <a:xfrm>
+            <a:off x="8593016" y="5741376"/>
+            <a:ext cx="3015762" cy="650632"/>
+          </a:xfrm>
+          <a:prstGeom prst="rect">
+            <a:avLst/>
+          </a:prstGeom>
+          <a:solidFill>
+            <a:schemeClr val="bg2">
+              <a:lumMod val="90000"/>
+            </a:schemeClr>
+          </a:solidFill>
+          <a:ln w="38100">
+            <a:solidFill>
+              <a:schemeClr val="tx1"/>
+            </a:solidFill>
+          </a:ln>
+        </p:spPr>
+        <p:style>
+          <a:lnRef idx="2">
+            <a:schemeClr val="accent1">
+              <a:shade val="50000"/>
+            </a:schemeClr>
+          </a:lnRef>
+          <a:fillRef idx="1">
+            <a:schemeClr val="accent1"/>
+          </a:fillRef>
+          <a:effectRef idx="0">
+            <a:schemeClr val="accent1"/>
+          </a:effectRef>
+          <a:fontRef idx="minor">
+            <a:schemeClr val="lt1"/>
+          </a:fontRef>
+        </p:style>
+        <p:txBody>
+          <a:bodyPr rtlCol="0" anchor="ctr"/>
+          <a:lstStyle/>
+          <a:p>
+            <a:pPr algn="ctr"/>
+            <a:r>
+              <a:rPr lang="ko-KR" altLang="en-US" sz="1500" dirty="0">
+                <a:solidFill>
+                  <a:schemeClr val="tx1"/>
+                </a:solidFill>
+              </a:rPr>
+              <a:t>용병 강화</a:t>
+            </a:r>
+          </a:p>
+        </p:txBody>
+      </p:sp>
+      <p:sp>
+        <p:nvSpPr>
+          <p:cNvPr id="7" name="TextBox 6">
+            <a:extLst>
+              <a:ext uri="{FF2B5EF4-FFF2-40B4-BE49-F238E27FC236}">
+                <a16:creationId xmlns:a16="http://schemas.microsoft.com/office/drawing/2014/main" id="{9AD15269-5A14-4EB4-9EE4-3C074FCCC4E5}"/>
+              </a:ext>
+            </a:extLst>
+          </p:cNvPr>
+          <p:cNvSpPr txBox="1"/>
+          <p:nvPr/>
+        </p:nvSpPr>
+        <p:spPr>
+          <a:xfrm>
+            <a:off x="5029782" y="2725289"/>
+            <a:ext cx="1319592" cy="2400657"/>
+          </a:xfrm>
+          <a:prstGeom prst="rect">
+            <a:avLst/>
+          </a:prstGeom>
+          <a:noFill/>
+        </p:spPr>
+        <p:txBody>
+          <a:bodyPr wrap="none" rtlCol="0">
+            <a:spAutoFit/>
+          </a:bodyPr>
+          <a:lstStyle/>
+          <a:p>
+            <a:r>
+              <a:rPr lang="ko-KR" altLang="en-US" sz="1500" dirty="0"/>
+              <a:t>공격력</a:t>
+            </a:r>
+            <a:r>
+              <a:rPr lang="en-US" altLang="ko-KR" sz="1500" dirty="0"/>
+              <a:t>	30</a:t>
+            </a:r>
+          </a:p>
+          <a:p>
+            <a:endParaRPr lang="en-US" altLang="ko-KR" sz="1500" dirty="0"/>
+          </a:p>
+          <a:p>
+            <a:endParaRPr lang="en-US" altLang="ko-KR" sz="1500" dirty="0"/>
+          </a:p>
+          <a:p>
+            <a:endParaRPr lang="en-US" altLang="ko-KR" sz="1500" dirty="0"/>
+          </a:p>
+          <a:p>
+            <a:r>
+              <a:rPr lang="ko-KR" altLang="en-US" sz="1500" dirty="0"/>
+              <a:t>체력</a:t>
+            </a:r>
+            <a:r>
+              <a:rPr lang="en-US" altLang="ko-KR" sz="1500" dirty="0"/>
+              <a:t>	80</a:t>
+            </a:r>
+          </a:p>
+          <a:p>
+            <a:endParaRPr lang="en-US" altLang="ko-KR" sz="1500" dirty="0"/>
+          </a:p>
+          <a:p>
+            <a:endParaRPr lang="en-US" altLang="ko-KR" sz="1500" dirty="0"/>
+          </a:p>
+          <a:p>
+            <a:endParaRPr lang="en-US" altLang="ko-KR" sz="1500" dirty="0"/>
+          </a:p>
+          <a:p>
+            <a:endParaRPr lang="en-US" altLang="ko-KR" sz="1500" dirty="0"/>
+          </a:p>
+          <a:p>
+            <a:r>
+              <a:rPr lang="en-US" altLang="ko-KR" sz="1500" dirty="0"/>
+              <a:t>MP	50</a:t>
+            </a:r>
+            <a:endParaRPr lang="ko-KR" altLang="en-US" sz="1500" dirty="0"/>
+          </a:p>
+        </p:txBody>
+      </p:sp>
+      <p:sp>
+        <p:nvSpPr>
+          <p:cNvPr id="10" name="TextBox 9">
+            <a:extLst>
+              <a:ext uri="{FF2B5EF4-FFF2-40B4-BE49-F238E27FC236}">
+                <a16:creationId xmlns:a16="http://schemas.microsoft.com/office/drawing/2014/main" id="{D1AAAD4F-2F62-46E5-9E6A-AE257B5E0F39}"/>
+              </a:ext>
+            </a:extLst>
+          </p:cNvPr>
+          <p:cNvSpPr txBox="1"/>
+          <p:nvPr/>
+        </p:nvSpPr>
+        <p:spPr>
+          <a:xfrm>
+            <a:off x="5029782" y="2043686"/>
+            <a:ext cx="761747" cy="323165"/>
+          </a:xfrm>
+          <a:prstGeom prst="rect">
+            <a:avLst/>
+          </a:prstGeom>
+          <a:noFill/>
+        </p:spPr>
+        <p:txBody>
+          <a:bodyPr wrap="none" rtlCol="0">
+            <a:spAutoFit/>
+          </a:bodyPr>
+          <a:lstStyle/>
+          <a:p>
+            <a:r>
+              <a:rPr lang="ko-KR" altLang="en-US" sz="1500" b="1" dirty="0"/>
+              <a:t>능력치</a:t>
+            </a:r>
+          </a:p>
+        </p:txBody>
+      </p:sp>
+      <p:sp>
+        <p:nvSpPr>
+          <p:cNvPr id="12" name="직사각형 11">
+            <a:extLst>
+              <a:ext uri="{FF2B5EF4-FFF2-40B4-BE49-F238E27FC236}">
+                <a16:creationId xmlns:a16="http://schemas.microsoft.com/office/drawing/2014/main" id="{99AA20B8-A962-48E5-96AA-392003DC8FAB}"/>
+              </a:ext>
+            </a:extLst>
+          </p:cNvPr>
+          <p:cNvSpPr/>
+          <p:nvPr/>
+        </p:nvSpPr>
+        <p:spPr>
+          <a:xfrm>
+            <a:off x="4724401" y="984739"/>
+            <a:ext cx="5193322" cy="700510"/>
+          </a:xfrm>
+          <a:prstGeom prst="rect">
+            <a:avLst/>
+          </a:prstGeom>
+          <a:noFill/>
+          <a:ln w="38100">
+            <a:solidFill>
+              <a:schemeClr val="tx1"/>
+            </a:solidFill>
+          </a:ln>
+        </p:spPr>
+        <p:style>
+          <a:lnRef idx="2">
+            <a:schemeClr val="accent1">
+              <a:shade val="50000"/>
+            </a:schemeClr>
+          </a:lnRef>
+          <a:fillRef idx="1">
+            <a:schemeClr val="accent1"/>
+          </a:fillRef>
+          <a:effectRef idx="0">
+            <a:schemeClr val="accent1"/>
+          </a:effectRef>
+          <a:fontRef idx="minor">
+            <a:schemeClr val="lt1"/>
+          </a:fontRef>
+        </p:style>
+        <p:txBody>
+          <a:bodyPr rtlCol="0" anchor="ctr"/>
+          <a:lstStyle/>
+          <a:p>
+            <a:pPr algn="ctr"/>
+            <a:r>
+              <a:rPr lang="ko-KR" altLang="en-US" dirty="0">
+                <a:solidFill>
+                  <a:schemeClr val="tx1"/>
+                </a:solidFill>
+              </a:rPr>
+              <a:t>캐릭터 명 표시</a:t>
+            </a:r>
+          </a:p>
+        </p:txBody>
+      </p:sp>
+      <p:sp>
+        <p:nvSpPr>
+          <p:cNvPr id="13" name="직사각형 12">
+            <a:extLst>
+              <a:ext uri="{FF2B5EF4-FFF2-40B4-BE49-F238E27FC236}">
+                <a16:creationId xmlns:a16="http://schemas.microsoft.com/office/drawing/2014/main" id="{5F72A282-3084-4049-8489-69023D0ABEDD}"/>
+              </a:ext>
+            </a:extLst>
+          </p:cNvPr>
+          <p:cNvSpPr/>
+          <p:nvPr/>
+        </p:nvSpPr>
+        <p:spPr>
+          <a:xfrm>
+            <a:off x="10026162" y="984739"/>
+            <a:ext cx="1582616" cy="700510"/>
+          </a:xfrm>
+          <a:prstGeom prst="rect">
+            <a:avLst/>
+          </a:prstGeom>
+          <a:noFill/>
+          <a:ln w="38100">
+            <a:solidFill>
+              <a:schemeClr val="tx1"/>
+            </a:solidFill>
+          </a:ln>
+        </p:spPr>
+        <p:style>
+          <a:lnRef idx="2">
+            <a:schemeClr val="accent1">
+              <a:shade val="50000"/>
+            </a:schemeClr>
+          </a:lnRef>
+          <a:fillRef idx="1">
+            <a:schemeClr val="accent1"/>
+          </a:fillRef>
+          <a:effectRef idx="0">
+            <a:schemeClr val="accent1"/>
+          </a:effectRef>
+          <a:fontRef idx="minor">
+            <a:schemeClr val="lt1"/>
+          </a:fontRef>
+        </p:style>
+        <p:txBody>
+          <a:bodyPr rtlCol="0" anchor="ctr"/>
+          <a:lstStyle/>
+          <a:p>
+            <a:pPr algn="ctr"/>
+            <a:r>
+              <a:rPr lang="en-US" altLang="ko-KR" dirty="0">
+                <a:solidFill>
+                  <a:schemeClr val="tx1"/>
+                </a:solidFill>
+              </a:rPr>
+              <a:t>[</a:t>
+            </a:r>
+            <a:r>
+              <a:rPr lang="ko-KR" altLang="en-US" dirty="0">
+                <a:solidFill>
+                  <a:schemeClr val="tx1"/>
+                </a:solidFill>
+              </a:rPr>
+              <a:t>캐릭터 랭크</a:t>
+            </a:r>
+            <a:r>
+              <a:rPr lang="en-US" altLang="ko-KR" dirty="0">
+                <a:solidFill>
+                  <a:schemeClr val="tx1"/>
+                </a:solidFill>
+              </a:rPr>
+              <a:t>]</a:t>
+            </a:r>
+            <a:endParaRPr lang="ko-KR" altLang="en-US" dirty="0">
+              <a:solidFill>
+                <a:schemeClr val="tx1"/>
+              </a:solidFill>
+            </a:endParaRPr>
+          </a:p>
+        </p:txBody>
+      </p:sp>
+      <p:sp>
+        <p:nvSpPr>
+          <p:cNvPr id="11" name="직사각형 10">
+            <a:extLst>
+              <a:ext uri="{FF2B5EF4-FFF2-40B4-BE49-F238E27FC236}">
+                <a16:creationId xmlns:a16="http://schemas.microsoft.com/office/drawing/2014/main" id="{A17E1F68-4AF7-4515-8CCE-5CA75B6392D6}"/>
+              </a:ext>
+            </a:extLst>
+          </p:cNvPr>
+          <p:cNvSpPr/>
+          <p:nvPr/>
+        </p:nvSpPr>
+        <p:spPr>
+          <a:xfrm>
+            <a:off x="7455878" y="2366851"/>
+            <a:ext cx="914399" cy="1201616"/>
+          </a:xfrm>
+          <a:prstGeom prst="rect">
+            <a:avLst/>
+          </a:prstGeom>
+          <a:noFill/>
+          <a:ln w="38100">
+            <a:solidFill>
+              <a:schemeClr val="tx1"/>
+            </a:solidFill>
+          </a:ln>
+        </p:spPr>
+        <p:style>
+          <a:lnRef idx="2">
+            <a:schemeClr val="accent1">
+              <a:shade val="50000"/>
+            </a:schemeClr>
+          </a:lnRef>
+          <a:fillRef idx="1">
+            <a:schemeClr val="accent1"/>
+          </a:fillRef>
+          <a:effectRef idx="0">
+            <a:schemeClr val="accent1"/>
+          </a:effectRef>
+          <a:fontRef idx="minor">
+            <a:schemeClr val="lt1"/>
+          </a:fontRef>
+        </p:style>
+        <p:txBody>
+          <a:bodyPr rtlCol="0" anchor="ctr"/>
+          <a:lstStyle/>
+          <a:p>
+            <a:pPr algn="ctr"/>
+            <a:r>
+              <a:rPr lang="ko-KR" altLang="en-US" dirty="0">
+                <a:solidFill>
+                  <a:schemeClr val="tx1"/>
+                </a:solidFill>
+              </a:rPr>
+              <a:t>스킬</a:t>
+            </a:r>
+          </a:p>
+        </p:txBody>
+      </p:sp>
+      <p:sp>
+        <p:nvSpPr>
+          <p:cNvPr id="14" name="직사각형 13">
+            <a:extLst>
+              <a:ext uri="{FF2B5EF4-FFF2-40B4-BE49-F238E27FC236}">
+                <a16:creationId xmlns:a16="http://schemas.microsoft.com/office/drawing/2014/main" id="{89C3A4D7-1553-4993-8420-32026E084EC2}"/>
+              </a:ext>
+            </a:extLst>
+          </p:cNvPr>
+          <p:cNvSpPr/>
+          <p:nvPr/>
+        </p:nvSpPr>
+        <p:spPr>
+          <a:xfrm>
+            <a:off x="9111763" y="2366851"/>
+            <a:ext cx="914399" cy="1201616"/>
+          </a:xfrm>
+          <a:prstGeom prst="rect">
+            <a:avLst/>
+          </a:prstGeom>
+          <a:noFill/>
+          <a:ln w="38100">
+            <a:solidFill>
+              <a:schemeClr val="tx1"/>
+            </a:solidFill>
+          </a:ln>
+        </p:spPr>
+        <p:style>
+          <a:lnRef idx="2">
+            <a:schemeClr val="accent1">
+              <a:shade val="50000"/>
+            </a:schemeClr>
+          </a:lnRef>
+          <a:fillRef idx="1">
+            <a:schemeClr val="accent1"/>
+          </a:fillRef>
+          <a:effectRef idx="0">
+            <a:schemeClr val="accent1"/>
+          </a:effectRef>
+          <a:fontRef idx="minor">
+            <a:schemeClr val="lt1"/>
+          </a:fontRef>
+        </p:style>
+        <p:txBody>
+          <a:bodyPr rtlCol="0" anchor="ctr"/>
+          <a:lstStyle/>
+          <a:p>
+            <a:pPr algn="ctr"/>
+            <a:r>
+              <a:rPr lang="ko-KR" altLang="en-US" dirty="0" err="1">
+                <a:solidFill>
+                  <a:schemeClr val="tx1"/>
+                </a:solidFill>
+              </a:rPr>
+              <a:t>빈슬롯</a:t>
+            </a:r>
+            <a:endParaRPr lang="ko-KR" altLang="en-US" dirty="0">
+              <a:solidFill>
+                <a:schemeClr val="tx1"/>
+              </a:solidFill>
+            </a:endParaRPr>
+          </a:p>
+        </p:txBody>
+      </p:sp>
+      <p:sp>
+        <p:nvSpPr>
+          <p:cNvPr id="15" name="직사각형 14">
+            <a:extLst>
+              <a:ext uri="{FF2B5EF4-FFF2-40B4-BE49-F238E27FC236}">
+                <a16:creationId xmlns:a16="http://schemas.microsoft.com/office/drawing/2014/main" id="{7EE37B4A-E145-43AD-9BF1-ADE48617BFA0}"/>
+              </a:ext>
+            </a:extLst>
+          </p:cNvPr>
+          <p:cNvSpPr/>
+          <p:nvPr/>
+        </p:nvSpPr>
+        <p:spPr>
+          <a:xfrm>
+            <a:off x="10767648" y="2366851"/>
+            <a:ext cx="914399" cy="1201616"/>
+          </a:xfrm>
+          <a:prstGeom prst="rect">
+            <a:avLst/>
+          </a:prstGeom>
+          <a:noFill/>
+          <a:ln w="38100">
+            <a:solidFill>
+              <a:schemeClr val="tx1"/>
+            </a:solidFill>
+          </a:ln>
+        </p:spPr>
+        <p:style>
+          <a:lnRef idx="2">
+            <a:schemeClr val="accent1">
+              <a:shade val="50000"/>
+            </a:schemeClr>
+          </a:lnRef>
+          <a:fillRef idx="1">
+            <a:schemeClr val="accent1"/>
+          </a:fillRef>
+          <a:effectRef idx="0">
+            <a:schemeClr val="accent1"/>
+          </a:effectRef>
+          <a:fontRef idx="minor">
+            <a:schemeClr val="lt1"/>
+          </a:fontRef>
+        </p:style>
+        <p:txBody>
+          <a:bodyPr rtlCol="0" anchor="ctr"/>
+          <a:lstStyle/>
+          <a:p>
+            <a:pPr algn="ctr"/>
+            <a:r>
+              <a:rPr lang="ko-KR" altLang="en-US" dirty="0" err="1">
+                <a:solidFill>
+                  <a:schemeClr val="tx1"/>
+                </a:solidFill>
+              </a:rPr>
+              <a:t>빈슬롯</a:t>
+            </a:r>
+            <a:endParaRPr lang="ko-KR" altLang="en-US" dirty="0">
+              <a:solidFill>
+                <a:schemeClr val="tx1"/>
+              </a:solidFill>
+            </a:endParaRPr>
+          </a:p>
+        </p:txBody>
+      </p:sp>
+      <p:sp>
+        <p:nvSpPr>
+          <p:cNvPr id="16" name="직사각형 15">
+            <a:extLst>
+              <a:ext uri="{FF2B5EF4-FFF2-40B4-BE49-F238E27FC236}">
+                <a16:creationId xmlns:a16="http://schemas.microsoft.com/office/drawing/2014/main" id="{A4B5C202-02EF-4FC3-9307-8B7EAAEEC8B0}"/>
+              </a:ext>
+            </a:extLst>
+          </p:cNvPr>
+          <p:cNvSpPr/>
+          <p:nvPr/>
+        </p:nvSpPr>
+        <p:spPr>
+          <a:xfrm>
+            <a:off x="7455878" y="4250069"/>
+            <a:ext cx="914399" cy="1201616"/>
+          </a:xfrm>
+          <a:prstGeom prst="rect">
+            <a:avLst/>
+          </a:prstGeom>
+          <a:noFill/>
+          <a:ln w="38100">
+            <a:solidFill>
+              <a:schemeClr val="tx1"/>
+            </a:solidFill>
+          </a:ln>
+        </p:spPr>
+        <p:style>
+          <a:lnRef idx="2">
+            <a:schemeClr val="accent1">
+              <a:shade val="50000"/>
+            </a:schemeClr>
+          </a:lnRef>
+          <a:fillRef idx="1">
+            <a:schemeClr val="accent1"/>
+          </a:fillRef>
+          <a:effectRef idx="0">
+            <a:schemeClr val="accent1"/>
+          </a:effectRef>
+          <a:fontRef idx="minor">
+            <a:schemeClr val="lt1"/>
+          </a:fontRef>
+        </p:style>
+        <p:txBody>
+          <a:bodyPr rtlCol="0" anchor="ctr"/>
+          <a:lstStyle/>
+          <a:p>
+            <a:pPr algn="ctr"/>
+            <a:r>
+              <a:rPr lang="ko-KR" altLang="en-US" dirty="0">
+                <a:solidFill>
+                  <a:schemeClr val="tx1"/>
+                </a:solidFill>
+              </a:rPr>
+              <a:t>아이템</a:t>
+            </a:r>
+          </a:p>
+        </p:txBody>
+      </p:sp>
+      <p:sp>
+        <p:nvSpPr>
+          <p:cNvPr id="17" name="직사각형 16">
+            <a:extLst>
+              <a:ext uri="{FF2B5EF4-FFF2-40B4-BE49-F238E27FC236}">
+                <a16:creationId xmlns:a16="http://schemas.microsoft.com/office/drawing/2014/main" id="{33C24FB5-B5A2-4DE2-88F8-BF15194FC92A}"/>
+              </a:ext>
+            </a:extLst>
+          </p:cNvPr>
+          <p:cNvSpPr/>
+          <p:nvPr/>
+        </p:nvSpPr>
+        <p:spPr>
+          <a:xfrm>
+            <a:off x="9111763" y="4250069"/>
+            <a:ext cx="914399" cy="1201616"/>
+          </a:xfrm>
+          <a:prstGeom prst="rect">
+            <a:avLst/>
+          </a:prstGeom>
+          <a:noFill/>
+          <a:ln w="38100">
+            <a:solidFill>
+              <a:schemeClr val="tx1"/>
+            </a:solidFill>
+          </a:ln>
+        </p:spPr>
+        <p:style>
+          <a:lnRef idx="2">
+            <a:schemeClr val="accent1">
+              <a:shade val="50000"/>
+            </a:schemeClr>
+          </a:lnRef>
+          <a:fillRef idx="1">
+            <a:schemeClr val="accent1"/>
+          </a:fillRef>
+          <a:effectRef idx="0">
+            <a:schemeClr val="accent1"/>
+          </a:effectRef>
+          <a:fontRef idx="minor">
+            <a:schemeClr val="lt1"/>
+          </a:fontRef>
+        </p:style>
+        <p:txBody>
+          <a:bodyPr rtlCol="0" anchor="ctr"/>
+          <a:lstStyle/>
+          <a:p>
+            <a:pPr algn="ctr"/>
+            <a:r>
+              <a:rPr lang="ko-KR" altLang="en-US" dirty="0">
+                <a:solidFill>
+                  <a:schemeClr val="tx1"/>
+                </a:solidFill>
+              </a:rPr>
+              <a:t>아이템</a:t>
+            </a:r>
+          </a:p>
+        </p:txBody>
+      </p:sp>
+      <p:sp>
+        <p:nvSpPr>
+          <p:cNvPr id="18" name="직사각형 17">
+            <a:extLst>
+              <a:ext uri="{FF2B5EF4-FFF2-40B4-BE49-F238E27FC236}">
+                <a16:creationId xmlns:a16="http://schemas.microsoft.com/office/drawing/2014/main" id="{CCA4E777-D485-43BA-A578-1B1A64DF3702}"/>
+              </a:ext>
+            </a:extLst>
+          </p:cNvPr>
+          <p:cNvSpPr/>
+          <p:nvPr/>
+        </p:nvSpPr>
+        <p:spPr>
+          <a:xfrm>
+            <a:off x="10767648" y="4250069"/>
+            <a:ext cx="914399" cy="1201616"/>
+          </a:xfrm>
+          <a:prstGeom prst="rect">
+            <a:avLst/>
+          </a:prstGeom>
+          <a:noFill/>
+          <a:ln w="38100">
+            <a:solidFill>
+              <a:schemeClr val="tx1"/>
+            </a:solidFill>
+          </a:ln>
+        </p:spPr>
+        <p:style>
+          <a:lnRef idx="2">
+            <a:schemeClr val="accent1">
+              <a:shade val="50000"/>
+            </a:schemeClr>
+          </a:lnRef>
+          <a:fillRef idx="1">
+            <a:schemeClr val="accent1"/>
+          </a:fillRef>
+          <a:effectRef idx="0">
+            <a:schemeClr val="accent1"/>
+          </a:effectRef>
+          <a:fontRef idx="minor">
+            <a:schemeClr val="lt1"/>
+          </a:fontRef>
+        </p:style>
+        <p:txBody>
+          <a:bodyPr rtlCol="0" anchor="ctr"/>
+          <a:lstStyle/>
+          <a:p>
+            <a:pPr algn="ctr"/>
+            <a:r>
+              <a:rPr lang="ko-KR" altLang="en-US" dirty="0" err="1">
+                <a:solidFill>
+                  <a:schemeClr val="tx1"/>
+                </a:solidFill>
+              </a:rPr>
+              <a:t>빈슬롯</a:t>
+            </a:r>
+            <a:endParaRPr lang="ko-KR" altLang="en-US" dirty="0">
+              <a:solidFill>
+                <a:schemeClr val="tx1"/>
+              </a:solidFill>
+            </a:endParaRPr>
+          </a:p>
+        </p:txBody>
+      </p:sp>
+      <p:sp>
+        <p:nvSpPr>
+          <p:cNvPr id="19" name="TextBox 18">
+            <a:extLst>
+              <a:ext uri="{FF2B5EF4-FFF2-40B4-BE49-F238E27FC236}">
+                <a16:creationId xmlns:a16="http://schemas.microsoft.com/office/drawing/2014/main" id="{615A8A12-C24A-4A50-8880-08346481E328}"/>
+              </a:ext>
+            </a:extLst>
+          </p:cNvPr>
+          <p:cNvSpPr txBox="1"/>
+          <p:nvPr/>
+        </p:nvSpPr>
+        <p:spPr>
+          <a:xfrm>
+            <a:off x="7447086" y="1990933"/>
+            <a:ext cx="1021433" cy="323165"/>
+          </a:xfrm>
+          <a:prstGeom prst="rect">
+            <a:avLst/>
+          </a:prstGeom>
+          <a:noFill/>
+        </p:spPr>
+        <p:txBody>
+          <a:bodyPr wrap="none" rtlCol="0">
+            <a:spAutoFit/>
+          </a:bodyPr>
+          <a:lstStyle/>
+          <a:p>
+            <a:r>
+              <a:rPr lang="ko-KR" altLang="en-US" sz="1500" b="1" dirty="0"/>
+              <a:t>보유 스킬</a:t>
+            </a:r>
+          </a:p>
+        </p:txBody>
+      </p:sp>
+      <p:sp>
+        <p:nvSpPr>
+          <p:cNvPr id="20" name="TextBox 19">
+            <a:extLst>
+              <a:ext uri="{FF2B5EF4-FFF2-40B4-BE49-F238E27FC236}">
+                <a16:creationId xmlns:a16="http://schemas.microsoft.com/office/drawing/2014/main" id="{53296AA2-2681-4697-9B98-A1007169805E}"/>
+              </a:ext>
+            </a:extLst>
+          </p:cNvPr>
+          <p:cNvSpPr txBox="1"/>
+          <p:nvPr/>
+        </p:nvSpPr>
+        <p:spPr>
+          <a:xfrm>
+            <a:off x="7447085" y="3872865"/>
+            <a:ext cx="1213794" cy="323165"/>
+          </a:xfrm>
+          <a:prstGeom prst="rect">
+            <a:avLst/>
+          </a:prstGeom>
+          <a:noFill/>
+        </p:spPr>
+        <p:txBody>
+          <a:bodyPr wrap="none" rtlCol="0">
+            <a:spAutoFit/>
+          </a:bodyPr>
+          <a:lstStyle/>
+          <a:p>
+            <a:r>
+              <a:rPr lang="ko-KR" altLang="en-US" sz="1500" b="1" dirty="0"/>
+              <a:t>장착 아이템</a:t>
+            </a:r>
+          </a:p>
+        </p:txBody>
+      </p:sp>
+      <p:grpSp>
+        <p:nvGrpSpPr>
+          <p:cNvPr id="2" name="그룹 1">
+            <a:extLst>
+              <a:ext uri="{FF2B5EF4-FFF2-40B4-BE49-F238E27FC236}">
+                <a16:creationId xmlns:a16="http://schemas.microsoft.com/office/drawing/2014/main" id="{018797B8-C9F2-4B5B-A8AB-3D615F0E956A}"/>
+              </a:ext>
+            </a:extLst>
+          </p:cNvPr>
+          <p:cNvGrpSpPr/>
+          <p:nvPr/>
+        </p:nvGrpSpPr>
+        <p:grpSpPr>
+          <a:xfrm>
+            <a:off x="4644942" y="2152515"/>
+            <a:ext cx="3077308" cy="3472962"/>
+            <a:chOff x="3738197" y="2152515"/>
+            <a:chExt cx="3077308" cy="3472962"/>
+          </a:xfrm>
+        </p:grpSpPr>
+        <p:sp>
+          <p:nvSpPr>
+            <p:cNvPr id="3" name="직사각형 2">
+              <a:extLst>
+                <a:ext uri="{FF2B5EF4-FFF2-40B4-BE49-F238E27FC236}">
+                  <a16:creationId xmlns:a16="http://schemas.microsoft.com/office/drawing/2014/main" id="{8EF0DBAC-7F9D-4CE0-94E3-CC2C90DD486E}"/>
+                </a:ext>
+              </a:extLst>
+            </p:cNvPr>
+            <p:cNvSpPr/>
+            <p:nvPr/>
+          </p:nvSpPr>
+          <p:spPr>
+            <a:xfrm>
+              <a:off x="3738197" y="2152515"/>
+              <a:ext cx="3077308" cy="3472962"/>
+            </a:xfrm>
+            <a:prstGeom prst="rect">
+              <a:avLst/>
+            </a:prstGeom>
+            <a:solidFill>
+              <a:schemeClr val="bg2"/>
+            </a:solidFill>
+            <a:ln w="28575">
+              <a:solidFill>
+                <a:srgbClr val="FF0000"/>
+              </a:solidFill>
+            </a:ln>
+          </p:spPr>
+          <p:style>
+            <a:lnRef idx="2">
+              <a:schemeClr val="accent1">
+                <a:shade val="50000"/>
+              </a:schemeClr>
+            </a:lnRef>
+            <a:fillRef idx="1">
+              <a:schemeClr val="accent1"/>
+            </a:fillRef>
+            <a:effectRef idx="0">
+              <a:schemeClr val="accent1"/>
+            </a:effectRef>
+            <a:fontRef idx="minor">
+              <a:schemeClr val="lt1"/>
+            </a:fontRef>
+          </p:style>
+          <p:txBody>
+            <a:bodyPr rtlCol="0" anchor="ctr"/>
+            <a:lstStyle/>
+            <a:p>
+              <a:pPr algn="ctr"/>
+              <a:endParaRPr lang="ko-KR" altLang="en-US" dirty="0"/>
+            </a:p>
+          </p:txBody>
+        </p:sp>
+        <p:sp>
+          <p:nvSpPr>
+            <p:cNvPr id="21" name="직사각형 20">
+              <a:extLst>
+                <a:ext uri="{FF2B5EF4-FFF2-40B4-BE49-F238E27FC236}">
+                  <a16:creationId xmlns:a16="http://schemas.microsoft.com/office/drawing/2014/main" id="{1AC15F91-AB17-43BA-BA45-D698302643F2}"/>
+                </a:ext>
+              </a:extLst>
+            </p:cNvPr>
+            <p:cNvSpPr/>
+            <p:nvPr/>
+          </p:nvSpPr>
+          <p:spPr>
+            <a:xfrm>
+              <a:off x="4062047" y="2511696"/>
+              <a:ext cx="914399" cy="1201616"/>
+            </a:xfrm>
+            <a:prstGeom prst="rect">
+              <a:avLst/>
+            </a:prstGeom>
+            <a:noFill/>
+            <a:ln w="38100">
+              <a:solidFill>
+                <a:schemeClr val="tx1"/>
+              </a:solidFill>
+            </a:ln>
+          </p:spPr>
+          <p:style>
+            <a:lnRef idx="2">
+              <a:schemeClr val="accent1">
+                <a:shade val="50000"/>
+              </a:schemeClr>
+            </a:lnRef>
+            <a:fillRef idx="1">
+              <a:schemeClr val="accent1"/>
+            </a:fillRef>
+            <a:effectRef idx="0">
+              <a:schemeClr val="accent1"/>
+            </a:effectRef>
+            <a:fontRef idx="minor">
+              <a:schemeClr val="lt1"/>
+            </a:fontRef>
+          </p:style>
+          <p:txBody>
+            <a:bodyPr rtlCol="0" anchor="ctr"/>
+            <a:lstStyle/>
+            <a:p>
+              <a:pPr algn="ctr"/>
+              <a:r>
+                <a:rPr lang="ko-KR" altLang="en-US" dirty="0" err="1">
+                  <a:solidFill>
+                    <a:schemeClr val="tx1"/>
+                  </a:solidFill>
+                </a:rPr>
+                <a:t>빈슬롯</a:t>
+              </a:r>
+              <a:endParaRPr lang="ko-KR" altLang="en-US" dirty="0">
+                <a:solidFill>
+                  <a:schemeClr val="tx1"/>
+                </a:solidFill>
+              </a:endParaRPr>
+            </a:p>
+          </p:txBody>
+        </p:sp>
+        <p:sp>
+          <p:nvSpPr>
+            <p:cNvPr id="22" name="TextBox 21">
+              <a:extLst>
+                <a:ext uri="{FF2B5EF4-FFF2-40B4-BE49-F238E27FC236}">
+                  <a16:creationId xmlns:a16="http://schemas.microsoft.com/office/drawing/2014/main" id="{5CD536D4-C81C-4BB9-A6E8-244DA86D950C}"/>
+                </a:ext>
+              </a:extLst>
+            </p:cNvPr>
+            <p:cNvSpPr txBox="1"/>
+            <p:nvPr/>
+          </p:nvSpPr>
+          <p:spPr>
+            <a:xfrm>
+              <a:off x="5207989" y="2927838"/>
+              <a:ext cx="1189749" cy="369332"/>
+            </a:xfrm>
+            <a:prstGeom prst="rect">
+              <a:avLst/>
+            </a:prstGeom>
+            <a:noFill/>
+          </p:spPr>
+          <p:txBody>
+            <a:bodyPr wrap="none" rtlCol="0">
+              <a:spAutoFit/>
+            </a:bodyPr>
+            <a:lstStyle/>
+            <a:p>
+              <a:r>
+                <a:rPr lang="ko-KR" altLang="en-US" dirty="0"/>
+                <a:t>스킬 없음</a:t>
+              </a:r>
+            </a:p>
+          </p:txBody>
+        </p:sp>
+        <p:sp>
+          <p:nvSpPr>
+            <p:cNvPr id="25" name="직사각형 24">
+              <a:extLst>
+                <a:ext uri="{FF2B5EF4-FFF2-40B4-BE49-F238E27FC236}">
+                  <a16:creationId xmlns:a16="http://schemas.microsoft.com/office/drawing/2014/main" id="{284C4478-1430-4D51-AEC5-9FB9E228DD1D}"/>
+                </a:ext>
+              </a:extLst>
+            </p:cNvPr>
+            <p:cNvSpPr/>
+            <p:nvPr/>
+          </p:nvSpPr>
+          <p:spPr>
+            <a:xfrm>
+              <a:off x="4745684" y="4829420"/>
+              <a:ext cx="1258917" cy="592402"/>
+            </a:xfrm>
+            <a:prstGeom prst="rect">
+              <a:avLst/>
+            </a:prstGeom>
+            <a:solidFill>
+              <a:schemeClr val="bg2"/>
+            </a:solidFill>
+            <a:ln w="28575">
+              <a:solidFill>
+                <a:schemeClr val="tx1"/>
+              </a:solidFill>
+            </a:ln>
+          </p:spPr>
+          <p:style>
+            <a:lnRef idx="2">
+              <a:schemeClr val="accent1">
+                <a:shade val="50000"/>
+              </a:schemeClr>
+            </a:lnRef>
+            <a:fillRef idx="1">
+              <a:schemeClr val="accent1"/>
+            </a:fillRef>
+            <a:effectRef idx="0">
+              <a:schemeClr val="accent1"/>
+            </a:effectRef>
+            <a:fontRef idx="minor">
+              <a:schemeClr val="lt1"/>
+            </a:fontRef>
+          </p:style>
+          <p:txBody>
+            <a:bodyPr rtlCol="0" anchor="ctr"/>
+            <a:lstStyle/>
+            <a:p>
+              <a:pPr algn="ctr"/>
+              <a:r>
+                <a:rPr lang="ko-KR" altLang="en-US" dirty="0">
+                  <a:solidFill>
+                    <a:schemeClr val="tx1"/>
+                  </a:solidFill>
+                </a:rPr>
+                <a:t>스킬 획득</a:t>
+              </a:r>
+            </a:p>
+          </p:txBody>
+        </p:sp>
+        <p:sp>
+          <p:nvSpPr>
+            <p:cNvPr id="27" name="TextBox 26">
+              <a:extLst>
+                <a:ext uri="{FF2B5EF4-FFF2-40B4-BE49-F238E27FC236}">
+                  <a16:creationId xmlns:a16="http://schemas.microsoft.com/office/drawing/2014/main" id="{AEF0B4DC-D993-4676-839B-BDBBB4C7DA51}"/>
+                </a:ext>
+              </a:extLst>
+            </p:cNvPr>
+            <p:cNvSpPr txBox="1"/>
+            <p:nvPr/>
+          </p:nvSpPr>
+          <p:spPr>
+            <a:xfrm>
+              <a:off x="4698820" y="4402139"/>
+              <a:ext cx="1330814" cy="369332"/>
+            </a:xfrm>
+            <a:prstGeom prst="rect">
+              <a:avLst/>
+            </a:prstGeom>
+            <a:noFill/>
+          </p:spPr>
+          <p:txBody>
+            <a:bodyPr wrap="none" rtlCol="0">
+              <a:spAutoFit/>
+            </a:bodyPr>
+            <a:lstStyle/>
+            <a:p>
+              <a:r>
+                <a:rPr lang="en-US" altLang="ko-KR" dirty="0"/>
+                <a:t>[</a:t>
+              </a:r>
+              <a:r>
+                <a:rPr lang="ko-KR" altLang="en-US" dirty="0"/>
+                <a:t>필요 골드</a:t>
+              </a:r>
+              <a:r>
+                <a:rPr lang="en-US" altLang="ko-KR" dirty="0"/>
+                <a:t>]</a:t>
+              </a:r>
+              <a:endParaRPr lang="ko-KR" altLang="en-US" dirty="0"/>
+            </a:p>
+          </p:txBody>
+        </p:sp>
+      </p:grpSp>
+    </p:spTree>
+    <p:extLst>
+      <p:ext uri="{BB962C8B-B14F-4D97-AF65-F5344CB8AC3E}">
+        <p14:creationId xmlns:p14="http://schemas.microsoft.com/office/powerpoint/2010/main" val="1398936070"/>
+      </p:ext>
+    </p:extLst>
+  </p:cSld>
+  <p:clrMapOvr>
+    <a:masterClrMapping/>
+  </p:clrMapOvr>
+</p:sld>
+</file>
+
 <file path=ppt/theme/theme1.xml><?xml version="1.0" encoding="utf-8"?>
 <a:theme xmlns:a="http://schemas.openxmlformats.org/drawingml/2006/main" name="Office 테마">
   <a:themeElements>

--- a/문서/기획서 자료.pptx
+++ b/문서/기획서 자료.pptx
@@ -8,8 +8,10 @@
     <p:sldId id="256" r:id="rId2"/>
     <p:sldId id="257" r:id="rId3"/>
     <p:sldId id="258" r:id="rId4"/>
-    <p:sldId id="260" r:id="rId5"/>
-    <p:sldId id="261" r:id="rId6"/>
+    <p:sldId id="263" r:id="rId5"/>
+    <p:sldId id="260" r:id="rId6"/>
+    <p:sldId id="261" r:id="rId7"/>
+    <p:sldId id="262" r:id="rId8"/>
   </p:sldIdLst>
   <p:sldSz cx="12192000" cy="6858000"/>
   <p:notesSz cx="6858000" cy="9144000"/>
@@ -263,7 +265,7 @@
           <a:p>
             <a:fld id="{E3A1109E-92E8-4135-AC41-59956D48F8A4}" type="datetimeFigureOut">
               <a:rPr lang="ko-KR" altLang="en-US" smtClean="0"/>
-              <a:t>2023-04-04</a:t>
+              <a:t>2023-04-10</a:t>
             </a:fld>
             <a:endParaRPr lang="ko-KR" altLang="en-US"/>
           </a:p>
@@ -461,7 +463,7 @@
           <a:p>
             <a:fld id="{E3A1109E-92E8-4135-AC41-59956D48F8A4}" type="datetimeFigureOut">
               <a:rPr lang="ko-KR" altLang="en-US" smtClean="0"/>
-              <a:t>2023-04-04</a:t>
+              <a:t>2023-04-10</a:t>
             </a:fld>
             <a:endParaRPr lang="ko-KR" altLang="en-US"/>
           </a:p>
@@ -669,7 +671,7 @@
           <a:p>
             <a:fld id="{E3A1109E-92E8-4135-AC41-59956D48F8A4}" type="datetimeFigureOut">
               <a:rPr lang="ko-KR" altLang="en-US" smtClean="0"/>
-              <a:t>2023-04-04</a:t>
+              <a:t>2023-04-10</a:t>
             </a:fld>
             <a:endParaRPr lang="ko-KR" altLang="en-US"/>
           </a:p>
@@ -867,7 +869,7 @@
           <a:p>
             <a:fld id="{E3A1109E-92E8-4135-AC41-59956D48F8A4}" type="datetimeFigureOut">
               <a:rPr lang="ko-KR" altLang="en-US" smtClean="0"/>
-              <a:t>2023-04-04</a:t>
+              <a:t>2023-04-10</a:t>
             </a:fld>
             <a:endParaRPr lang="ko-KR" altLang="en-US"/>
           </a:p>
@@ -1142,7 +1144,7 @@
           <a:p>
             <a:fld id="{E3A1109E-92E8-4135-AC41-59956D48F8A4}" type="datetimeFigureOut">
               <a:rPr lang="ko-KR" altLang="en-US" smtClean="0"/>
-              <a:t>2023-04-04</a:t>
+              <a:t>2023-04-10</a:t>
             </a:fld>
             <a:endParaRPr lang="ko-KR" altLang="en-US"/>
           </a:p>
@@ -1407,7 +1409,7 @@
           <a:p>
             <a:fld id="{E3A1109E-92E8-4135-AC41-59956D48F8A4}" type="datetimeFigureOut">
               <a:rPr lang="ko-KR" altLang="en-US" smtClean="0"/>
-              <a:t>2023-04-04</a:t>
+              <a:t>2023-04-10</a:t>
             </a:fld>
             <a:endParaRPr lang="ko-KR" altLang="en-US"/>
           </a:p>
@@ -1819,7 +1821,7 @@
           <a:p>
             <a:fld id="{E3A1109E-92E8-4135-AC41-59956D48F8A4}" type="datetimeFigureOut">
               <a:rPr lang="ko-KR" altLang="en-US" smtClean="0"/>
-              <a:t>2023-04-04</a:t>
+              <a:t>2023-04-10</a:t>
             </a:fld>
             <a:endParaRPr lang="ko-KR" altLang="en-US"/>
           </a:p>
@@ -1960,7 +1962,7 @@
           <a:p>
             <a:fld id="{E3A1109E-92E8-4135-AC41-59956D48F8A4}" type="datetimeFigureOut">
               <a:rPr lang="ko-KR" altLang="en-US" smtClean="0"/>
-              <a:t>2023-04-04</a:t>
+              <a:t>2023-04-10</a:t>
             </a:fld>
             <a:endParaRPr lang="ko-KR" altLang="en-US"/>
           </a:p>
@@ -2073,7 +2075,7 @@
           <a:p>
             <a:fld id="{E3A1109E-92E8-4135-AC41-59956D48F8A4}" type="datetimeFigureOut">
               <a:rPr lang="ko-KR" altLang="en-US" smtClean="0"/>
-              <a:t>2023-04-04</a:t>
+              <a:t>2023-04-10</a:t>
             </a:fld>
             <a:endParaRPr lang="ko-KR" altLang="en-US"/>
           </a:p>
@@ -2384,7 +2386,7 @@
           <a:p>
             <a:fld id="{E3A1109E-92E8-4135-AC41-59956D48F8A4}" type="datetimeFigureOut">
               <a:rPr lang="ko-KR" altLang="en-US" smtClean="0"/>
-              <a:t>2023-04-04</a:t>
+              <a:t>2023-04-10</a:t>
             </a:fld>
             <a:endParaRPr lang="ko-KR" altLang="en-US"/>
           </a:p>
@@ -2672,7 +2674,7 @@
           <a:p>
             <a:fld id="{E3A1109E-92E8-4135-AC41-59956D48F8A4}" type="datetimeFigureOut">
               <a:rPr lang="ko-KR" altLang="en-US" smtClean="0"/>
-              <a:t>2023-04-04</a:t>
+              <a:t>2023-04-10</a:t>
             </a:fld>
             <a:endParaRPr lang="ko-KR" altLang="en-US"/>
           </a:p>
@@ -2913,7 +2915,7 @@
           <a:p>
             <a:fld id="{E3A1109E-92E8-4135-AC41-59956D48F8A4}" type="datetimeFigureOut">
               <a:rPr lang="ko-KR" altLang="en-US" smtClean="0"/>
-              <a:t>2023-04-04</a:t>
+              <a:t>2023-04-10</a:t>
             </a:fld>
             <a:endParaRPr lang="ko-KR" altLang="en-US"/>
           </a:p>
@@ -4531,6 +4533,927 @@
 </file>
 
 <file path=ppt/slides/slide4.xml><?xml version="1.0" encoding="utf-8"?>
+<p:sld xmlns:a="http://schemas.openxmlformats.org/drawingml/2006/main" xmlns:r="http://schemas.openxmlformats.org/officeDocument/2006/relationships" xmlns:p="http://schemas.openxmlformats.org/presentationml/2006/main">
+  <p:cSld>
+    <p:spTree>
+      <p:nvGrpSpPr>
+        <p:cNvPr id="1" name=""/>
+        <p:cNvGrpSpPr/>
+        <p:nvPr/>
+      </p:nvGrpSpPr>
+      <p:grpSpPr>
+        <a:xfrm>
+          <a:off x="0" y="0"/>
+          <a:ext cx="0" cy="0"/>
+          <a:chOff x="0" y="0"/>
+          <a:chExt cx="0" cy="0"/>
+        </a:xfrm>
+      </p:grpSpPr>
+      <p:sp>
+        <p:nvSpPr>
+          <p:cNvPr id="4" name="직사각형 3">
+            <a:extLst>
+              <a:ext uri="{FF2B5EF4-FFF2-40B4-BE49-F238E27FC236}">
+                <a16:creationId xmlns:a16="http://schemas.microsoft.com/office/drawing/2014/main" id="{F9AD4351-000C-4E7A-B3DB-60823A1BB38C}"/>
+              </a:ext>
+            </a:extLst>
+          </p:cNvPr>
+          <p:cNvSpPr/>
+          <p:nvPr/>
+        </p:nvSpPr>
+        <p:spPr>
+          <a:xfrm>
+            <a:off x="1503485" y="984739"/>
+            <a:ext cx="3015762" cy="4563207"/>
+          </a:xfrm>
+          <a:prstGeom prst="rect">
+            <a:avLst/>
+          </a:prstGeom>
+          <a:noFill/>
+          <a:ln w="38100">
+            <a:solidFill>
+              <a:schemeClr val="tx1"/>
+            </a:solidFill>
+          </a:ln>
+        </p:spPr>
+        <p:style>
+          <a:lnRef idx="2">
+            <a:schemeClr val="accent1">
+              <a:shade val="50000"/>
+            </a:schemeClr>
+          </a:lnRef>
+          <a:fillRef idx="1">
+            <a:schemeClr val="accent1"/>
+          </a:fillRef>
+          <a:effectRef idx="0">
+            <a:schemeClr val="accent1"/>
+          </a:effectRef>
+          <a:fontRef idx="minor">
+            <a:schemeClr val="lt1"/>
+          </a:fontRef>
+        </p:style>
+        <p:txBody>
+          <a:bodyPr rtlCol="0" anchor="ctr"/>
+          <a:lstStyle/>
+          <a:p>
+            <a:pPr algn="ctr"/>
+            <a:r>
+              <a:rPr lang="ko-KR" altLang="en-US" dirty="0">
+                <a:solidFill>
+                  <a:schemeClr val="tx1"/>
+                </a:solidFill>
+              </a:rPr>
+              <a:t>캐릭터</a:t>
+            </a:r>
+          </a:p>
+        </p:txBody>
+      </p:sp>
+      <p:sp>
+        <p:nvSpPr>
+          <p:cNvPr id="5" name="직사각형 4">
+            <a:extLst>
+              <a:ext uri="{FF2B5EF4-FFF2-40B4-BE49-F238E27FC236}">
+                <a16:creationId xmlns:a16="http://schemas.microsoft.com/office/drawing/2014/main" id="{F4F1F9C1-485B-4AD3-8DC4-0760C4E8218E}"/>
+              </a:ext>
+            </a:extLst>
+          </p:cNvPr>
+          <p:cNvSpPr/>
+          <p:nvPr/>
+        </p:nvSpPr>
+        <p:spPr>
+          <a:xfrm>
+            <a:off x="1503485" y="5741376"/>
+            <a:ext cx="3015762" cy="650632"/>
+          </a:xfrm>
+          <a:prstGeom prst="rect">
+            <a:avLst/>
+          </a:prstGeom>
+          <a:solidFill>
+            <a:schemeClr val="bg2">
+              <a:lumMod val="90000"/>
+            </a:schemeClr>
+          </a:solidFill>
+          <a:ln w="38100">
+            <a:solidFill>
+              <a:schemeClr val="tx1"/>
+            </a:solidFill>
+          </a:ln>
+        </p:spPr>
+        <p:style>
+          <a:lnRef idx="2">
+            <a:schemeClr val="accent1">
+              <a:shade val="50000"/>
+            </a:schemeClr>
+          </a:lnRef>
+          <a:fillRef idx="1">
+            <a:schemeClr val="accent1"/>
+          </a:fillRef>
+          <a:effectRef idx="0">
+            <a:schemeClr val="accent1"/>
+          </a:effectRef>
+          <a:fontRef idx="minor">
+            <a:schemeClr val="lt1"/>
+          </a:fontRef>
+        </p:style>
+        <p:txBody>
+          <a:bodyPr rtlCol="0" anchor="ctr"/>
+          <a:lstStyle/>
+          <a:p>
+            <a:pPr algn="ctr"/>
+            <a:r>
+              <a:rPr lang="ko-KR" altLang="en-US" dirty="0">
+                <a:solidFill>
+                  <a:schemeClr val="tx1"/>
+                </a:solidFill>
+              </a:rPr>
+              <a:t>선택 </a:t>
+            </a:r>
+            <a:r>
+              <a:rPr lang="en-US" altLang="ko-KR" dirty="0">
+                <a:solidFill>
+                  <a:schemeClr val="tx1"/>
+                </a:solidFill>
+              </a:rPr>
+              <a:t>/ </a:t>
+            </a:r>
+            <a:r>
+              <a:rPr lang="ko-KR" altLang="en-US" dirty="0">
+                <a:solidFill>
+                  <a:schemeClr val="tx1"/>
+                </a:solidFill>
+              </a:rPr>
+              <a:t>해제</a:t>
+            </a:r>
+          </a:p>
+        </p:txBody>
+      </p:sp>
+      <p:sp>
+        <p:nvSpPr>
+          <p:cNvPr id="6" name="직사각형 5">
+            <a:extLst>
+              <a:ext uri="{FF2B5EF4-FFF2-40B4-BE49-F238E27FC236}">
+                <a16:creationId xmlns:a16="http://schemas.microsoft.com/office/drawing/2014/main" id="{C0DB10B8-83C5-41F1-8C28-34EFDFB82DFA}"/>
+              </a:ext>
+            </a:extLst>
+          </p:cNvPr>
+          <p:cNvSpPr/>
+          <p:nvPr/>
+        </p:nvSpPr>
+        <p:spPr>
+          <a:xfrm>
+            <a:off x="8593016" y="5741376"/>
+            <a:ext cx="3015762" cy="650632"/>
+          </a:xfrm>
+          <a:prstGeom prst="rect">
+            <a:avLst/>
+          </a:prstGeom>
+          <a:solidFill>
+            <a:schemeClr val="bg2">
+              <a:lumMod val="90000"/>
+            </a:schemeClr>
+          </a:solidFill>
+          <a:ln w="38100">
+            <a:solidFill>
+              <a:schemeClr val="tx1"/>
+            </a:solidFill>
+          </a:ln>
+        </p:spPr>
+        <p:style>
+          <a:lnRef idx="2">
+            <a:schemeClr val="accent1">
+              <a:shade val="50000"/>
+            </a:schemeClr>
+          </a:lnRef>
+          <a:fillRef idx="1">
+            <a:schemeClr val="accent1"/>
+          </a:fillRef>
+          <a:effectRef idx="0">
+            <a:schemeClr val="accent1"/>
+          </a:effectRef>
+          <a:fontRef idx="minor">
+            <a:schemeClr val="lt1"/>
+          </a:fontRef>
+        </p:style>
+        <p:txBody>
+          <a:bodyPr rtlCol="0" anchor="ctr"/>
+          <a:lstStyle/>
+          <a:p>
+            <a:pPr algn="ctr"/>
+            <a:r>
+              <a:rPr lang="ko-KR" altLang="en-US" sz="1500" dirty="0">
+                <a:solidFill>
+                  <a:schemeClr val="tx1"/>
+                </a:solidFill>
+              </a:rPr>
+              <a:t>용병 강화</a:t>
+            </a:r>
+          </a:p>
+        </p:txBody>
+      </p:sp>
+      <p:sp>
+        <p:nvSpPr>
+          <p:cNvPr id="7" name="TextBox 6">
+            <a:extLst>
+              <a:ext uri="{FF2B5EF4-FFF2-40B4-BE49-F238E27FC236}">
+                <a16:creationId xmlns:a16="http://schemas.microsoft.com/office/drawing/2014/main" id="{9AD15269-5A14-4EB4-9EE4-3C074FCCC4E5}"/>
+              </a:ext>
+            </a:extLst>
+          </p:cNvPr>
+          <p:cNvSpPr txBox="1"/>
+          <p:nvPr/>
+        </p:nvSpPr>
+        <p:spPr>
+          <a:xfrm>
+            <a:off x="5029782" y="2725289"/>
+            <a:ext cx="1319592" cy="2400657"/>
+          </a:xfrm>
+          <a:prstGeom prst="rect">
+            <a:avLst/>
+          </a:prstGeom>
+          <a:noFill/>
+        </p:spPr>
+        <p:txBody>
+          <a:bodyPr wrap="none" rtlCol="0">
+            <a:spAutoFit/>
+          </a:bodyPr>
+          <a:lstStyle/>
+          <a:p>
+            <a:r>
+              <a:rPr lang="ko-KR" altLang="en-US" sz="1500" dirty="0"/>
+              <a:t>공격력</a:t>
+            </a:r>
+            <a:r>
+              <a:rPr lang="en-US" altLang="ko-KR" sz="1500" dirty="0"/>
+              <a:t>	30</a:t>
+            </a:r>
+          </a:p>
+          <a:p>
+            <a:endParaRPr lang="en-US" altLang="ko-KR" sz="1500" dirty="0"/>
+          </a:p>
+          <a:p>
+            <a:endParaRPr lang="en-US" altLang="ko-KR" sz="1500" dirty="0"/>
+          </a:p>
+          <a:p>
+            <a:endParaRPr lang="en-US" altLang="ko-KR" sz="1500" dirty="0"/>
+          </a:p>
+          <a:p>
+            <a:r>
+              <a:rPr lang="ko-KR" altLang="en-US" sz="1500" dirty="0"/>
+              <a:t>체력</a:t>
+            </a:r>
+            <a:r>
+              <a:rPr lang="en-US" altLang="ko-KR" sz="1500" dirty="0"/>
+              <a:t>	80</a:t>
+            </a:r>
+          </a:p>
+          <a:p>
+            <a:endParaRPr lang="en-US" altLang="ko-KR" sz="1500" dirty="0"/>
+          </a:p>
+          <a:p>
+            <a:endParaRPr lang="en-US" altLang="ko-KR" sz="1500" dirty="0"/>
+          </a:p>
+          <a:p>
+            <a:endParaRPr lang="en-US" altLang="ko-KR" sz="1500" dirty="0"/>
+          </a:p>
+          <a:p>
+            <a:endParaRPr lang="en-US" altLang="ko-KR" sz="1500" dirty="0"/>
+          </a:p>
+          <a:p>
+            <a:r>
+              <a:rPr lang="en-US" altLang="ko-KR" sz="1500" dirty="0"/>
+              <a:t>MP	50</a:t>
+            </a:r>
+            <a:endParaRPr lang="ko-KR" altLang="en-US" sz="1500" dirty="0"/>
+          </a:p>
+        </p:txBody>
+      </p:sp>
+      <p:sp>
+        <p:nvSpPr>
+          <p:cNvPr id="10" name="TextBox 9">
+            <a:extLst>
+              <a:ext uri="{FF2B5EF4-FFF2-40B4-BE49-F238E27FC236}">
+                <a16:creationId xmlns:a16="http://schemas.microsoft.com/office/drawing/2014/main" id="{D1AAAD4F-2F62-46E5-9E6A-AE257B5E0F39}"/>
+              </a:ext>
+            </a:extLst>
+          </p:cNvPr>
+          <p:cNvSpPr txBox="1"/>
+          <p:nvPr/>
+        </p:nvSpPr>
+        <p:spPr>
+          <a:xfrm>
+            <a:off x="5029782" y="2043686"/>
+            <a:ext cx="761747" cy="323165"/>
+          </a:xfrm>
+          <a:prstGeom prst="rect">
+            <a:avLst/>
+          </a:prstGeom>
+          <a:noFill/>
+        </p:spPr>
+        <p:txBody>
+          <a:bodyPr wrap="none" rtlCol="0">
+            <a:spAutoFit/>
+          </a:bodyPr>
+          <a:lstStyle/>
+          <a:p>
+            <a:r>
+              <a:rPr lang="ko-KR" altLang="en-US" sz="1500" b="1" dirty="0"/>
+              <a:t>능력치</a:t>
+            </a:r>
+          </a:p>
+        </p:txBody>
+      </p:sp>
+      <p:sp>
+        <p:nvSpPr>
+          <p:cNvPr id="12" name="직사각형 11">
+            <a:extLst>
+              <a:ext uri="{FF2B5EF4-FFF2-40B4-BE49-F238E27FC236}">
+                <a16:creationId xmlns:a16="http://schemas.microsoft.com/office/drawing/2014/main" id="{99AA20B8-A962-48E5-96AA-392003DC8FAB}"/>
+              </a:ext>
+            </a:extLst>
+          </p:cNvPr>
+          <p:cNvSpPr/>
+          <p:nvPr/>
+        </p:nvSpPr>
+        <p:spPr>
+          <a:xfrm>
+            <a:off x="4724401" y="984739"/>
+            <a:ext cx="5193322" cy="700510"/>
+          </a:xfrm>
+          <a:prstGeom prst="rect">
+            <a:avLst/>
+          </a:prstGeom>
+          <a:noFill/>
+          <a:ln w="38100">
+            <a:solidFill>
+              <a:schemeClr val="tx1"/>
+            </a:solidFill>
+          </a:ln>
+        </p:spPr>
+        <p:style>
+          <a:lnRef idx="2">
+            <a:schemeClr val="accent1">
+              <a:shade val="50000"/>
+            </a:schemeClr>
+          </a:lnRef>
+          <a:fillRef idx="1">
+            <a:schemeClr val="accent1"/>
+          </a:fillRef>
+          <a:effectRef idx="0">
+            <a:schemeClr val="accent1"/>
+          </a:effectRef>
+          <a:fontRef idx="minor">
+            <a:schemeClr val="lt1"/>
+          </a:fontRef>
+        </p:style>
+        <p:txBody>
+          <a:bodyPr rtlCol="0" anchor="ctr"/>
+          <a:lstStyle/>
+          <a:p>
+            <a:pPr algn="ctr"/>
+            <a:r>
+              <a:rPr lang="ko-KR" altLang="en-US" dirty="0">
+                <a:solidFill>
+                  <a:schemeClr val="tx1"/>
+                </a:solidFill>
+              </a:rPr>
+              <a:t>캐릭터 명 표시</a:t>
+            </a:r>
+          </a:p>
+        </p:txBody>
+      </p:sp>
+      <p:sp>
+        <p:nvSpPr>
+          <p:cNvPr id="13" name="직사각형 12">
+            <a:extLst>
+              <a:ext uri="{FF2B5EF4-FFF2-40B4-BE49-F238E27FC236}">
+                <a16:creationId xmlns:a16="http://schemas.microsoft.com/office/drawing/2014/main" id="{5F72A282-3084-4049-8489-69023D0ABEDD}"/>
+              </a:ext>
+            </a:extLst>
+          </p:cNvPr>
+          <p:cNvSpPr/>
+          <p:nvPr/>
+        </p:nvSpPr>
+        <p:spPr>
+          <a:xfrm>
+            <a:off x="10026162" y="984739"/>
+            <a:ext cx="1582616" cy="700510"/>
+          </a:xfrm>
+          <a:prstGeom prst="rect">
+            <a:avLst/>
+          </a:prstGeom>
+          <a:noFill/>
+          <a:ln w="38100">
+            <a:solidFill>
+              <a:schemeClr val="tx1"/>
+            </a:solidFill>
+          </a:ln>
+        </p:spPr>
+        <p:style>
+          <a:lnRef idx="2">
+            <a:schemeClr val="accent1">
+              <a:shade val="50000"/>
+            </a:schemeClr>
+          </a:lnRef>
+          <a:fillRef idx="1">
+            <a:schemeClr val="accent1"/>
+          </a:fillRef>
+          <a:effectRef idx="0">
+            <a:schemeClr val="accent1"/>
+          </a:effectRef>
+          <a:fontRef idx="minor">
+            <a:schemeClr val="lt1"/>
+          </a:fontRef>
+        </p:style>
+        <p:txBody>
+          <a:bodyPr rtlCol="0" anchor="ctr"/>
+          <a:lstStyle/>
+          <a:p>
+            <a:pPr algn="ctr"/>
+            <a:r>
+              <a:rPr lang="en-US" altLang="ko-KR" dirty="0">
+                <a:solidFill>
+                  <a:schemeClr val="tx1"/>
+                </a:solidFill>
+              </a:rPr>
+              <a:t>[</a:t>
+            </a:r>
+            <a:r>
+              <a:rPr lang="ko-KR" altLang="en-US" dirty="0">
+                <a:solidFill>
+                  <a:schemeClr val="tx1"/>
+                </a:solidFill>
+              </a:rPr>
+              <a:t>캐릭터 랭크</a:t>
+            </a:r>
+            <a:r>
+              <a:rPr lang="en-US" altLang="ko-KR" dirty="0">
+                <a:solidFill>
+                  <a:schemeClr val="tx1"/>
+                </a:solidFill>
+              </a:rPr>
+              <a:t>]</a:t>
+            </a:r>
+            <a:endParaRPr lang="ko-KR" altLang="en-US" dirty="0">
+              <a:solidFill>
+                <a:schemeClr val="tx1"/>
+              </a:solidFill>
+            </a:endParaRPr>
+          </a:p>
+        </p:txBody>
+      </p:sp>
+      <p:sp>
+        <p:nvSpPr>
+          <p:cNvPr id="11" name="직사각형 10">
+            <a:extLst>
+              <a:ext uri="{FF2B5EF4-FFF2-40B4-BE49-F238E27FC236}">
+                <a16:creationId xmlns:a16="http://schemas.microsoft.com/office/drawing/2014/main" id="{A17E1F68-4AF7-4515-8CCE-5CA75B6392D6}"/>
+              </a:ext>
+            </a:extLst>
+          </p:cNvPr>
+          <p:cNvSpPr/>
+          <p:nvPr/>
+        </p:nvSpPr>
+        <p:spPr>
+          <a:xfrm>
+            <a:off x="7455878" y="2366851"/>
+            <a:ext cx="914399" cy="1201616"/>
+          </a:xfrm>
+          <a:prstGeom prst="rect">
+            <a:avLst/>
+          </a:prstGeom>
+          <a:noFill/>
+          <a:ln w="38100">
+            <a:solidFill>
+              <a:schemeClr val="tx1"/>
+            </a:solidFill>
+          </a:ln>
+        </p:spPr>
+        <p:style>
+          <a:lnRef idx="2">
+            <a:schemeClr val="accent1">
+              <a:shade val="50000"/>
+            </a:schemeClr>
+          </a:lnRef>
+          <a:fillRef idx="1">
+            <a:schemeClr val="accent1"/>
+          </a:fillRef>
+          <a:effectRef idx="0">
+            <a:schemeClr val="accent1"/>
+          </a:effectRef>
+          <a:fontRef idx="minor">
+            <a:schemeClr val="lt1"/>
+          </a:fontRef>
+        </p:style>
+        <p:txBody>
+          <a:bodyPr rtlCol="0" anchor="ctr"/>
+          <a:lstStyle/>
+          <a:p>
+            <a:pPr algn="ctr"/>
+            <a:r>
+              <a:rPr lang="ko-KR" altLang="en-US" dirty="0">
+                <a:solidFill>
+                  <a:schemeClr val="tx1"/>
+                </a:solidFill>
+              </a:rPr>
+              <a:t>스킬</a:t>
+            </a:r>
+          </a:p>
+        </p:txBody>
+      </p:sp>
+      <p:sp>
+        <p:nvSpPr>
+          <p:cNvPr id="14" name="직사각형 13">
+            <a:extLst>
+              <a:ext uri="{FF2B5EF4-FFF2-40B4-BE49-F238E27FC236}">
+                <a16:creationId xmlns:a16="http://schemas.microsoft.com/office/drawing/2014/main" id="{89C3A4D7-1553-4993-8420-32026E084EC2}"/>
+              </a:ext>
+            </a:extLst>
+          </p:cNvPr>
+          <p:cNvSpPr/>
+          <p:nvPr/>
+        </p:nvSpPr>
+        <p:spPr>
+          <a:xfrm>
+            <a:off x="9111763" y="2366851"/>
+            <a:ext cx="914399" cy="1201616"/>
+          </a:xfrm>
+          <a:prstGeom prst="rect">
+            <a:avLst/>
+          </a:prstGeom>
+          <a:noFill/>
+          <a:ln w="38100">
+            <a:solidFill>
+              <a:schemeClr val="tx1"/>
+            </a:solidFill>
+          </a:ln>
+        </p:spPr>
+        <p:style>
+          <a:lnRef idx="2">
+            <a:schemeClr val="accent1">
+              <a:shade val="50000"/>
+            </a:schemeClr>
+          </a:lnRef>
+          <a:fillRef idx="1">
+            <a:schemeClr val="accent1"/>
+          </a:fillRef>
+          <a:effectRef idx="0">
+            <a:schemeClr val="accent1"/>
+          </a:effectRef>
+          <a:fontRef idx="minor">
+            <a:schemeClr val="lt1"/>
+          </a:fontRef>
+        </p:style>
+        <p:txBody>
+          <a:bodyPr rtlCol="0" anchor="ctr"/>
+          <a:lstStyle/>
+          <a:p>
+            <a:pPr algn="ctr"/>
+            <a:r>
+              <a:rPr lang="ko-KR" altLang="en-US" dirty="0" err="1">
+                <a:solidFill>
+                  <a:schemeClr val="tx1"/>
+                </a:solidFill>
+              </a:rPr>
+              <a:t>빈슬롯</a:t>
+            </a:r>
+            <a:endParaRPr lang="ko-KR" altLang="en-US" dirty="0">
+              <a:solidFill>
+                <a:schemeClr val="tx1"/>
+              </a:solidFill>
+            </a:endParaRPr>
+          </a:p>
+        </p:txBody>
+      </p:sp>
+      <p:sp>
+        <p:nvSpPr>
+          <p:cNvPr id="15" name="직사각형 14">
+            <a:extLst>
+              <a:ext uri="{FF2B5EF4-FFF2-40B4-BE49-F238E27FC236}">
+                <a16:creationId xmlns:a16="http://schemas.microsoft.com/office/drawing/2014/main" id="{7EE37B4A-E145-43AD-9BF1-ADE48617BFA0}"/>
+              </a:ext>
+            </a:extLst>
+          </p:cNvPr>
+          <p:cNvSpPr/>
+          <p:nvPr/>
+        </p:nvSpPr>
+        <p:spPr>
+          <a:xfrm>
+            <a:off x="10767648" y="2366851"/>
+            <a:ext cx="914399" cy="1201616"/>
+          </a:xfrm>
+          <a:prstGeom prst="rect">
+            <a:avLst/>
+          </a:prstGeom>
+          <a:noFill/>
+          <a:ln w="38100">
+            <a:solidFill>
+              <a:schemeClr val="tx1"/>
+            </a:solidFill>
+          </a:ln>
+        </p:spPr>
+        <p:style>
+          <a:lnRef idx="2">
+            <a:schemeClr val="accent1">
+              <a:shade val="50000"/>
+            </a:schemeClr>
+          </a:lnRef>
+          <a:fillRef idx="1">
+            <a:schemeClr val="accent1"/>
+          </a:fillRef>
+          <a:effectRef idx="0">
+            <a:schemeClr val="accent1"/>
+          </a:effectRef>
+          <a:fontRef idx="minor">
+            <a:schemeClr val="lt1"/>
+          </a:fontRef>
+        </p:style>
+        <p:txBody>
+          <a:bodyPr rtlCol="0" anchor="ctr"/>
+          <a:lstStyle/>
+          <a:p>
+            <a:pPr algn="ctr"/>
+            <a:r>
+              <a:rPr lang="ko-KR" altLang="en-US" dirty="0" err="1">
+                <a:solidFill>
+                  <a:schemeClr val="tx1"/>
+                </a:solidFill>
+              </a:rPr>
+              <a:t>빈슬롯</a:t>
+            </a:r>
+            <a:endParaRPr lang="ko-KR" altLang="en-US" dirty="0">
+              <a:solidFill>
+                <a:schemeClr val="tx1"/>
+              </a:solidFill>
+            </a:endParaRPr>
+          </a:p>
+        </p:txBody>
+      </p:sp>
+      <p:sp>
+        <p:nvSpPr>
+          <p:cNvPr id="16" name="직사각형 15">
+            <a:extLst>
+              <a:ext uri="{FF2B5EF4-FFF2-40B4-BE49-F238E27FC236}">
+                <a16:creationId xmlns:a16="http://schemas.microsoft.com/office/drawing/2014/main" id="{A4B5C202-02EF-4FC3-9307-8B7EAAEEC8B0}"/>
+              </a:ext>
+            </a:extLst>
+          </p:cNvPr>
+          <p:cNvSpPr/>
+          <p:nvPr/>
+        </p:nvSpPr>
+        <p:spPr>
+          <a:xfrm>
+            <a:off x="7455878" y="4250069"/>
+            <a:ext cx="914399" cy="1201616"/>
+          </a:xfrm>
+          <a:prstGeom prst="rect">
+            <a:avLst/>
+          </a:prstGeom>
+          <a:noFill/>
+          <a:ln w="38100">
+            <a:solidFill>
+              <a:schemeClr val="tx1"/>
+            </a:solidFill>
+          </a:ln>
+        </p:spPr>
+        <p:style>
+          <a:lnRef idx="2">
+            <a:schemeClr val="accent1">
+              <a:shade val="50000"/>
+            </a:schemeClr>
+          </a:lnRef>
+          <a:fillRef idx="1">
+            <a:schemeClr val="accent1"/>
+          </a:fillRef>
+          <a:effectRef idx="0">
+            <a:schemeClr val="accent1"/>
+          </a:effectRef>
+          <a:fontRef idx="minor">
+            <a:schemeClr val="lt1"/>
+          </a:fontRef>
+        </p:style>
+        <p:txBody>
+          <a:bodyPr rtlCol="0" anchor="ctr"/>
+          <a:lstStyle/>
+          <a:p>
+            <a:pPr algn="ctr"/>
+            <a:r>
+              <a:rPr lang="ko-KR" altLang="en-US" dirty="0">
+                <a:solidFill>
+                  <a:schemeClr val="tx1"/>
+                </a:solidFill>
+              </a:rPr>
+              <a:t>아이템</a:t>
+            </a:r>
+          </a:p>
+        </p:txBody>
+      </p:sp>
+      <p:sp>
+        <p:nvSpPr>
+          <p:cNvPr id="17" name="직사각형 16">
+            <a:extLst>
+              <a:ext uri="{FF2B5EF4-FFF2-40B4-BE49-F238E27FC236}">
+                <a16:creationId xmlns:a16="http://schemas.microsoft.com/office/drawing/2014/main" id="{33C24FB5-B5A2-4DE2-88F8-BF15194FC92A}"/>
+              </a:ext>
+            </a:extLst>
+          </p:cNvPr>
+          <p:cNvSpPr/>
+          <p:nvPr/>
+        </p:nvSpPr>
+        <p:spPr>
+          <a:xfrm>
+            <a:off x="9111763" y="4250069"/>
+            <a:ext cx="914399" cy="1201616"/>
+          </a:xfrm>
+          <a:prstGeom prst="rect">
+            <a:avLst/>
+          </a:prstGeom>
+          <a:noFill/>
+          <a:ln w="38100">
+            <a:solidFill>
+              <a:schemeClr val="tx1"/>
+            </a:solidFill>
+          </a:ln>
+        </p:spPr>
+        <p:style>
+          <a:lnRef idx="2">
+            <a:schemeClr val="accent1">
+              <a:shade val="50000"/>
+            </a:schemeClr>
+          </a:lnRef>
+          <a:fillRef idx="1">
+            <a:schemeClr val="accent1"/>
+          </a:fillRef>
+          <a:effectRef idx="0">
+            <a:schemeClr val="accent1"/>
+          </a:effectRef>
+          <a:fontRef idx="minor">
+            <a:schemeClr val="lt1"/>
+          </a:fontRef>
+        </p:style>
+        <p:txBody>
+          <a:bodyPr rtlCol="0" anchor="ctr"/>
+          <a:lstStyle/>
+          <a:p>
+            <a:pPr algn="ctr"/>
+            <a:r>
+              <a:rPr lang="ko-KR" altLang="en-US" dirty="0">
+                <a:solidFill>
+                  <a:schemeClr val="tx1"/>
+                </a:solidFill>
+              </a:rPr>
+              <a:t>아이템</a:t>
+            </a:r>
+          </a:p>
+        </p:txBody>
+      </p:sp>
+      <p:sp>
+        <p:nvSpPr>
+          <p:cNvPr id="18" name="직사각형 17">
+            <a:extLst>
+              <a:ext uri="{FF2B5EF4-FFF2-40B4-BE49-F238E27FC236}">
+                <a16:creationId xmlns:a16="http://schemas.microsoft.com/office/drawing/2014/main" id="{CCA4E777-D485-43BA-A578-1B1A64DF3702}"/>
+              </a:ext>
+            </a:extLst>
+          </p:cNvPr>
+          <p:cNvSpPr/>
+          <p:nvPr/>
+        </p:nvSpPr>
+        <p:spPr>
+          <a:xfrm>
+            <a:off x="10767648" y="4250069"/>
+            <a:ext cx="914399" cy="1201616"/>
+          </a:xfrm>
+          <a:prstGeom prst="rect">
+            <a:avLst/>
+          </a:prstGeom>
+          <a:noFill/>
+          <a:ln w="38100">
+            <a:solidFill>
+              <a:schemeClr val="tx1"/>
+            </a:solidFill>
+          </a:ln>
+        </p:spPr>
+        <p:style>
+          <a:lnRef idx="2">
+            <a:schemeClr val="accent1">
+              <a:shade val="50000"/>
+            </a:schemeClr>
+          </a:lnRef>
+          <a:fillRef idx="1">
+            <a:schemeClr val="accent1"/>
+          </a:fillRef>
+          <a:effectRef idx="0">
+            <a:schemeClr val="accent1"/>
+          </a:effectRef>
+          <a:fontRef idx="minor">
+            <a:schemeClr val="lt1"/>
+          </a:fontRef>
+        </p:style>
+        <p:txBody>
+          <a:bodyPr rtlCol="0" anchor="ctr"/>
+          <a:lstStyle/>
+          <a:p>
+            <a:pPr algn="ctr"/>
+            <a:r>
+              <a:rPr lang="ko-KR" altLang="en-US" dirty="0" err="1">
+                <a:solidFill>
+                  <a:schemeClr val="tx1"/>
+                </a:solidFill>
+              </a:rPr>
+              <a:t>빈슬롯</a:t>
+            </a:r>
+            <a:endParaRPr lang="ko-KR" altLang="en-US" dirty="0">
+              <a:solidFill>
+                <a:schemeClr val="tx1"/>
+              </a:solidFill>
+            </a:endParaRPr>
+          </a:p>
+        </p:txBody>
+      </p:sp>
+      <p:sp>
+        <p:nvSpPr>
+          <p:cNvPr id="19" name="TextBox 18">
+            <a:extLst>
+              <a:ext uri="{FF2B5EF4-FFF2-40B4-BE49-F238E27FC236}">
+                <a16:creationId xmlns:a16="http://schemas.microsoft.com/office/drawing/2014/main" id="{615A8A12-C24A-4A50-8880-08346481E328}"/>
+              </a:ext>
+            </a:extLst>
+          </p:cNvPr>
+          <p:cNvSpPr txBox="1"/>
+          <p:nvPr/>
+        </p:nvSpPr>
+        <p:spPr>
+          <a:xfrm>
+            <a:off x="7447086" y="1990933"/>
+            <a:ext cx="1021433" cy="323165"/>
+          </a:xfrm>
+          <a:prstGeom prst="rect">
+            <a:avLst/>
+          </a:prstGeom>
+          <a:noFill/>
+        </p:spPr>
+        <p:txBody>
+          <a:bodyPr wrap="none" rtlCol="0">
+            <a:spAutoFit/>
+          </a:bodyPr>
+          <a:lstStyle/>
+          <a:p>
+            <a:r>
+              <a:rPr lang="ko-KR" altLang="en-US" sz="1500" b="1" dirty="0"/>
+              <a:t>보유 스킬</a:t>
+            </a:r>
+          </a:p>
+        </p:txBody>
+      </p:sp>
+      <p:sp>
+        <p:nvSpPr>
+          <p:cNvPr id="20" name="TextBox 19">
+            <a:extLst>
+              <a:ext uri="{FF2B5EF4-FFF2-40B4-BE49-F238E27FC236}">
+                <a16:creationId xmlns:a16="http://schemas.microsoft.com/office/drawing/2014/main" id="{53296AA2-2681-4697-9B98-A1007169805E}"/>
+              </a:ext>
+            </a:extLst>
+          </p:cNvPr>
+          <p:cNvSpPr txBox="1"/>
+          <p:nvPr/>
+        </p:nvSpPr>
+        <p:spPr>
+          <a:xfrm>
+            <a:off x="7447085" y="3872865"/>
+            <a:ext cx="1213794" cy="323165"/>
+          </a:xfrm>
+          <a:prstGeom prst="rect">
+            <a:avLst/>
+          </a:prstGeom>
+          <a:noFill/>
+        </p:spPr>
+        <p:txBody>
+          <a:bodyPr wrap="none" rtlCol="0">
+            <a:spAutoFit/>
+          </a:bodyPr>
+          <a:lstStyle/>
+          <a:p>
+            <a:r>
+              <a:rPr lang="ko-KR" altLang="en-US" sz="1500" b="1" dirty="0"/>
+              <a:t>장착 아이템</a:t>
+            </a:r>
+          </a:p>
+        </p:txBody>
+      </p:sp>
+    </p:spTree>
+    <p:extLst>
+      <p:ext uri="{BB962C8B-B14F-4D97-AF65-F5344CB8AC3E}">
+        <p14:creationId xmlns:p14="http://schemas.microsoft.com/office/powerpoint/2010/main" val="3304174675"/>
+      </p:ext>
+    </p:extLst>
+  </p:cSld>
+  <p:clrMapOvr>
+    <a:masterClrMapping/>
+  </p:clrMapOvr>
+</p:sld>
+</file>
+
+<file path=ppt/slides/slide5.xml><?xml version="1.0" encoding="utf-8"?>
 <p:sld xmlns:a="http://schemas.openxmlformats.org/drawingml/2006/main" xmlns:r="http://schemas.openxmlformats.org/officeDocument/2006/relationships" xmlns:p="http://schemas.openxmlformats.org/presentationml/2006/main">
   <p:cSld>
     <p:spTree>
@@ -5900,7 +6823,7 @@
 </p:sld>
 </file>
 
-<file path=ppt/slides/slide5.xml><?xml version="1.0" encoding="utf-8"?>
+<file path=ppt/slides/slide6.xml><?xml version="1.0" encoding="utf-8"?>
 <p:sld xmlns:a="http://schemas.openxmlformats.org/drawingml/2006/main" xmlns:r="http://schemas.openxmlformats.org/officeDocument/2006/relationships" xmlns:p="http://schemas.openxmlformats.org/presentationml/2006/main">
   <p:cSld>
     <p:spTree>
@@ -7091,6 +8014,313 @@
     <p:extLst>
       <p:ext uri="{BB962C8B-B14F-4D97-AF65-F5344CB8AC3E}">
         <p14:creationId xmlns:p14="http://schemas.microsoft.com/office/powerpoint/2010/main" val="1398936070"/>
+      </p:ext>
+    </p:extLst>
+  </p:cSld>
+  <p:clrMapOvr>
+    <a:masterClrMapping/>
+  </p:clrMapOvr>
+</p:sld>
+</file>
+
+<file path=ppt/slides/slide7.xml><?xml version="1.0" encoding="utf-8"?>
+<p:sld xmlns:a="http://schemas.openxmlformats.org/drawingml/2006/main" xmlns:r="http://schemas.openxmlformats.org/officeDocument/2006/relationships" xmlns:p="http://schemas.openxmlformats.org/presentationml/2006/main">
+  <p:cSld>
+    <p:spTree>
+      <p:nvGrpSpPr>
+        <p:cNvPr id="1" name=""/>
+        <p:cNvGrpSpPr/>
+        <p:nvPr/>
+      </p:nvGrpSpPr>
+      <p:grpSpPr>
+        <a:xfrm>
+          <a:off x="0" y="0"/>
+          <a:ext cx="0" cy="0"/>
+          <a:chOff x="0" y="0"/>
+          <a:chExt cx="0" cy="0"/>
+        </a:xfrm>
+      </p:grpSpPr>
+      <p:sp>
+        <p:nvSpPr>
+          <p:cNvPr id="4" name="직사각형 3">
+            <a:extLst>
+              <a:ext uri="{FF2B5EF4-FFF2-40B4-BE49-F238E27FC236}">
+                <a16:creationId xmlns:a16="http://schemas.microsoft.com/office/drawing/2014/main" id="{F9AD4351-000C-4E7A-B3DB-60823A1BB38C}"/>
+              </a:ext>
+            </a:extLst>
+          </p:cNvPr>
+          <p:cNvSpPr/>
+          <p:nvPr/>
+        </p:nvSpPr>
+        <p:spPr>
+          <a:xfrm>
+            <a:off x="1503485" y="984739"/>
+            <a:ext cx="3015762" cy="4563207"/>
+          </a:xfrm>
+          <a:prstGeom prst="rect">
+            <a:avLst/>
+          </a:prstGeom>
+          <a:noFill/>
+          <a:ln w="38100">
+            <a:solidFill>
+              <a:schemeClr val="tx1"/>
+            </a:solidFill>
+          </a:ln>
+        </p:spPr>
+        <p:style>
+          <a:lnRef idx="2">
+            <a:schemeClr val="accent1">
+              <a:shade val="50000"/>
+            </a:schemeClr>
+          </a:lnRef>
+          <a:fillRef idx="1">
+            <a:schemeClr val="accent1"/>
+          </a:fillRef>
+          <a:effectRef idx="0">
+            <a:schemeClr val="accent1"/>
+          </a:effectRef>
+          <a:fontRef idx="minor">
+            <a:schemeClr val="lt1"/>
+          </a:fontRef>
+        </p:style>
+        <p:txBody>
+          <a:bodyPr rtlCol="0" anchor="ctr"/>
+          <a:lstStyle/>
+          <a:p>
+            <a:pPr algn="ctr"/>
+            <a:r>
+              <a:rPr lang="ko-KR" altLang="en-US" dirty="0">
+                <a:solidFill>
+                  <a:schemeClr val="tx1"/>
+                </a:solidFill>
+              </a:rPr>
+              <a:t>캐릭터</a:t>
+            </a:r>
+          </a:p>
+        </p:txBody>
+      </p:sp>
+      <p:sp>
+        <p:nvSpPr>
+          <p:cNvPr id="5" name="직사각형 4">
+            <a:extLst>
+              <a:ext uri="{FF2B5EF4-FFF2-40B4-BE49-F238E27FC236}">
+                <a16:creationId xmlns:a16="http://schemas.microsoft.com/office/drawing/2014/main" id="{F4F1F9C1-485B-4AD3-8DC4-0760C4E8218E}"/>
+              </a:ext>
+            </a:extLst>
+          </p:cNvPr>
+          <p:cNvSpPr/>
+          <p:nvPr/>
+        </p:nvSpPr>
+        <p:spPr>
+          <a:xfrm>
+            <a:off x="1503485" y="5741376"/>
+            <a:ext cx="3015762" cy="650632"/>
+          </a:xfrm>
+          <a:prstGeom prst="rect">
+            <a:avLst/>
+          </a:prstGeom>
+          <a:solidFill>
+            <a:schemeClr val="bg2">
+              <a:lumMod val="90000"/>
+            </a:schemeClr>
+          </a:solidFill>
+          <a:ln w="38100">
+            <a:solidFill>
+              <a:schemeClr val="tx1"/>
+            </a:solidFill>
+          </a:ln>
+        </p:spPr>
+        <p:style>
+          <a:lnRef idx="2">
+            <a:schemeClr val="accent1">
+              <a:shade val="50000"/>
+            </a:schemeClr>
+          </a:lnRef>
+          <a:fillRef idx="1">
+            <a:schemeClr val="accent1"/>
+          </a:fillRef>
+          <a:effectRef idx="0">
+            <a:schemeClr val="accent1"/>
+          </a:effectRef>
+          <a:fontRef idx="minor">
+            <a:schemeClr val="lt1"/>
+          </a:fontRef>
+        </p:style>
+        <p:txBody>
+          <a:bodyPr rtlCol="0" anchor="ctr"/>
+          <a:lstStyle/>
+          <a:p>
+            <a:pPr algn="ctr"/>
+            <a:r>
+              <a:rPr lang="ko-KR" altLang="en-US" dirty="0">
+                <a:solidFill>
+                  <a:schemeClr val="tx1"/>
+                </a:solidFill>
+              </a:rPr>
+              <a:t>선택 </a:t>
+            </a:r>
+            <a:r>
+              <a:rPr lang="en-US" altLang="ko-KR" dirty="0">
+                <a:solidFill>
+                  <a:schemeClr val="tx1"/>
+                </a:solidFill>
+              </a:rPr>
+              <a:t>/ </a:t>
+            </a:r>
+            <a:r>
+              <a:rPr lang="ko-KR" altLang="en-US" dirty="0">
+                <a:solidFill>
+                  <a:schemeClr val="tx1"/>
+                </a:solidFill>
+              </a:rPr>
+              <a:t>해제</a:t>
+            </a:r>
+          </a:p>
+        </p:txBody>
+      </p:sp>
+      <p:sp>
+        <p:nvSpPr>
+          <p:cNvPr id="12" name="직사각형 11">
+            <a:extLst>
+              <a:ext uri="{FF2B5EF4-FFF2-40B4-BE49-F238E27FC236}">
+                <a16:creationId xmlns:a16="http://schemas.microsoft.com/office/drawing/2014/main" id="{99AA20B8-A962-48E5-96AA-392003DC8FAB}"/>
+              </a:ext>
+            </a:extLst>
+          </p:cNvPr>
+          <p:cNvSpPr/>
+          <p:nvPr/>
+        </p:nvSpPr>
+        <p:spPr>
+          <a:xfrm>
+            <a:off x="4724401" y="984739"/>
+            <a:ext cx="5193322" cy="700510"/>
+          </a:xfrm>
+          <a:prstGeom prst="rect">
+            <a:avLst/>
+          </a:prstGeom>
+          <a:noFill/>
+          <a:ln w="38100">
+            <a:solidFill>
+              <a:schemeClr val="tx1"/>
+            </a:solidFill>
+          </a:ln>
+        </p:spPr>
+        <p:style>
+          <a:lnRef idx="2">
+            <a:schemeClr val="accent1">
+              <a:shade val="50000"/>
+            </a:schemeClr>
+          </a:lnRef>
+          <a:fillRef idx="1">
+            <a:schemeClr val="accent1"/>
+          </a:fillRef>
+          <a:effectRef idx="0">
+            <a:schemeClr val="accent1"/>
+          </a:effectRef>
+          <a:fontRef idx="minor">
+            <a:schemeClr val="lt1"/>
+          </a:fontRef>
+        </p:style>
+        <p:txBody>
+          <a:bodyPr rtlCol="0" anchor="ctr"/>
+          <a:lstStyle/>
+          <a:p>
+            <a:pPr algn="ctr"/>
+            <a:r>
+              <a:rPr lang="ko-KR" altLang="en-US" dirty="0">
+                <a:solidFill>
+                  <a:schemeClr val="tx1"/>
+                </a:solidFill>
+              </a:rPr>
+              <a:t>캐릭터 명 표시</a:t>
+            </a:r>
+          </a:p>
+        </p:txBody>
+      </p:sp>
+      <p:sp>
+        <p:nvSpPr>
+          <p:cNvPr id="13" name="직사각형 12">
+            <a:extLst>
+              <a:ext uri="{FF2B5EF4-FFF2-40B4-BE49-F238E27FC236}">
+                <a16:creationId xmlns:a16="http://schemas.microsoft.com/office/drawing/2014/main" id="{5F72A282-3084-4049-8489-69023D0ABEDD}"/>
+              </a:ext>
+            </a:extLst>
+          </p:cNvPr>
+          <p:cNvSpPr/>
+          <p:nvPr/>
+        </p:nvSpPr>
+        <p:spPr>
+          <a:xfrm>
+            <a:off x="10026162" y="984739"/>
+            <a:ext cx="1582616" cy="700510"/>
+          </a:xfrm>
+          <a:prstGeom prst="rect">
+            <a:avLst/>
+          </a:prstGeom>
+          <a:noFill/>
+          <a:ln w="38100">
+            <a:solidFill>
+              <a:schemeClr val="tx1"/>
+            </a:solidFill>
+          </a:ln>
+        </p:spPr>
+        <p:style>
+          <a:lnRef idx="2">
+            <a:schemeClr val="accent1">
+              <a:shade val="50000"/>
+            </a:schemeClr>
+          </a:lnRef>
+          <a:fillRef idx="1">
+            <a:schemeClr val="accent1"/>
+          </a:fillRef>
+          <a:effectRef idx="0">
+            <a:schemeClr val="accent1"/>
+          </a:effectRef>
+          <a:fontRef idx="minor">
+            <a:schemeClr val="lt1"/>
+          </a:fontRef>
+        </p:style>
+        <p:txBody>
+          <a:bodyPr rtlCol="0" anchor="ctr"/>
+          <a:lstStyle/>
+          <a:p>
+            <a:pPr algn="ctr"/>
+            <a:r>
+              <a:rPr lang="en-US" altLang="ko-KR" dirty="0">
+                <a:solidFill>
+                  <a:schemeClr val="tx1"/>
+                </a:solidFill>
+              </a:rPr>
+              <a:t>[</a:t>
+            </a:r>
+            <a:r>
+              <a:rPr lang="ko-KR" altLang="en-US" dirty="0">
+                <a:solidFill>
+                  <a:schemeClr val="tx1"/>
+                </a:solidFill>
+              </a:rPr>
+              <a:t>캐릭터 랭크</a:t>
+            </a:r>
+            <a:r>
+              <a:rPr lang="en-US" altLang="ko-KR" dirty="0">
+                <a:solidFill>
+                  <a:schemeClr val="tx1"/>
+                </a:solidFill>
+              </a:rPr>
+              <a:t>]</a:t>
+            </a:r>
+            <a:endParaRPr lang="ko-KR" altLang="en-US" dirty="0">
+              <a:solidFill>
+                <a:schemeClr val="tx1"/>
+              </a:solidFill>
+            </a:endParaRPr>
+          </a:p>
+        </p:txBody>
+      </p:sp>
+    </p:spTree>
+    <p:extLst>
+      <p:ext uri="{BB962C8B-B14F-4D97-AF65-F5344CB8AC3E}">
+        <p14:creationId xmlns:p14="http://schemas.microsoft.com/office/powerpoint/2010/main" val="2798868087"/>
       </p:ext>
     </p:extLst>
   </p:cSld>

--- a/문서/기획서 자료.pptx
+++ b/문서/기획서 자료.pptx
@@ -12,6 +12,13 @@
     <p:sldId id="260" r:id="rId6"/>
     <p:sldId id="261" r:id="rId7"/>
     <p:sldId id="262" r:id="rId8"/>
+    <p:sldId id="264" r:id="rId9"/>
+    <p:sldId id="265" r:id="rId10"/>
+    <p:sldId id="266" r:id="rId11"/>
+    <p:sldId id="267" r:id="rId12"/>
+    <p:sldId id="268" r:id="rId13"/>
+    <p:sldId id="269" r:id="rId14"/>
+    <p:sldId id="270" r:id="rId15"/>
   </p:sldIdLst>
   <p:sldSz cx="12192000" cy="6858000"/>
   <p:notesSz cx="6858000" cy="9144000"/>
@@ -265,7 +272,7 @@
           <a:p>
             <a:fld id="{E3A1109E-92E8-4135-AC41-59956D48F8A4}" type="datetimeFigureOut">
               <a:rPr lang="ko-KR" altLang="en-US" smtClean="0"/>
-              <a:t>2023-04-10</a:t>
+              <a:t>2023-05-29</a:t>
             </a:fld>
             <a:endParaRPr lang="ko-KR" altLang="en-US"/>
           </a:p>
@@ -463,7 +470,7 @@
           <a:p>
             <a:fld id="{E3A1109E-92E8-4135-AC41-59956D48F8A4}" type="datetimeFigureOut">
               <a:rPr lang="ko-KR" altLang="en-US" smtClean="0"/>
-              <a:t>2023-04-10</a:t>
+              <a:t>2023-05-29</a:t>
             </a:fld>
             <a:endParaRPr lang="ko-KR" altLang="en-US"/>
           </a:p>
@@ -671,7 +678,7 @@
           <a:p>
             <a:fld id="{E3A1109E-92E8-4135-AC41-59956D48F8A4}" type="datetimeFigureOut">
               <a:rPr lang="ko-KR" altLang="en-US" smtClean="0"/>
-              <a:t>2023-04-10</a:t>
+              <a:t>2023-05-29</a:t>
             </a:fld>
             <a:endParaRPr lang="ko-KR" altLang="en-US"/>
           </a:p>
@@ -869,7 +876,7 @@
           <a:p>
             <a:fld id="{E3A1109E-92E8-4135-AC41-59956D48F8A4}" type="datetimeFigureOut">
               <a:rPr lang="ko-KR" altLang="en-US" smtClean="0"/>
-              <a:t>2023-04-10</a:t>
+              <a:t>2023-05-29</a:t>
             </a:fld>
             <a:endParaRPr lang="ko-KR" altLang="en-US"/>
           </a:p>
@@ -1144,7 +1151,7 @@
           <a:p>
             <a:fld id="{E3A1109E-92E8-4135-AC41-59956D48F8A4}" type="datetimeFigureOut">
               <a:rPr lang="ko-KR" altLang="en-US" smtClean="0"/>
-              <a:t>2023-04-10</a:t>
+              <a:t>2023-05-29</a:t>
             </a:fld>
             <a:endParaRPr lang="ko-KR" altLang="en-US"/>
           </a:p>
@@ -1409,7 +1416,7 @@
           <a:p>
             <a:fld id="{E3A1109E-92E8-4135-AC41-59956D48F8A4}" type="datetimeFigureOut">
               <a:rPr lang="ko-KR" altLang="en-US" smtClean="0"/>
-              <a:t>2023-04-10</a:t>
+              <a:t>2023-05-29</a:t>
             </a:fld>
             <a:endParaRPr lang="ko-KR" altLang="en-US"/>
           </a:p>
@@ -1821,7 +1828,7 @@
           <a:p>
             <a:fld id="{E3A1109E-92E8-4135-AC41-59956D48F8A4}" type="datetimeFigureOut">
               <a:rPr lang="ko-KR" altLang="en-US" smtClean="0"/>
-              <a:t>2023-04-10</a:t>
+              <a:t>2023-05-29</a:t>
             </a:fld>
             <a:endParaRPr lang="ko-KR" altLang="en-US"/>
           </a:p>
@@ -1962,7 +1969,7 @@
           <a:p>
             <a:fld id="{E3A1109E-92E8-4135-AC41-59956D48F8A4}" type="datetimeFigureOut">
               <a:rPr lang="ko-KR" altLang="en-US" smtClean="0"/>
-              <a:t>2023-04-10</a:t>
+              <a:t>2023-05-29</a:t>
             </a:fld>
             <a:endParaRPr lang="ko-KR" altLang="en-US"/>
           </a:p>
@@ -2075,7 +2082,7 @@
           <a:p>
             <a:fld id="{E3A1109E-92E8-4135-AC41-59956D48F8A4}" type="datetimeFigureOut">
               <a:rPr lang="ko-KR" altLang="en-US" smtClean="0"/>
-              <a:t>2023-04-10</a:t>
+              <a:t>2023-05-29</a:t>
             </a:fld>
             <a:endParaRPr lang="ko-KR" altLang="en-US"/>
           </a:p>
@@ -2386,7 +2393,7 @@
           <a:p>
             <a:fld id="{E3A1109E-92E8-4135-AC41-59956D48F8A4}" type="datetimeFigureOut">
               <a:rPr lang="ko-KR" altLang="en-US" smtClean="0"/>
-              <a:t>2023-04-10</a:t>
+              <a:t>2023-05-29</a:t>
             </a:fld>
             <a:endParaRPr lang="ko-KR" altLang="en-US"/>
           </a:p>
@@ -2674,7 +2681,7 @@
           <a:p>
             <a:fld id="{E3A1109E-92E8-4135-AC41-59956D48F8A4}" type="datetimeFigureOut">
               <a:rPr lang="ko-KR" altLang="en-US" smtClean="0"/>
-              <a:t>2023-04-10</a:t>
+              <a:t>2023-05-29</a:t>
             </a:fld>
             <a:endParaRPr lang="ko-KR" altLang="en-US"/>
           </a:p>
@@ -2915,7 +2922,7 @@
           <a:p>
             <a:fld id="{E3A1109E-92E8-4135-AC41-59956D48F8A4}" type="datetimeFigureOut">
               <a:rPr lang="ko-KR" altLang="en-US" smtClean="0"/>
-              <a:t>2023-04-10</a:t>
+              <a:t>2023-05-29</a:t>
             </a:fld>
             <a:endParaRPr lang="ko-KR" altLang="en-US"/>
           </a:p>
@@ -3836,6 +3843,3096 @@
     <p:extLst>
       <p:ext uri="{BB962C8B-B14F-4D97-AF65-F5344CB8AC3E}">
         <p14:creationId xmlns:p14="http://schemas.microsoft.com/office/powerpoint/2010/main" val="2966655267"/>
+      </p:ext>
+    </p:extLst>
+  </p:cSld>
+  <p:clrMapOvr>
+    <a:masterClrMapping/>
+  </p:clrMapOvr>
+</p:sld>
+</file>
+
+<file path=ppt/slides/slide10.xml><?xml version="1.0" encoding="utf-8"?>
+<p:sld xmlns:a="http://schemas.openxmlformats.org/drawingml/2006/main" xmlns:r="http://schemas.openxmlformats.org/officeDocument/2006/relationships" xmlns:p="http://schemas.openxmlformats.org/presentationml/2006/main">
+  <p:cSld>
+    <p:spTree>
+      <p:nvGrpSpPr>
+        <p:cNvPr id="1" name=""/>
+        <p:cNvGrpSpPr/>
+        <p:nvPr/>
+      </p:nvGrpSpPr>
+      <p:grpSpPr>
+        <a:xfrm>
+          <a:off x="0" y="0"/>
+          <a:ext cx="0" cy="0"/>
+          <a:chOff x="0" y="0"/>
+          <a:chExt cx="0" cy="0"/>
+        </a:xfrm>
+      </p:grpSpPr>
+      <p:sp>
+        <p:nvSpPr>
+          <p:cNvPr id="4" name="타원 3">
+            <a:extLst>
+              <a:ext uri="{FF2B5EF4-FFF2-40B4-BE49-F238E27FC236}">
+                <a16:creationId xmlns:a16="http://schemas.microsoft.com/office/drawing/2014/main" id="{9F144EFD-8DE5-425A-A172-DF61CB5E10CD}"/>
+              </a:ext>
+            </a:extLst>
+          </p:cNvPr>
+          <p:cNvSpPr/>
+          <p:nvPr/>
+        </p:nvSpPr>
+        <p:spPr>
+          <a:xfrm>
+            <a:off x="1720361" y="1922583"/>
+            <a:ext cx="762002" cy="1954824"/>
+          </a:xfrm>
+          <a:prstGeom prst="ellipse">
+            <a:avLst/>
+          </a:prstGeom>
+        </p:spPr>
+        <p:style>
+          <a:lnRef idx="2">
+            <a:schemeClr val="accent1">
+              <a:shade val="50000"/>
+            </a:schemeClr>
+          </a:lnRef>
+          <a:fillRef idx="1">
+            <a:schemeClr val="accent1"/>
+          </a:fillRef>
+          <a:effectRef idx="0">
+            <a:schemeClr val="accent1"/>
+          </a:effectRef>
+          <a:fontRef idx="minor">
+            <a:schemeClr val="lt1"/>
+          </a:fontRef>
+        </p:style>
+        <p:txBody>
+          <a:bodyPr rtlCol="0" anchor="ctr"/>
+          <a:lstStyle/>
+          <a:p>
+            <a:pPr algn="ctr"/>
+            <a:endParaRPr lang="ko-KR" altLang="en-US"/>
+          </a:p>
+        </p:txBody>
+      </p:sp>
+      <p:sp>
+        <p:nvSpPr>
+          <p:cNvPr id="5" name="타원 4">
+            <a:extLst>
+              <a:ext uri="{FF2B5EF4-FFF2-40B4-BE49-F238E27FC236}">
+                <a16:creationId xmlns:a16="http://schemas.microsoft.com/office/drawing/2014/main" id="{B7BF02C6-D18D-411F-AFF0-B56B8413D29B}"/>
+              </a:ext>
+            </a:extLst>
+          </p:cNvPr>
+          <p:cNvSpPr/>
+          <p:nvPr/>
+        </p:nvSpPr>
+        <p:spPr>
+          <a:xfrm>
+            <a:off x="2766645" y="2773973"/>
+            <a:ext cx="762002" cy="1954824"/>
+          </a:xfrm>
+          <a:prstGeom prst="ellipse">
+            <a:avLst/>
+          </a:prstGeom>
+        </p:spPr>
+        <p:style>
+          <a:lnRef idx="2">
+            <a:schemeClr val="accent1">
+              <a:shade val="50000"/>
+            </a:schemeClr>
+          </a:lnRef>
+          <a:fillRef idx="1">
+            <a:schemeClr val="accent1"/>
+          </a:fillRef>
+          <a:effectRef idx="0">
+            <a:schemeClr val="accent1"/>
+          </a:effectRef>
+          <a:fontRef idx="minor">
+            <a:schemeClr val="lt1"/>
+          </a:fontRef>
+        </p:style>
+        <p:txBody>
+          <a:bodyPr rtlCol="0" anchor="ctr"/>
+          <a:lstStyle/>
+          <a:p>
+            <a:pPr algn="ctr"/>
+            <a:endParaRPr lang="ko-KR" altLang="en-US"/>
+          </a:p>
+        </p:txBody>
+      </p:sp>
+      <p:sp>
+        <p:nvSpPr>
+          <p:cNvPr id="6" name="타원 5">
+            <a:extLst>
+              <a:ext uri="{FF2B5EF4-FFF2-40B4-BE49-F238E27FC236}">
+                <a16:creationId xmlns:a16="http://schemas.microsoft.com/office/drawing/2014/main" id="{44E1D299-E83F-459A-94CC-665A45085287}"/>
+              </a:ext>
+            </a:extLst>
+          </p:cNvPr>
+          <p:cNvSpPr/>
+          <p:nvPr/>
+        </p:nvSpPr>
+        <p:spPr>
+          <a:xfrm>
+            <a:off x="3933091" y="3877407"/>
+            <a:ext cx="762002" cy="1954824"/>
+          </a:xfrm>
+          <a:prstGeom prst="ellipse">
+            <a:avLst/>
+          </a:prstGeom>
+        </p:spPr>
+        <p:style>
+          <a:lnRef idx="2">
+            <a:schemeClr val="accent1">
+              <a:shade val="50000"/>
+            </a:schemeClr>
+          </a:lnRef>
+          <a:fillRef idx="1">
+            <a:schemeClr val="accent1"/>
+          </a:fillRef>
+          <a:effectRef idx="0">
+            <a:schemeClr val="accent1"/>
+          </a:effectRef>
+          <a:fontRef idx="minor">
+            <a:schemeClr val="lt1"/>
+          </a:fontRef>
+        </p:style>
+        <p:txBody>
+          <a:bodyPr rtlCol="0" anchor="ctr"/>
+          <a:lstStyle/>
+          <a:p>
+            <a:pPr algn="ctr"/>
+            <a:endParaRPr lang="ko-KR" altLang="en-US"/>
+          </a:p>
+        </p:txBody>
+      </p:sp>
+      <p:sp>
+        <p:nvSpPr>
+          <p:cNvPr id="7" name="타원 6">
+            <a:extLst>
+              <a:ext uri="{FF2B5EF4-FFF2-40B4-BE49-F238E27FC236}">
+                <a16:creationId xmlns:a16="http://schemas.microsoft.com/office/drawing/2014/main" id="{37B313F7-1845-4B99-8D12-085C561344C9}"/>
+              </a:ext>
+            </a:extLst>
+          </p:cNvPr>
+          <p:cNvSpPr/>
+          <p:nvPr/>
+        </p:nvSpPr>
+        <p:spPr>
+          <a:xfrm>
+            <a:off x="7496909" y="369275"/>
+            <a:ext cx="762002" cy="1954824"/>
+          </a:xfrm>
+          <a:prstGeom prst="ellipse">
+            <a:avLst/>
+          </a:prstGeom>
+        </p:spPr>
+        <p:style>
+          <a:lnRef idx="2">
+            <a:schemeClr val="accent1">
+              <a:shade val="50000"/>
+            </a:schemeClr>
+          </a:lnRef>
+          <a:fillRef idx="1">
+            <a:schemeClr val="accent1"/>
+          </a:fillRef>
+          <a:effectRef idx="0">
+            <a:schemeClr val="accent1"/>
+          </a:effectRef>
+          <a:fontRef idx="minor">
+            <a:schemeClr val="lt1"/>
+          </a:fontRef>
+        </p:style>
+        <p:txBody>
+          <a:bodyPr rtlCol="0" anchor="ctr"/>
+          <a:lstStyle/>
+          <a:p>
+            <a:pPr algn="ctr"/>
+            <a:endParaRPr lang="ko-KR" altLang="en-US"/>
+          </a:p>
+        </p:txBody>
+      </p:sp>
+      <p:sp>
+        <p:nvSpPr>
+          <p:cNvPr id="8" name="타원 7">
+            <a:extLst>
+              <a:ext uri="{FF2B5EF4-FFF2-40B4-BE49-F238E27FC236}">
+                <a16:creationId xmlns:a16="http://schemas.microsoft.com/office/drawing/2014/main" id="{C58B377E-CB4E-46EC-8A26-91AA9AD46EAD}"/>
+              </a:ext>
+            </a:extLst>
+          </p:cNvPr>
+          <p:cNvSpPr/>
+          <p:nvPr/>
+        </p:nvSpPr>
+        <p:spPr>
+          <a:xfrm>
+            <a:off x="8543193" y="1220665"/>
+            <a:ext cx="762002" cy="1954824"/>
+          </a:xfrm>
+          <a:prstGeom prst="ellipse">
+            <a:avLst/>
+          </a:prstGeom>
+        </p:spPr>
+        <p:style>
+          <a:lnRef idx="2">
+            <a:schemeClr val="accent1">
+              <a:shade val="50000"/>
+            </a:schemeClr>
+          </a:lnRef>
+          <a:fillRef idx="1">
+            <a:schemeClr val="accent1"/>
+          </a:fillRef>
+          <a:effectRef idx="0">
+            <a:schemeClr val="accent1"/>
+          </a:effectRef>
+          <a:fontRef idx="minor">
+            <a:schemeClr val="lt1"/>
+          </a:fontRef>
+        </p:style>
+        <p:txBody>
+          <a:bodyPr rtlCol="0" anchor="ctr"/>
+          <a:lstStyle/>
+          <a:p>
+            <a:pPr algn="ctr"/>
+            <a:endParaRPr lang="ko-KR" altLang="en-US"/>
+          </a:p>
+        </p:txBody>
+      </p:sp>
+      <p:sp>
+        <p:nvSpPr>
+          <p:cNvPr id="9" name="타원 8">
+            <a:extLst>
+              <a:ext uri="{FF2B5EF4-FFF2-40B4-BE49-F238E27FC236}">
+                <a16:creationId xmlns:a16="http://schemas.microsoft.com/office/drawing/2014/main" id="{4EB11B82-325E-44B5-8CEC-1566F01CF5FB}"/>
+              </a:ext>
+            </a:extLst>
+          </p:cNvPr>
+          <p:cNvSpPr/>
+          <p:nvPr/>
+        </p:nvSpPr>
+        <p:spPr>
+          <a:xfrm>
+            <a:off x="9709639" y="2324099"/>
+            <a:ext cx="762002" cy="1954824"/>
+          </a:xfrm>
+          <a:prstGeom prst="ellipse">
+            <a:avLst/>
+          </a:prstGeom>
+        </p:spPr>
+        <p:style>
+          <a:lnRef idx="2">
+            <a:schemeClr val="accent1">
+              <a:shade val="50000"/>
+            </a:schemeClr>
+          </a:lnRef>
+          <a:fillRef idx="1">
+            <a:schemeClr val="accent1"/>
+          </a:fillRef>
+          <a:effectRef idx="0">
+            <a:schemeClr val="accent1"/>
+          </a:effectRef>
+          <a:fontRef idx="minor">
+            <a:schemeClr val="lt1"/>
+          </a:fontRef>
+        </p:style>
+        <p:txBody>
+          <a:bodyPr rtlCol="0" anchor="ctr"/>
+          <a:lstStyle/>
+          <a:p>
+            <a:pPr algn="ctr"/>
+            <a:endParaRPr lang="ko-KR" altLang="en-US"/>
+          </a:p>
+        </p:txBody>
+      </p:sp>
+      <p:sp>
+        <p:nvSpPr>
+          <p:cNvPr id="10" name="직사각형 9">
+            <a:extLst>
+              <a:ext uri="{FF2B5EF4-FFF2-40B4-BE49-F238E27FC236}">
+                <a16:creationId xmlns:a16="http://schemas.microsoft.com/office/drawing/2014/main" id="{51DEC49A-4B6D-4E6D-BD62-69DEA7D0229C}"/>
+              </a:ext>
+            </a:extLst>
+          </p:cNvPr>
+          <p:cNvSpPr/>
+          <p:nvPr/>
+        </p:nvSpPr>
+        <p:spPr>
+          <a:xfrm>
+            <a:off x="8321923" y="5089645"/>
+            <a:ext cx="896808" cy="1485167"/>
+          </a:xfrm>
+          <a:prstGeom prst="rect">
+            <a:avLst/>
+          </a:prstGeom>
+          <a:solidFill>
+            <a:schemeClr val="accent2"/>
+          </a:solidFill>
+        </p:spPr>
+        <p:style>
+          <a:lnRef idx="2">
+            <a:schemeClr val="accent1">
+              <a:shade val="50000"/>
+            </a:schemeClr>
+          </a:lnRef>
+          <a:fillRef idx="1">
+            <a:schemeClr val="accent1"/>
+          </a:fillRef>
+          <a:effectRef idx="0">
+            <a:schemeClr val="accent1"/>
+          </a:effectRef>
+          <a:fontRef idx="minor">
+            <a:schemeClr val="lt1"/>
+          </a:fontRef>
+        </p:style>
+        <p:txBody>
+          <a:bodyPr rtlCol="0" anchor="ctr"/>
+          <a:lstStyle/>
+          <a:p>
+            <a:pPr algn="ctr"/>
+            <a:endParaRPr lang="ko-KR" altLang="en-US"/>
+          </a:p>
+        </p:txBody>
+      </p:sp>
+      <p:sp>
+        <p:nvSpPr>
+          <p:cNvPr id="11" name="직사각형 10">
+            <a:extLst>
+              <a:ext uri="{FF2B5EF4-FFF2-40B4-BE49-F238E27FC236}">
+                <a16:creationId xmlns:a16="http://schemas.microsoft.com/office/drawing/2014/main" id="{1CAD44F0-958B-45F2-B102-86DA9164F2BB}"/>
+              </a:ext>
+            </a:extLst>
+          </p:cNvPr>
+          <p:cNvSpPr/>
+          <p:nvPr/>
+        </p:nvSpPr>
+        <p:spPr>
+          <a:xfrm>
+            <a:off x="9348427" y="5089645"/>
+            <a:ext cx="896808" cy="1485167"/>
+          </a:xfrm>
+          <a:prstGeom prst="rect">
+            <a:avLst/>
+          </a:prstGeom>
+        </p:spPr>
+        <p:style>
+          <a:lnRef idx="2">
+            <a:schemeClr val="accent1">
+              <a:shade val="50000"/>
+            </a:schemeClr>
+          </a:lnRef>
+          <a:fillRef idx="1">
+            <a:schemeClr val="accent1"/>
+          </a:fillRef>
+          <a:effectRef idx="0">
+            <a:schemeClr val="accent1"/>
+          </a:effectRef>
+          <a:fontRef idx="minor">
+            <a:schemeClr val="lt1"/>
+          </a:fontRef>
+        </p:style>
+        <p:txBody>
+          <a:bodyPr rtlCol="0" anchor="ctr"/>
+          <a:lstStyle/>
+          <a:p>
+            <a:pPr algn="ctr"/>
+            <a:endParaRPr lang="ko-KR" altLang="en-US"/>
+          </a:p>
+        </p:txBody>
+      </p:sp>
+      <p:sp>
+        <p:nvSpPr>
+          <p:cNvPr id="12" name="직사각형 11">
+            <a:extLst>
+              <a:ext uri="{FF2B5EF4-FFF2-40B4-BE49-F238E27FC236}">
+                <a16:creationId xmlns:a16="http://schemas.microsoft.com/office/drawing/2014/main" id="{70DE2D47-D765-4082-98AF-C23AF786030A}"/>
+              </a:ext>
+            </a:extLst>
+          </p:cNvPr>
+          <p:cNvSpPr/>
+          <p:nvPr/>
+        </p:nvSpPr>
+        <p:spPr>
+          <a:xfrm>
+            <a:off x="10374931" y="5089647"/>
+            <a:ext cx="896808" cy="1485167"/>
+          </a:xfrm>
+          <a:prstGeom prst="rect">
+            <a:avLst/>
+          </a:prstGeom>
+        </p:spPr>
+        <p:style>
+          <a:lnRef idx="2">
+            <a:schemeClr val="accent1">
+              <a:shade val="50000"/>
+            </a:schemeClr>
+          </a:lnRef>
+          <a:fillRef idx="1">
+            <a:schemeClr val="accent1"/>
+          </a:fillRef>
+          <a:effectRef idx="0">
+            <a:schemeClr val="accent1"/>
+          </a:effectRef>
+          <a:fontRef idx="minor">
+            <a:schemeClr val="lt1"/>
+          </a:fontRef>
+        </p:style>
+        <p:txBody>
+          <a:bodyPr rtlCol="0" anchor="ctr"/>
+          <a:lstStyle/>
+          <a:p>
+            <a:pPr algn="ctr"/>
+            <a:endParaRPr lang="ko-KR" altLang="en-US"/>
+          </a:p>
+        </p:txBody>
+      </p:sp>
+      <p:sp>
+        <p:nvSpPr>
+          <p:cNvPr id="13" name="직사각형 12">
+            <a:extLst>
+              <a:ext uri="{FF2B5EF4-FFF2-40B4-BE49-F238E27FC236}">
+                <a16:creationId xmlns:a16="http://schemas.microsoft.com/office/drawing/2014/main" id="{506D9F96-A24F-4D9A-B780-4C8C6D45AB65}"/>
+              </a:ext>
+            </a:extLst>
+          </p:cNvPr>
+          <p:cNvSpPr/>
+          <p:nvPr/>
+        </p:nvSpPr>
+        <p:spPr>
+          <a:xfrm>
+            <a:off x="7295419" y="5089645"/>
+            <a:ext cx="896808" cy="1485167"/>
+          </a:xfrm>
+          <a:prstGeom prst="rect">
+            <a:avLst/>
+          </a:prstGeom>
+        </p:spPr>
+        <p:style>
+          <a:lnRef idx="2">
+            <a:schemeClr val="accent1">
+              <a:shade val="50000"/>
+            </a:schemeClr>
+          </a:lnRef>
+          <a:fillRef idx="1">
+            <a:schemeClr val="accent1"/>
+          </a:fillRef>
+          <a:effectRef idx="0">
+            <a:schemeClr val="accent1"/>
+          </a:effectRef>
+          <a:fontRef idx="minor">
+            <a:schemeClr val="lt1"/>
+          </a:fontRef>
+        </p:style>
+        <p:txBody>
+          <a:bodyPr rtlCol="0" anchor="ctr"/>
+          <a:lstStyle/>
+          <a:p>
+            <a:pPr algn="ctr"/>
+            <a:endParaRPr lang="ko-KR" altLang="en-US"/>
+          </a:p>
+        </p:txBody>
+      </p:sp>
+      <p:sp>
+        <p:nvSpPr>
+          <p:cNvPr id="2" name="이등변 삼각형 1">
+            <a:extLst>
+              <a:ext uri="{FF2B5EF4-FFF2-40B4-BE49-F238E27FC236}">
+                <a16:creationId xmlns:a16="http://schemas.microsoft.com/office/drawing/2014/main" id="{187BF47C-B03A-48BE-8B5B-4E601899659B}"/>
+              </a:ext>
+            </a:extLst>
+          </p:cNvPr>
+          <p:cNvSpPr/>
+          <p:nvPr/>
+        </p:nvSpPr>
+        <p:spPr>
+          <a:xfrm rot="10800000">
+            <a:off x="8414240" y="369275"/>
+            <a:ext cx="1019908" cy="627184"/>
+          </a:xfrm>
+          <a:prstGeom prst="triangle">
+            <a:avLst/>
+          </a:prstGeom>
+          <a:solidFill>
+            <a:srgbClr val="FF0000"/>
+          </a:solidFill>
+        </p:spPr>
+        <p:style>
+          <a:lnRef idx="2">
+            <a:schemeClr val="accent1">
+              <a:shade val="50000"/>
+            </a:schemeClr>
+          </a:lnRef>
+          <a:fillRef idx="1">
+            <a:schemeClr val="accent1"/>
+          </a:fillRef>
+          <a:effectRef idx="0">
+            <a:schemeClr val="accent1"/>
+          </a:effectRef>
+          <a:fontRef idx="minor">
+            <a:schemeClr val="lt1"/>
+          </a:fontRef>
+        </p:style>
+        <p:txBody>
+          <a:bodyPr rtlCol="0" anchor="ctr"/>
+          <a:lstStyle/>
+          <a:p>
+            <a:pPr algn="ctr"/>
+            <a:endParaRPr lang="ko-KR" altLang="en-US"/>
+          </a:p>
+        </p:txBody>
+      </p:sp>
+    </p:spTree>
+    <p:extLst>
+      <p:ext uri="{BB962C8B-B14F-4D97-AF65-F5344CB8AC3E}">
+        <p14:creationId xmlns:p14="http://schemas.microsoft.com/office/powerpoint/2010/main" val="1193094219"/>
+      </p:ext>
+    </p:extLst>
+  </p:cSld>
+  <p:clrMapOvr>
+    <a:masterClrMapping/>
+  </p:clrMapOvr>
+</p:sld>
+</file>
+
+<file path=ppt/slides/slide11.xml><?xml version="1.0" encoding="utf-8"?>
+<p:sld xmlns:a="http://schemas.openxmlformats.org/drawingml/2006/main" xmlns:r="http://schemas.openxmlformats.org/officeDocument/2006/relationships" xmlns:p="http://schemas.openxmlformats.org/presentationml/2006/main">
+  <p:cSld>
+    <p:spTree>
+      <p:nvGrpSpPr>
+        <p:cNvPr id="1" name=""/>
+        <p:cNvGrpSpPr/>
+        <p:nvPr/>
+      </p:nvGrpSpPr>
+      <p:grpSpPr>
+        <a:xfrm>
+          <a:off x="0" y="0"/>
+          <a:ext cx="0" cy="0"/>
+          <a:chOff x="0" y="0"/>
+          <a:chExt cx="0" cy="0"/>
+        </a:xfrm>
+      </p:grpSpPr>
+      <p:sp>
+        <p:nvSpPr>
+          <p:cNvPr id="4" name="타원 3">
+            <a:extLst>
+              <a:ext uri="{FF2B5EF4-FFF2-40B4-BE49-F238E27FC236}">
+                <a16:creationId xmlns:a16="http://schemas.microsoft.com/office/drawing/2014/main" id="{9F144EFD-8DE5-425A-A172-DF61CB5E10CD}"/>
+              </a:ext>
+            </a:extLst>
+          </p:cNvPr>
+          <p:cNvSpPr/>
+          <p:nvPr/>
+        </p:nvSpPr>
+        <p:spPr>
+          <a:xfrm>
+            <a:off x="1720361" y="1922583"/>
+            <a:ext cx="762002" cy="1954824"/>
+          </a:xfrm>
+          <a:prstGeom prst="ellipse">
+            <a:avLst/>
+          </a:prstGeom>
+        </p:spPr>
+        <p:style>
+          <a:lnRef idx="2">
+            <a:schemeClr val="accent1">
+              <a:shade val="50000"/>
+            </a:schemeClr>
+          </a:lnRef>
+          <a:fillRef idx="1">
+            <a:schemeClr val="accent1"/>
+          </a:fillRef>
+          <a:effectRef idx="0">
+            <a:schemeClr val="accent1"/>
+          </a:effectRef>
+          <a:fontRef idx="minor">
+            <a:schemeClr val="lt1"/>
+          </a:fontRef>
+        </p:style>
+        <p:txBody>
+          <a:bodyPr rtlCol="0" anchor="ctr"/>
+          <a:lstStyle/>
+          <a:p>
+            <a:pPr algn="ctr"/>
+            <a:endParaRPr lang="ko-KR" altLang="en-US"/>
+          </a:p>
+        </p:txBody>
+      </p:sp>
+      <p:sp>
+        <p:nvSpPr>
+          <p:cNvPr id="5" name="타원 4">
+            <a:extLst>
+              <a:ext uri="{FF2B5EF4-FFF2-40B4-BE49-F238E27FC236}">
+                <a16:creationId xmlns:a16="http://schemas.microsoft.com/office/drawing/2014/main" id="{B7BF02C6-D18D-411F-AFF0-B56B8413D29B}"/>
+              </a:ext>
+            </a:extLst>
+          </p:cNvPr>
+          <p:cNvSpPr/>
+          <p:nvPr/>
+        </p:nvSpPr>
+        <p:spPr>
+          <a:xfrm>
+            <a:off x="2766645" y="2773973"/>
+            <a:ext cx="762002" cy="1954824"/>
+          </a:xfrm>
+          <a:prstGeom prst="ellipse">
+            <a:avLst/>
+          </a:prstGeom>
+        </p:spPr>
+        <p:style>
+          <a:lnRef idx="2">
+            <a:schemeClr val="accent1">
+              <a:shade val="50000"/>
+            </a:schemeClr>
+          </a:lnRef>
+          <a:fillRef idx="1">
+            <a:schemeClr val="accent1"/>
+          </a:fillRef>
+          <a:effectRef idx="0">
+            <a:schemeClr val="accent1"/>
+          </a:effectRef>
+          <a:fontRef idx="minor">
+            <a:schemeClr val="lt1"/>
+          </a:fontRef>
+        </p:style>
+        <p:txBody>
+          <a:bodyPr rtlCol="0" anchor="ctr"/>
+          <a:lstStyle/>
+          <a:p>
+            <a:pPr algn="ctr"/>
+            <a:endParaRPr lang="ko-KR" altLang="en-US"/>
+          </a:p>
+        </p:txBody>
+      </p:sp>
+      <p:sp>
+        <p:nvSpPr>
+          <p:cNvPr id="6" name="타원 5">
+            <a:extLst>
+              <a:ext uri="{FF2B5EF4-FFF2-40B4-BE49-F238E27FC236}">
+                <a16:creationId xmlns:a16="http://schemas.microsoft.com/office/drawing/2014/main" id="{44E1D299-E83F-459A-94CC-665A45085287}"/>
+              </a:ext>
+            </a:extLst>
+          </p:cNvPr>
+          <p:cNvSpPr/>
+          <p:nvPr/>
+        </p:nvSpPr>
+        <p:spPr>
+          <a:xfrm>
+            <a:off x="3933091" y="3877407"/>
+            <a:ext cx="762002" cy="1954824"/>
+          </a:xfrm>
+          <a:prstGeom prst="ellipse">
+            <a:avLst/>
+          </a:prstGeom>
+        </p:spPr>
+        <p:style>
+          <a:lnRef idx="2">
+            <a:schemeClr val="accent1">
+              <a:shade val="50000"/>
+            </a:schemeClr>
+          </a:lnRef>
+          <a:fillRef idx="1">
+            <a:schemeClr val="accent1"/>
+          </a:fillRef>
+          <a:effectRef idx="0">
+            <a:schemeClr val="accent1"/>
+          </a:effectRef>
+          <a:fontRef idx="minor">
+            <a:schemeClr val="lt1"/>
+          </a:fontRef>
+        </p:style>
+        <p:txBody>
+          <a:bodyPr rtlCol="0" anchor="ctr"/>
+          <a:lstStyle/>
+          <a:p>
+            <a:pPr algn="ctr"/>
+            <a:endParaRPr lang="ko-KR" altLang="en-US"/>
+          </a:p>
+        </p:txBody>
+      </p:sp>
+      <p:sp>
+        <p:nvSpPr>
+          <p:cNvPr id="7" name="타원 6">
+            <a:extLst>
+              <a:ext uri="{FF2B5EF4-FFF2-40B4-BE49-F238E27FC236}">
+                <a16:creationId xmlns:a16="http://schemas.microsoft.com/office/drawing/2014/main" id="{37B313F7-1845-4B99-8D12-085C561344C9}"/>
+              </a:ext>
+            </a:extLst>
+          </p:cNvPr>
+          <p:cNvSpPr/>
+          <p:nvPr/>
+        </p:nvSpPr>
+        <p:spPr>
+          <a:xfrm>
+            <a:off x="7496909" y="369275"/>
+            <a:ext cx="762002" cy="1954824"/>
+          </a:xfrm>
+          <a:prstGeom prst="ellipse">
+            <a:avLst/>
+          </a:prstGeom>
+        </p:spPr>
+        <p:style>
+          <a:lnRef idx="2">
+            <a:schemeClr val="accent1">
+              <a:shade val="50000"/>
+            </a:schemeClr>
+          </a:lnRef>
+          <a:fillRef idx="1">
+            <a:schemeClr val="accent1"/>
+          </a:fillRef>
+          <a:effectRef idx="0">
+            <a:schemeClr val="accent1"/>
+          </a:effectRef>
+          <a:fontRef idx="minor">
+            <a:schemeClr val="lt1"/>
+          </a:fontRef>
+        </p:style>
+        <p:txBody>
+          <a:bodyPr rtlCol="0" anchor="ctr"/>
+          <a:lstStyle/>
+          <a:p>
+            <a:pPr algn="ctr"/>
+            <a:endParaRPr lang="ko-KR" altLang="en-US"/>
+          </a:p>
+        </p:txBody>
+      </p:sp>
+      <p:sp>
+        <p:nvSpPr>
+          <p:cNvPr id="8" name="타원 7">
+            <a:extLst>
+              <a:ext uri="{FF2B5EF4-FFF2-40B4-BE49-F238E27FC236}">
+                <a16:creationId xmlns:a16="http://schemas.microsoft.com/office/drawing/2014/main" id="{C58B377E-CB4E-46EC-8A26-91AA9AD46EAD}"/>
+              </a:ext>
+            </a:extLst>
+          </p:cNvPr>
+          <p:cNvSpPr/>
+          <p:nvPr/>
+        </p:nvSpPr>
+        <p:spPr>
+          <a:xfrm>
+            <a:off x="8543193" y="1220665"/>
+            <a:ext cx="762002" cy="1954824"/>
+          </a:xfrm>
+          <a:prstGeom prst="ellipse">
+            <a:avLst/>
+          </a:prstGeom>
+        </p:spPr>
+        <p:style>
+          <a:lnRef idx="2">
+            <a:schemeClr val="accent1">
+              <a:shade val="50000"/>
+            </a:schemeClr>
+          </a:lnRef>
+          <a:fillRef idx="1">
+            <a:schemeClr val="accent1"/>
+          </a:fillRef>
+          <a:effectRef idx="0">
+            <a:schemeClr val="accent1"/>
+          </a:effectRef>
+          <a:fontRef idx="minor">
+            <a:schemeClr val="lt1"/>
+          </a:fontRef>
+        </p:style>
+        <p:txBody>
+          <a:bodyPr rtlCol="0" anchor="ctr"/>
+          <a:lstStyle/>
+          <a:p>
+            <a:pPr algn="ctr"/>
+            <a:endParaRPr lang="ko-KR" altLang="en-US"/>
+          </a:p>
+        </p:txBody>
+      </p:sp>
+      <p:sp>
+        <p:nvSpPr>
+          <p:cNvPr id="9" name="타원 8">
+            <a:extLst>
+              <a:ext uri="{FF2B5EF4-FFF2-40B4-BE49-F238E27FC236}">
+                <a16:creationId xmlns:a16="http://schemas.microsoft.com/office/drawing/2014/main" id="{4EB11B82-325E-44B5-8CEC-1566F01CF5FB}"/>
+              </a:ext>
+            </a:extLst>
+          </p:cNvPr>
+          <p:cNvSpPr/>
+          <p:nvPr/>
+        </p:nvSpPr>
+        <p:spPr>
+          <a:xfrm>
+            <a:off x="9709639" y="2324099"/>
+            <a:ext cx="762002" cy="1954824"/>
+          </a:xfrm>
+          <a:prstGeom prst="ellipse">
+            <a:avLst/>
+          </a:prstGeom>
+        </p:spPr>
+        <p:style>
+          <a:lnRef idx="2">
+            <a:schemeClr val="accent1">
+              <a:shade val="50000"/>
+            </a:schemeClr>
+          </a:lnRef>
+          <a:fillRef idx="1">
+            <a:schemeClr val="accent1"/>
+          </a:fillRef>
+          <a:effectRef idx="0">
+            <a:schemeClr val="accent1"/>
+          </a:effectRef>
+          <a:fontRef idx="minor">
+            <a:schemeClr val="lt1"/>
+          </a:fontRef>
+        </p:style>
+        <p:txBody>
+          <a:bodyPr rtlCol="0" anchor="ctr"/>
+          <a:lstStyle/>
+          <a:p>
+            <a:pPr algn="ctr"/>
+            <a:endParaRPr lang="ko-KR" altLang="en-US"/>
+          </a:p>
+        </p:txBody>
+      </p:sp>
+      <p:sp>
+        <p:nvSpPr>
+          <p:cNvPr id="10" name="직사각형 9">
+            <a:extLst>
+              <a:ext uri="{FF2B5EF4-FFF2-40B4-BE49-F238E27FC236}">
+                <a16:creationId xmlns:a16="http://schemas.microsoft.com/office/drawing/2014/main" id="{51DEC49A-4B6D-4E6D-BD62-69DEA7D0229C}"/>
+              </a:ext>
+            </a:extLst>
+          </p:cNvPr>
+          <p:cNvSpPr/>
+          <p:nvPr/>
+        </p:nvSpPr>
+        <p:spPr>
+          <a:xfrm>
+            <a:off x="5593379" y="2163274"/>
+            <a:ext cx="1357158" cy="2247534"/>
+          </a:xfrm>
+          <a:prstGeom prst="rect">
+            <a:avLst/>
+          </a:prstGeom>
+          <a:solidFill>
+            <a:schemeClr val="accent2"/>
+          </a:solidFill>
+        </p:spPr>
+        <p:style>
+          <a:lnRef idx="2">
+            <a:schemeClr val="accent1">
+              <a:shade val="50000"/>
+            </a:schemeClr>
+          </a:lnRef>
+          <a:fillRef idx="1">
+            <a:schemeClr val="accent1"/>
+          </a:fillRef>
+          <a:effectRef idx="0">
+            <a:schemeClr val="accent1"/>
+          </a:effectRef>
+          <a:fontRef idx="minor">
+            <a:schemeClr val="lt1"/>
+          </a:fontRef>
+        </p:style>
+        <p:txBody>
+          <a:bodyPr rtlCol="0" anchor="ctr"/>
+          <a:lstStyle/>
+          <a:p>
+            <a:pPr algn="ctr"/>
+            <a:endParaRPr lang="ko-KR" altLang="en-US"/>
+          </a:p>
+        </p:txBody>
+      </p:sp>
+      <p:sp>
+        <p:nvSpPr>
+          <p:cNvPr id="11" name="직사각형 10">
+            <a:extLst>
+              <a:ext uri="{FF2B5EF4-FFF2-40B4-BE49-F238E27FC236}">
+                <a16:creationId xmlns:a16="http://schemas.microsoft.com/office/drawing/2014/main" id="{1CAD44F0-958B-45F2-B102-86DA9164F2BB}"/>
+              </a:ext>
+            </a:extLst>
+          </p:cNvPr>
+          <p:cNvSpPr/>
+          <p:nvPr/>
+        </p:nvSpPr>
+        <p:spPr>
+          <a:xfrm>
+            <a:off x="8279427" y="5101365"/>
+            <a:ext cx="896808" cy="1485167"/>
+          </a:xfrm>
+          <a:prstGeom prst="rect">
+            <a:avLst/>
+          </a:prstGeom>
+        </p:spPr>
+        <p:style>
+          <a:lnRef idx="2">
+            <a:schemeClr val="accent1">
+              <a:shade val="50000"/>
+            </a:schemeClr>
+          </a:lnRef>
+          <a:fillRef idx="1">
+            <a:schemeClr val="accent1"/>
+          </a:fillRef>
+          <a:effectRef idx="0">
+            <a:schemeClr val="accent1"/>
+          </a:effectRef>
+          <a:fontRef idx="minor">
+            <a:schemeClr val="lt1"/>
+          </a:fontRef>
+        </p:style>
+        <p:txBody>
+          <a:bodyPr rtlCol="0" anchor="ctr"/>
+          <a:lstStyle/>
+          <a:p>
+            <a:pPr algn="ctr"/>
+            <a:endParaRPr lang="ko-KR" altLang="en-US"/>
+          </a:p>
+        </p:txBody>
+      </p:sp>
+      <p:sp>
+        <p:nvSpPr>
+          <p:cNvPr id="12" name="직사각형 11">
+            <a:extLst>
+              <a:ext uri="{FF2B5EF4-FFF2-40B4-BE49-F238E27FC236}">
+                <a16:creationId xmlns:a16="http://schemas.microsoft.com/office/drawing/2014/main" id="{70DE2D47-D765-4082-98AF-C23AF786030A}"/>
+              </a:ext>
+            </a:extLst>
+          </p:cNvPr>
+          <p:cNvSpPr/>
+          <p:nvPr/>
+        </p:nvSpPr>
+        <p:spPr>
+          <a:xfrm>
+            <a:off x="9305198" y="5101365"/>
+            <a:ext cx="896808" cy="1485167"/>
+          </a:xfrm>
+          <a:prstGeom prst="rect">
+            <a:avLst/>
+          </a:prstGeom>
+        </p:spPr>
+        <p:style>
+          <a:lnRef idx="2">
+            <a:schemeClr val="accent1">
+              <a:shade val="50000"/>
+            </a:schemeClr>
+          </a:lnRef>
+          <a:fillRef idx="1">
+            <a:schemeClr val="accent1"/>
+          </a:fillRef>
+          <a:effectRef idx="0">
+            <a:schemeClr val="accent1"/>
+          </a:effectRef>
+          <a:fontRef idx="minor">
+            <a:schemeClr val="lt1"/>
+          </a:fontRef>
+        </p:style>
+        <p:txBody>
+          <a:bodyPr rtlCol="0" anchor="ctr"/>
+          <a:lstStyle/>
+          <a:p>
+            <a:pPr algn="ctr"/>
+            <a:endParaRPr lang="ko-KR" altLang="en-US"/>
+          </a:p>
+        </p:txBody>
+      </p:sp>
+      <p:sp>
+        <p:nvSpPr>
+          <p:cNvPr id="13" name="직사각형 12">
+            <a:extLst>
+              <a:ext uri="{FF2B5EF4-FFF2-40B4-BE49-F238E27FC236}">
+                <a16:creationId xmlns:a16="http://schemas.microsoft.com/office/drawing/2014/main" id="{506D9F96-A24F-4D9A-B780-4C8C6D45AB65}"/>
+              </a:ext>
+            </a:extLst>
+          </p:cNvPr>
+          <p:cNvSpPr/>
+          <p:nvPr/>
+        </p:nvSpPr>
+        <p:spPr>
+          <a:xfrm>
+            <a:off x="7295419" y="5089645"/>
+            <a:ext cx="896808" cy="1485167"/>
+          </a:xfrm>
+          <a:prstGeom prst="rect">
+            <a:avLst/>
+          </a:prstGeom>
+        </p:spPr>
+        <p:style>
+          <a:lnRef idx="2">
+            <a:schemeClr val="accent1">
+              <a:shade val="50000"/>
+            </a:schemeClr>
+          </a:lnRef>
+          <a:fillRef idx="1">
+            <a:schemeClr val="accent1"/>
+          </a:fillRef>
+          <a:effectRef idx="0">
+            <a:schemeClr val="accent1"/>
+          </a:effectRef>
+          <a:fontRef idx="minor">
+            <a:schemeClr val="lt1"/>
+          </a:fontRef>
+        </p:style>
+        <p:txBody>
+          <a:bodyPr rtlCol="0" anchor="ctr"/>
+          <a:lstStyle/>
+          <a:p>
+            <a:pPr algn="ctr"/>
+            <a:endParaRPr lang="ko-KR" altLang="en-US"/>
+          </a:p>
+        </p:txBody>
+      </p:sp>
+      <p:sp>
+        <p:nvSpPr>
+          <p:cNvPr id="2" name="이등변 삼각형 1">
+            <a:extLst>
+              <a:ext uri="{FF2B5EF4-FFF2-40B4-BE49-F238E27FC236}">
+                <a16:creationId xmlns:a16="http://schemas.microsoft.com/office/drawing/2014/main" id="{187BF47C-B03A-48BE-8B5B-4E601899659B}"/>
+              </a:ext>
+            </a:extLst>
+          </p:cNvPr>
+          <p:cNvSpPr/>
+          <p:nvPr/>
+        </p:nvSpPr>
+        <p:spPr>
+          <a:xfrm rot="10800000">
+            <a:off x="8414240" y="369275"/>
+            <a:ext cx="1019908" cy="627184"/>
+          </a:xfrm>
+          <a:prstGeom prst="triangle">
+            <a:avLst/>
+          </a:prstGeom>
+          <a:solidFill>
+            <a:srgbClr val="FF0000"/>
+          </a:solidFill>
+        </p:spPr>
+        <p:style>
+          <a:lnRef idx="2">
+            <a:schemeClr val="accent1">
+              <a:shade val="50000"/>
+            </a:schemeClr>
+          </a:lnRef>
+          <a:fillRef idx="1">
+            <a:schemeClr val="accent1"/>
+          </a:fillRef>
+          <a:effectRef idx="0">
+            <a:schemeClr val="accent1"/>
+          </a:effectRef>
+          <a:fontRef idx="minor">
+            <a:schemeClr val="lt1"/>
+          </a:fontRef>
+        </p:style>
+        <p:txBody>
+          <a:bodyPr rtlCol="0" anchor="ctr"/>
+          <a:lstStyle/>
+          <a:p>
+            <a:pPr algn="ctr"/>
+            <a:endParaRPr lang="ko-KR" altLang="en-US"/>
+          </a:p>
+        </p:txBody>
+      </p:sp>
+      <p:sp>
+        <p:nvSpPr>
+          <p:cNvPr id="3" name="TextBox 2">
+            <a:extLst>
+              <a:ext uri="{FF2B5EF4-FFF2-40B4-BE49-F238E27FC236}">
+                <a16:creationId xmlns:a16="http://schemas.microsoft.com/office/drawing/2014/main" id="{9704D6EF-5741-4E63-9B22-90CE8E8B0941}"/>
+              </a:ext>
+            </a:extLst>
+          </p:cNvPr>
+          <p:cNvSpPr txBox="1"/>
+          <p:nvPr/>
+        </p:nvSpPr>
+        <p:spPr>
+          <a:xfrm>
+            <a:off x="87923" y="219808"/>
+            <a:ext cx="3512500" cy="369332"/>
+          </a:xfrm>
+          <a:prstGeom prst="rect">
+            <a:avLst/>
+          </a:prstGeom>
+          <a:noFill/>
+        </p:spPr>
+        <p:txBody>
+          <a:bodyPr wrap="none" rtlCol="0">
+            <a:spAutoFit/>
+          </a:bodyPr>
+          <a:lstStyle/>
+          <a:p>
+            <a:r>
+              <a:rPr lang="en-US" altLang="ko-KR" dirty="0"/>
+              <a:t>{</a:t>
+            </a:r>
+            <a:r>
+              <a:rPr lang="en-US" altLang="ko-KR" dirty="0" err="1"/>
+              <a:t>oo</a:t>
+            </a:r>
+            <a:r>
+              <a:rPr lang="en-US" altLang="ko-KR" dirty="0"/>
+              <a:t>}</a:t>
+            </a:r>
+            <a:r>
+              <a:rPr lang="ko-KR" altLang="en-US" dirty="0"/>
+              <a:t>에게 </a:t>
+            </a:r>
+            <a:r>
+              <a:rPr lang="en-US" altLang="ko-KR" dirty="0"/>
+              <a:t>{</a:t>
+            </a:r>
+            <a:r>
+              <a:rPr lang="ko-KR" altLang="en-US" dirty="0"/>
+              <a:t>스킬</a:t>
+            </a:r>
+            <a:r>
+              <a:rPr lang="en-US" altLang="ko-KR" dirty="0"/>
+              <a:t>}</a:t>
+            </a:r>
+            <a:r>
+              <a:rPr lang="ko-KR" altLang="en-US" dirty="0"/>
+              <a:t>을 사용했습니다</a:t>
+            </a:r>
+            <a:r>
+              <a:rPr lang="en-US" altLang="ko-KR" dirty="0"/>
+              <a:t>!</a:t>
+            </a:r>
+            <a:endParaRPr lang="ko-KR" altLang="en-US" dirty="0"/>
+          </a:p>
+        </p:txBody>
+      </p:sp>
+    </p:spTree>
+    <p:extLst>
+      <p:ext uri="{BB962C8B-B14F-4D97-AF65-F5344CB8AC3E}">
+        <p14:creationId xmlns:p14="http://schemas.microsoft.com/office/powerpoint/2010/main" val="3235166553"/>
+      </p:ext>
+    </p:extLst>
+  </p:cSld>
+  <p:clrMapOvr>
+    <a:masterClrMapping/>
+  </p:clrMapOvr>
+</p:sld>
+</file>
+
+<file path=ppt/slides/slide12.xml><?xml version="1.0" encoding="utf-8"?>
+<p:sld xmlns:a="http://schemas.openxmlformats.org/drawingml/2006/main" xmlns:r="http://schemas.openxmlformats.org/officeDocument/2006/relationships" xmlns:p="http://schemas.openxmlformats.org/presentationml/2006/main">
+  <p:cSld>
+    <p:spTree>
+      <p:nvGrpSpPr>
+        <p:cNvPr id="1" name=""/>
+        <p:cNvGrpSpPr/>
+        <p:nvPr/>
+      </p:nvGrpSpPr>
+      <p:grpSpPr>
+        <a:xfrm>
+          <a:off x="0" y="0"/>
+          <a:ext cx="0" cy="0"/>
+          <a:chOff x="0" y="0"/>
+          <a:chExt cx="0" cy="0"/>
+        </a:xfrm>
+      </p:grpSpPr>
+      <p:sp>
+        <p:nvSpPr>
+          <p:cNvPr id="4" name="타원 3">
+            <a:extLst>
+              <a:ext uri="{FF2B5EF4-FFF2-40B4-BE49-F238E27FC236}">
+                <a16:creationId xmlns:a16="http://schemas.microsoft.com/office/drawing/2014/main" id="{9F144EFD-8DE5-425A-A172-DF61CB5E10CD}"/>
+              </a:ext>
+            </a:extLst>
+          </p:cNvPr>
+          <p:cNvSpPr/>
+          <p:nvPr/>
+        </p:nvSpPr>
+        <p:spPr>
+          <a:xfrm>
+            <a:off x="1720361" y="1922583"/>
+            <a:ext cx="762002" cy="1954824"/>
+          </a:xfrm>
+          <a:prstGeom prst="ellipse">
+            <a:avLst/>
+          </a:prstGeom>
+        </p:spPr>
+        <p:style>
+          <a:lnRef idx="2">
+            <a:schemeClr val="accent1">
+              <a:shade val="50000"/>
+            </a:schemeClr>
+          </a:lnRef>
+          <a:fillRef idx="1">
+            <a:schemeClr val="accent1"/>
+          </a:fillRef>
+          <a:effectRef idx="0">
+            <a:schemeClr val="accent1"/>
+          </a:effectRef>
+          <a:fontRef idx="minor">
+            <a:schemeClr val="lt1"/>
+          </a:fontRef>
+        </p:style>
+        <p:txBody>
+          <a:bodyPr rtlCol="0" anchor="ctr"/>
+          <a:lstStyle/>
+          <a:p>
+            <a:pPr algn="ctr"/>
+            <a:endParaRPr lang="ko-KR" altLang="en-US"/>
+          </a:p>
+        </p:txBody>
+      </p:sp>
+      <p:sp>
+        <p:nvSpPr>
+          <p:cNvPr id="5" name="타원 4">
+            <a:extLst>
+              <a:ext uri="{FF2B5EF4-FFF2-40B4-BE49-F238E27FC236}">
+                <a16:creationId xmlns:a16="http://schemas.microsoft.com/office/drawing/2014/main" id="{B7BF02C6-D18D-411F-AFF0-B56B8413D29B}"/>
+              </a:ext>
+            </a:extLst>
+          </p:cNvPr>
+          <p:cNvSpPr/>
+          <p:nvPr/>
+        </p:nvSpPr>
+        <p:spPr>
+          <a:xfrm>
+            <a:off x="2766645" y="2773973"/>
+            <a:ext cx="762002" cy="1954824"/>
+          </a:xfrm>
+          <a:prstGeom prst="ellipse">
+            <a:avLst/>
+          </a:prstGeom>
+        </p:spPr>
+        <p:style>
+          <a:lnRef idx="2">
+            <a:schemeClr val="accent1">
+              <a:shade val="50000"/>
+            </a:schemeClr>
+          </a:lnRef>
+          <a:fillRef idx="1">
+            <a:schemeClr val="accent1"/>
+          </a:fillRef>
+          <a:effectRef idx="0">
+            <a:schemeClr val="accent1"/>
+          </a:effectRef>
+          <a:fontRef idx="minor">
+            <a:schemeClr val="lt1"/>
+          </a:fontRef>
+        </p:style>
+        <p:txBody>
+          <a:bodyPr rtlCol="0" anchor="ctr"/>
+          <a:lstStyle/>
+          <a:p>
+            <a:pPr algn="ctr"/>
+            <a:endParaRPr lang="ko-KR" altLang="en-US"/>
+          </a:p>
+        </p:txBody>
+      </p:sp>
+      <p:sp>
+        <p:nvSpPr>
+          <p:cNvPr id="6" name="타원 5">
+            <a:extLst>
+              <a:ext uri="{FF2B5EF4-FFF2-40B4-BE49-F238E27FC236}">
+                <a16:creationId xmlns:a16="http://schemas.microsoft.com/office/drawing/2014/main" id="{44E1D299-E83F-459A-94CC-665A45085287}"/>
+              </a:ext>
+            </a:extLst>
+          </p:cNvPr>
+          <p:cNvSpPr/>
+          <p:nvPr/>
+        </p:nvSpPr>
+        <p:spPr>
+          <a:xfrm>
+            <a:off x="3933091" y="3877407"/>
+            <a:ext cx="762002" cy="1954824"/>
+          </a:xfrm>
+          <a:prstGeom prst="ellipse">
+            <a:avLst/>
+          </a:prstGeom>
+        </p:spPr>
+        <p:style>
+          <a:lnRef idx="2">
+            <a:schemeClr val="accent1">
+              <a:shade val="50000"/>
+            </a:schemeClr>
+          </a:lnRef>
+          <a:fillRef idx="1">
+            <a:schemeClr val="accent1"/>
+          </a:fillRef>
+          <a:effectRef idx="0">
+            <a:schemeClr val="accent1"/>
+          </a:effectRef>
+          <a:fontRef idx="minor">
+            <a:schemeClr val="lt1"/>
+          </a:fontRef>
+        </p:style>
+        <p:txBody>
+          <a:bodyPr rtlCol="0" anchor="ctr"/>
+          <a:lstStyle/>
+          <a:p>
+            <a:pPr algn="ctr"/>
+            <a:endParaRPr lang="ko-KR" altLang="en-US"/>
+          </a:p>
+        </p:txBody>
+      </p:sp>
+      <p:sp>
+        <p:nvSpPr>
+          <p:cNvPr id="7" name="타원 6">
+            <a:extLst>
+              <a:ext uri="{FF2B5EF4-FFF2-40B4-BE49-F238E27FC236}">
+                <a16:creationId xmlns:a16="http://schemas.microsoft.com/office/drawing/2014/main" id="{37B313F7-1845-4B99-8D12-085C561344C9}"/>
+              </a:ext>
+            </a:extLst>
+          </p:cNvPr>
+          <p:cNvSpPr/>
+          <p:nvPr/>
+        </p:nvSpPr>
+        <p:spPr>
+          <a:xfrm>
+            <a:off x="7496909" y="369275"/>
+            <a:ext cx="762002" cy="1954824"/>
+          </a:xfrm>
+          <a:prstGeom prst="ellipse">
+            <a:avLst/>
+          </a:prstGeom>
+        </p:spPr>
+        <p:style>
+          <a:lnRef idx="2">
+            <a:schemeClr val="accent1">
+              <a:shade val="50000"/>
+            </a:schemeClr>
+          </a:lnRef>
+          <a:fillRef idx="1">
+            <a:schemeClr val="accent1"/>
+          </a:fillRef>
+          <a:effectRef idx="0">
+            <a:schemeClr val="accent1"/>
+          </a:effectRef>
+          <a:fontRef idx="minor">
+            <a:schemeClr val="lt1"/>
+          </a:fontRef>
+        </p:style>
+        <p:txBody>
+          <a:bodyPr rtlCol="0" anchor="ctr"/>
+          <a:lstStyle/>
+          <a:p>
+            <a:pPr algn="ctr"/>
+            <a:endParaRPr lang="ko-KR" altLang="en-US"/>
+          </a:p>
+        </p:txBody>
+      </p:sp>
+      <p:sp>
+        <p:nvSpPr>
+          <p:cNvPr id="8" name="타원 7">
+            <a:extLst>
+              <a:ext uri="{FF2B5EF4-FFF2-40B4-BE49-F238E27FC236}">
+                <a16:creationId xmlns:a16="http://schemas.microsoft.com/office/drawing/2014/main" id="{C58B377E-CB4E-46EC-8A26-91AA9AD46EAD}"/>
+              </a:ext>
+            </a:extLst>
+          </p:cNvPr>
+          <p:cNvSpPr/>
+          <p:nvPr/>
+        </p:nvSpPr>
+        <p:spPr>
+          <a:xfrm>
+            <a:off x="8543193" y="1220665"/>
+            <a:ext cx="762002" cy="1954824"/>
+          </a:xfrm>
+          <a:prstGeom prst="ellipse">
+            <a:avLst/>
+          </a:prstGeom>
+        </p:spPr>
+        <p:style>
+          <a:lnRef idx="2">
+            <a:schemeClr val="accent1">
+              <a:shade val="50000"/>
+            </a:schemeClr>
+          </a:lnRef>
+          <a:fillRef idx="1">
+            <a:schemeClr val="accent1"/>
+          </a:fillRef>
+          <a:effectRef idx="0">
+            <a:schemeClr val="accent1"/>
+          </a:effectRef>
+          <a:fontRef idx="minor">
+            <a:schemeClr val="lt1"/>
+          </a:fontRef>
+        </p:style>
+        <p:txBody>
+          <a:bodyPr rtlCol="0" anchor="ctr"/>
+          <a:lstStyle/>
+          <a:p>
+            <a:pPr algn="ctr"/>
+            <a:endParaRPr lang="ko-KR" altLang="en-US"/>
+          </a:p>
+        </p:txBody>
+      </p:sp>
+      <p:sp>
+        <p:nvSpPr>
+          <p:cNvPr id="9" name="타원 8">
+            <a:extLst>
+              <a:ext uri="{FF2B5EF4-FFF2-40B4-BE49-F238E27FC236}">
+                <a16:creationId xmlns:a16="http://schemas.microsoft.com/office/drawing/2014/main" id="{4EB11B82-325E-44B5-8CEC-1566F01CF5FB}"/>
+              </a:ext>
+            </a:extLst>
+          </p:cNvPr>
+          <p:cNvSpPr/>
+          <p:nvPr/>
+        </p:nvSpPr>
+        <p:spPr>
+          <a:xfrm>
+            <a:off x="9709639" y="2324099"/>
+            <a:ext cx="762002" cy="1954824"/>
+          </a:xfrm>
+          <a:prstGeom prst="ellipse">
+            <a:avLst/>
+          </a:prstGeom>
+        </p:spPr>
+        <p:style>
+          <a:lnRef idx="2">
+            <a:schemeClr val="accent1">
+              <a:shade val="50000"/>
+            </a:schemeClr>
+          </a:lnRef>
+          <a:fillRef idx="1">
+            <a:schemeClr val="accent1"/>
+          </a:fillRef>
+          <a:effectRef idx="0">
+            <a:schemeClr val="accent1"/>
+          </a:effectRef>
+          <a:fontRef idx="minor">
+            <a:schemeClr val="lt1"/>
+          </a:fontRef>
+        </p:style>
+        <p:txBody>
+          <a:bodyPr rtlCol="0" anchor="ctr"/>
+          <a:lstStyle/>
+          <a:p>
+            <a:pPr algn="ctr"/>
+            <a:endParaRPr lang="ko-KR" altLang="en-US"/>
+          </a:p>
+        </p:txBody>
+      </p:sp>
+      <p:sp>
+        <p:nvSpPr>
+          <p:cNvPr id="11" name="직사각형 10">
+            <a:extLst>
+              <a:ext uri="{FF2B5EF4-FFF2-40B4-BE49-F238E27FC236}">
+                <a16:creationId xmlns:a16="http://schemas.microsoft.com/office/drawing/2014/main" id="{1CAD44F0-958B-45F2-B102-86DA9164F2BB}"/>
+              </a:ext>
+            </a:extLst>
+          </p:cNvPr>
+          <p:cNvSpPr/>
+          <p:nvPr/>
+        </p:nvSpPr>
+        <p:spPr>
+          <a:xfrm>
+            <a:off x="8279427" y="5101365"/>
+            <a:ext cx="896808" cy="1485167"/>
+          </a:xfrm>
+          <a:prstGeom prst="rect">
+            <a:avLst/>
+          </a:prstGeom>
+        </p:spPr>
+        <p:style>
+          <a:lnRef idx="2">
+            <a:schemeClr val="accent1">
+              <a:shade val="50000"/>
+            </a:schemeClr>
+          </a:lnRef>
+          <a:fillRef idx="1">
+            <a:schemeClr val="accent1"/>
+          </a:fillRef>
+          <a:effectRef idx="0">
+            <a:schemeClr val="accent1"/>
+          </a:effectRef>
+          <a:fontRef idx="minor">
+            <a:schemeClr val="lt1"/>
+          </a:fontRef>
+        </p:style>
+        <p:txBody>
+          <a:bodyPr rtlCol="0" anchor="ctr"/>
+          <a:lstStyle/>
+          <a:p>
+            <a:pPr algn="ctr"/>
+            <a:endParaRPr lang="ko-KR" altLang="en-US"/>
+          </a:p>
+        </p:txBody>
+      </p:sp>
+      <p:sp>
+        <p:nvSpPr>
+          <p:cNvPr id="12" name="직사각형 11">
+            <a:extLst>
+              <a:ext uri="{FF2B5EF4-FFF2-40B4-BE49-F238E27FC236}">
+                <a16:creationId xmlns:a16="http://schemas.microsoft.com/office/drawing/2014/main" id="{70DE2D47-D765-4082-98AF-C23AF786030A}"/>
+              </a:ext>
+            </a:extLst>
+          </p:cNvPr>
+          <p:cNvSpPr/>
+          <p:nvPr/>
+        </p:nvSpPr>
+        <p:spPr>
+          <a:xfrm>
+            <a:off x="9305198" y="5101365"/>
+            <a:ext cx="896808" cy="1485167"/>
+          </a:xfrm>
+          <a:prstGeom prst="rect">
+            <a:avLst/>
+          </a:prstGeom>
+        </p:spPr>
+        <p:style>
+          <a:lnRef idx="2">
+            <a:schemeClr val="accent1">
+              <a:shade val="50000"/>
+            </a:schemeClr>
+          </a:lnRef>
+          <a:fillRef idx="1">
+            <a:schemeClr val="accent1"/>
+          </a:fillRef>
+          <a:effectRef idx="0">
+            <a:schemeClr val="accent1"/>
+          </a:effectRef>
+          <a:fontRef idx="minor">
+            <a:schemeClr val="lt1"/>
+          </a:fontRef>
+        </p:style>
+        <p:txBody>
+          <a:bodyPr rtlCol="0" anchor="ctr"/>
+          <a:lstStyle/>
+          <a:p>
+            <a:pPr algn="ctr"/>
+            <a:endParaRPr lang="ko-KR" altLang="en-US"/>
+          </a:p>
+        </p:txBody>
+      </p:sp>
+      <p:sp>
+        <p:nvSpPr>
+          <p:cNvPr id="13" name="직사각형 12">
+            <a:extLst>
+              <a:ext uri="{FF2B5EF4-FFF2-40B4-BE49-F238E27FC236}">
+                <a16:creationId xmlns:a16="http://schemas.microsoft.com/office/drawing/2014/main" id="{506D9F96-A24F-4D9A-B780-4C8C6D45AB65}"/>
+              </a:ext>
+            </a:extLst>
+          </p:cNvPr>
+          <p:cNvSpPr/>
+          <p:nvPr/>
+        </p:nvSpPr>
+        <p:spPr>
+          <a:xfrm>
+            <a:off x="7295419" y="5089645"/>
+            <a:ext cx="896808" cy="1485167"/>
+          </a:xfrm>
+          <a:prstGeom prst="rect">
+            <a:avLst/>
+          </a:prstGeom>
+        </p:spPr>
+        <p:style>
+          <a:lnRef idx="2">
+            <a:schemeClr val="accent1">
+              <a:shade val="50000"/>
+            </a:schemeClr>
+          </a:lnRef>
+          <a:fillRef idx="1">
+            <a:schemeClr val="accent1"/>
+          </a:fillRef>
+          <a:effectRef idx="0">
+            <a:schemeClr val="accent1"/>
+          </a:effectRef>
+          <a:fontRef idx="minor">
+            <a:schemeClr val="lt1"/>
+          </a:fontRef>
+        </p:style>
+        <p:txBody>
+          <a:bodyPr rtlCol="0" anchor="ctr"/>
+          <a:lstStyle/>
+          <a:p>
+            <a:pPr algn="ctr"/>
+            <a:endParaRPr lang="ko-KR" altLang="en-US"/>
+          </a:p>
+        </p:txBody>
+      </p:sp>
+      <p:sp>
+        <p:nvSpPr>
+          <p:cNvPr id="3" name="직사각형 2">
+            <a:extLst>
+              <a:ext uri="{FF2B5EF4-FFF2-40B4-BE49-F238E27FC236}">
+                <a16:creationId xmlns:a16="http://schemas.microsoft.com/office/drawing/2014/main" id="{22E46162-D6B8-4E59-87E8-CF5BF0AEF509}"/>
+              </a:ext>
+            </a:extLst>
+          </p:cNvPr>
+          <p:cNvSpPr/>
+          <p:nvPr/>
+        </p:nvSpPr>
+        <p:spPr>
+          <a:xfrm>
+            <a:off x="8077203" y="1032363"/>
+            <a:ext cx="1693981" cy="123092"/>
+          </a:xfrm>
+          <a:prstGeom prst="rect">
+            <a:avLst/>
+          </a:prstGeom>
+          <a:solidFill>
+            <a:schemeClr val="tx1"/>
+          </a:solidFill>
+        </p:spPr>
+        <p:style>
+          <a:lnRef idx="2">
+            <a:schemeClr val="accent1">
+              <a:shade val="50000"/>
+            </a:schemeClr>
+          </a:lnRef>
+          <a:fillRef idx="1">
+            <a:schemeClr val="accent1"/>
+          </a:fillRef>
+          <a:effectRef idx="0">
+            <a:schemeClr val="accent1"/>
+          </a:effectRef>
+          <a:fontRef idx="minor">
+            <a:schemeClr val="lt1"/>
+          </a:fontRef>
+        </p:style>
+        <p:txBody>
+          <a:bodyPr rtlCol="0" anchor="ctr"/>
+          <a:lstStyle/>
+          <a:p>
+            <a:pPr algn="ctr"/>
+            <a:endParaRPr lang="ko-KR" altLang="en-US"/>
+          </a:p>
+        </p:txBody>
+      </p:sp>
+      <p:sp>
+        <p:nvSpPr>
+          <p:cNvPr id="14" name="직사각형 13">
+            <a:extLst>
+              <a:ext uri="{FF2B5EF4-FFF2-40B4-BE49-F238E27FC236}">
+                <a16:creationId xmlns:a16="http://schemas.microsoft.com/office/drawing/2014/main" id="{0BBD4E2F-9836-4CDE-A615-71E8044581B7}"/>
+              </a:ext>
+            </a:extLst>
+          </p:cNvPr>
+          <p:cNvSpPr/>
+          <p:nvPr/>
+        </p:nvSpPr>
+        <p:spPr>
+          <a:xfrm>
+            <a:off x="8077203" y="1032363"/>
+            <a:ext cx="1693981" cy="123092"/>
+          </a:xfrm>
+          <a:prstGeom prst="rect">
+            <a:avLst/>
+          </a:prstGeom>
+          <a:solidFill>
+            <a:srgbClr val="FF0000"/>
+          </a:solidFill>
+        </p:spPr>
+        <p:style>
+          <a:lnRef idx="2">
+            <a:schemeClr val="accent1">
+              <a:shade val="50000"/>
+            </a:schemeClr>
+          </a:lnRef>
+          <a:fillRef idx="1">
+            <a:schemeClr val="accent1"/>
+          </a:fillRef>
+          <a:effectRef idx="0">
+            <a:schemeClr val="accent1"/>
+          </a:effectRef>
+          <a:fontRef idx="minor">
+            <a:schemeClr val="lt1"/>
+          </a:fontRef>
+        </p:style>
+        <p:txBody>
+          <a:bodyPr rtlCol="0" anchor="ctr"/>
+          <a:lstStyle/>
+          <a:p>
+            <a:pPr algn="ctr"/>
+            <a:endParaRPr lang="ko-KR" altLang="en-US"/>
+          </a:p>
+        </p:txBody>
+      </p:sp>
+      <p:sp>
+        <p:nvSpPr>
+          <p:cNvPr id="15" name="TextBox 14">
+            <a:extLst>
+              <a:ext uri="{FF2B5EF4-FFF2-40B4-BE49-F238E27FC236}">
+                <a16:creationId xmlns:a16="http://schemas.microsoft.com/office/drawing/2014/main" id="{96EC4698-C8F3-46BB-9361-8ECE6C4433BC}"/>
+              </a:ext>
+            </a:extLst>
+          </p:cNvPr>
+          <p:cNvSpPr txBox="1"/>
+          <p:nvPr/>
+        </p:nvSpPr>
+        <p:spPr>
+          <a:xfrm>
+            <a:off x="87923" y="219808"/>
+            <a:ext cx="3512500" cy="369332"/>
+          </a:xfrm>
+          <a:prstGeom prst="rect">
+            <a:avLst/>
+          </a:prstGeom>
+          <a:noFill/>
+        </p:spPr>
+        <p:txBody>
+          <a:bodyPr wrap="none" rtlCol="0">
+            <a:spAutoFit/>
+          </a:bodyPr>
+          <a:lstStyle/>
+          <a:p>
+            <a:r>
+              <a:rPr lang="en-US" altLang="ko-KR" dirty="0"/>
+              <a:t>{</a:t>
+            </a:r>
+            <a:r>
+              <a:rPr lang="en-US" altLang="ko-KR" dirty="0" err="1"/>
+              <a:t>oo</a:t>
+            </a:r>
+            <a:r>
+              <a:rPr lang="en-US" altLang="ko-KR" dirty="0"/>
+              <a:t>}</a:t>
+            </a:r>
+            <a:r>
+              <a:rPr lang="ko-KR" altLang="en-US" dirty="0"/>
+              <a:t>에게 </a:t>
+            </a:r>
+            <a:r>
+              <a:rPr lang="en-US" altLang="ko-KR" dirty="0"/>
+              <a:t>{</a:t>
+            </a:r>
+            <a:r>
+              <a:rPr lang="ko-KR" altLang="en-US" dirty="0"/>
+              <a:t>스킬</a:t>
+            </a:r>
+            <a:r>
+              <a:rPr lang="en-US" altLang="ko-KR" dirty="0"/>
+              <a:t>}</a:t>
+            </a:r>
+            <a:r>
+              <a:rPr lang="ko-KR" altLang="en-US" dirty="0"/>
+              <a:t>을 사용했습니다</a:t>
+            </a:r>
+            <a:r>
+              <a:rPr lang="en-US" altLang="ko-KR" dirty="0"/>
+              <a:t>!</a:t>
+            </a:r>
+            <a:endParaRPr lang="ko-KR" altLang="en-US" dirty="0"/>
+          </a:p>
+        </p:txBody>
+      </p:sp>
+      <p:sp>
+        <p:nvSpPr>
+          <p:cNvPr id="16" name="TextBox 15">
+            <a:extLst>
+              <a:ext uri="{FF2B5EF4-FFF2-40B4-BE49-F238E27FC236}">
+                <a16:creationId xmlns:a16="http://schemas.microsoft.com/office/drawing/2014/main" id="{F25F39D5-ED1B-4741-9B97-576DCFFE2010}"/>
+              </a:ext>
+            </a:extLst>
+          </p:cNvPr>
+          <p:cNvSpPr txBox="1"/>
+          <p:nvPr/>
+        </p:nvSpPr>
+        <p:spPr>
+          <a:xfrm>
+            <a:off x="87923" y="589140"/>
+            <a:ext cx="2534668" cy="369332"/>
+          </a:xfrm>
+          <a:prstGeom prst="rect">
+            <a:avLst/>
+          </a:prstGeom>
+          <a:noFill/>
+        </p:spPr>
+        <p:txBody>
+          <a:bodyPr wrap="none" rtlCol="0">
+            <a:spAutoFit/>
+          </a:bodyPr>
+          <a:lstStyle/>
+          <a:p>
+            <a:r>
+              <a:rPr lang="en-US" altLang="ko-KR" dirty="0"/>
+              <a:t>{</a:t>
+            </a:r>
+            <a:r>
+              <a:rPr lang="en-US" altLang="ko-KR" dirty="0" err="1"/>
+              <a:t>oo</a:t>
+            </a:r>
+            <a:r>
+              <a:rPr lang="en-US" altLang="ko-KR" dirty="0"/>
+              <a:t>}</a:t>
+            </a:r>
+            <a:r>
+              <a:rPr lang="ko-KR" altLang="en-US" dirty="0"/>
+              <a:t>에게 </a:t>
+            </a:r>
+            <a:r>
+              <a:rPr lang="en-US" altLang="ko-KR" dirty="0"/>
+              <a:t>{N}</a:t>
+            </a:r>
+            <a:r>
+              <a:rPr lang="ko-KR" altLang="en-US" dirty="0"/>
+              <a:t>의</a:t>
+            </a:r>
+            <a:r>
+              <a:rPr lang="en-US" altLang="ko-KR" dirty="0"/>
+              <a:t> </a:t>
+            </a:r>
+            <a:r>
+              <a:rPr lang="ko-KR" altLang="en-US" dirty="0"/>
+              <a:t>데미지</a:t>
+            </a:r>
+            <a:r>
+              <a:rPr lang="en-US" altLang="ko-KR" dirty="0"/>
+              <a:t>!</a:t>
+            </a:r>
+            <a:endParaRPr lang="ko-KR" altLang="en-US" dirty="0"/>
+          </a:p>
+        </p:txBody>
+      </p:sp>
+    </p:spTree>
+    <p:extLst>
+      <p:ext uri="{BB962C8B-B14F-4D97-AF65-F5344CB8AC3E}">
+        <p14:creationId xmlns:p14="http://schemas.microsoft.com/office/powerpoint/2010/main" val="1931202158"/>
+      </p:ext>
+    </p:extLst>
+  </p:cSld>
+  <p:clrMapOvr>
+    <a:masterClrMapping/>
+  </p:clrMapOvr>
+</p:sld>
+</file>
+
+<file path=ppt/slides/slide13.xml><?xml version="1.0" encoding="utf-8"?>
+<p:sld xmlns:a="http://schemas.openxmlformats.org/drawingml/2006/main" xmlns:r="http://schemas.openxmlformats.org/officeDocument/2006/relationships" xmlns:p="http://schemas.openxmlformats.org/presentationml/2006/main">
+  <p:cSld>
+    <p:spTree>
+      <p:nvGrpSpPr>
+        <p:cNvPr id="1" name=""/>
+        <p:cNvGrpSpPr/>
+        <p:nvPr/>
+      </p:nvGrpSpPr>
+      <p:grpSpPr>
+        <a:xfrm>
+          <a:off x="0" y="0"/>
+          <a:ext cx="0" cy="0"/>
+          <a:chOff x="0" y="0"/>
+          <a:chExt cx="0" cy="0"/>
+        </a:xfrm>
+      </p:grpSpPr>
+      <p:sp>
+        <p:nvSpPr>
+          <p:cNvPr id="4" name="타원 3">
+            <a:extLst>
+              <a:ext uri="{FF2B5EF4-FFF2-40B4-BE49-F238E27FC236}">
+                <a16:creationId xmlns:a16="http://schemas.microsoft.com/office/drawing/2014/main" id="{9F144EFD-8DE5-425A-A172-DF61CB5E10CD}"/>
+              </a:ext>
+            </a:extLst>
+          </p:cNvPr>
+          <p:cNvSpPr/>
+          <p:nvPr/>
+        </p:nvSpPr>
+        <p:spPr>
+          <a:xfrm>
+            <a:off x="1720361" y="1922583"/>
+            <a:ext cx="762002" cy="1954824"/>
+          </a:xfrm>
+          <a:prstGeom prst="ellipse">
+            <a:avLst/>
+          </a:prstGeom>
+        </p:spPr>
+        <p:style>
+          <a:lnRef idx="2">
+            <a:schemeClr val="accent1">
+              <a:shade val="50000"/>
+            </a:schemeClr>
+          </a:lnRef>
+          <a:fillRef idx="1">
+            <a:schemeClr val="accent1"/>
+          </a:fillRef>
+          <a:effectRef idx="0">
+            <a:schemeClr val="accent1"/>
+          </a:effectRef>
+          <a:fontRef idx="minor">
+            <a:schemeClr val="lt1"/>
+          </a:fontRef>
+        </p:style>
+        <p:txBody>
+          <a:bodyPr rtlCol="0" anchor="ctr"/>
+          <a:lstStyle/>
+          <a:p>
+            <a:pPr algn="ctr"/>
+            <a:endParaRPr lang="ko-KR" altLang="en-US"/>
+          </a:p>
+        </p:txBody>
+      </p:sp>
+      <p:sp>
+        <p:nvSpPr>
+          <p:cNvPr id="5" name="타원 4">
+            <a:extLst>
+              <a:ext uri="{FF2B5EF4-FFF2-40B4-BE49-F238E27FC236}">
+                <a16:creationId xmlns:a16="http://schemas.microsoft.com/office/drawing/2014/main" id="{B7BF02C6-D18D-411F-AFF0-B56B8413D29B}"/>
+              </a:ext>
+            </a:extLst>
+          </p:cNvPr>
+          <p:cNvSpPr/>
+          <p:nvPr/>
+        </p:nvSpPr>
+        <p:spPr>
+          <a:xfrm>
+            <a:off x="2766645" y="2773973"/>
+            <a:ext cx="762002" cy="1954824"/>
+          </a:xfrm>
+          <a:prstGeom prst="ellipse">
+            <a:avLst/>
+          </a:prstGeom>
+        </p:spPr>
+        <p:style>
+          <a:lnRef idx="2">
+            <a:schemeClr val="accent1">
+              <a:shade val="50000"/>
+            </a:schemeClr>
+          </a:lnRef>
+          <a:fillRef idx="1">
+            <a:schemeClr val="accent1"/>
+          </a:fillRef>
+          <a:effectRef idx="0">
+            <a:schemeClr val="accent1"/>
+          </a:effectRef>
+          <a:fontRef idx="minor">
+            <a:schemeClr val="lt1"/>
+          </a:fontRef>
+        </p:style>
+        <p:txBody>
+          <a:bodyPr rtlCol="0" anchor="ctr"/>
+          <a:lstStyle/>
+          <a:p>
+            <a:pPr algn="ctr"/>
+            <a:endParaRPr lang="ko-KR" altLang="en-US"/>
+          </a:p>
+        </p:txBody>
+      </p:sp>
+      <p:sp>
+        <p:nvSpPr>
+          <p:cNvPr id="6" name="타원 5">
+            <a:extLst>
+              <a:ext uri="{FF2B5EF4-FFF2-40B4-BE49-F238E27FC236}">
+                <a16:creationId xmlns:a16="http://schemas.microsoft.com/office/drawing/2014/main" id="{44E1D299-E83F-459A-94CC-665A45085287}"/>
+              </a:ext>
+            </a:extLst>
+          </p:cNvPr>
+          <p:cNvSpPr/>
+          <p:nvPr/>
+        </p:nvSpPr>
+        <p:spPr>
+          <a:xfrm>
+            <a:off x="3933091" y="3877407"/>
+            <a:ext cx="762002" cy="1954824"/>
+          </a:xfrm>
+          <a:prstGeom prst="ellipse">
+            <a:avLst/>
+          </a:prstGeom>
+        </p:spPr>
+        <p:style>
+          <a:lnRef idx="2">
+            <a:schemeClr val="accent1">
+              <a:shade val="50000"/>
+            </a:schemeClr>
+          </a:lnRef>
+          <a:fillRef idx="1">
+            <a:schemeClr val="accent1"/>
+          </a:fillRef>
+          <a:effectRef idx="0">
+            <a:schemeClr val="accent1"/>
+          </a:effectRef>
+          <a:fontRef idx="minor">
+            <a:schemeClr val="lt1"/>
+          </a:fontRef>
+        </p:style>
+        <p:txBody>
+          <a:bodyPr rtlCol="0" anchor="ctr"/>
+          <a:lstStyle/>
+          <a:p>
+            <a:pPr algn="ctr"/>
+            <a:endParaRPr lang="ko-KR" altLang="en-US"/>
+          </a:p>
+        </p:txBody>
+      </p:sp>
+      <p:sp>
+        <p:nvSpPr>
+          <p:cNvPr id="7" name="타원 6">
+            <a:extLst>
+              <a:ext uri="{FF2B5EF4-FFF2-40B4-BE49-F238E27FC236}">
+                <a16:creationId xmlns:a16="http://schemas.microsoft.com/office/drawing/2014/main" id="{37B313F7-1845-4B99-8D12-085C561344C9}"/>
+              </a:ext>
+            </a:extLst>
+          </p:cNvPr>
+          <p:cNvSpPr/>
+          <p:nvPr/>
+        </p:nvSpPr>
+        <p:spPr>
+          <a:xfrm>
+            <a:off x="7496909" y="369275"/>
+            <a:ext cx="762002" cy="1954824"/>
+          </a:xfrm>
+          <a:prstGeom prst="ellipse">
+            <a:avLst/>
+          </a:prstGeom>
+        </p:spPr>
+        <p:style>
+          <a:lnRef idx="2">
+            <a:schemeClr val="accent1">
+              <a:shade val="50000"/>
+            </a:schemeClr>
+          </a:lnRef>
+          <a:fillRef idx="1">
+            <a:schemeClr val="accent1"/>
+          </a:fillRef>
+          <a:effectRef idx="0">
+            <a:schemeClr val="accent1"/>
+          </a:effectRef>
+          <a:fontRef idx="minor">
+            <a:schemeClr val="lt1"/>
+          </a:fontRef>
+        </p:style>
+        <p:txBody>
+          <a:bodyPr rtlCol="0" anchor="ctr"/>
+          <a:lstStyle/>
+          <a:p>
+            <a:pPr algn="ctr"/>
+            <a:endParaRPr lang="ko-KR" altLang="en-US"/>
+          </a:p>
+        </p:txBody>
+      </p:sp>
+      <p:sp>
+        <p:nvSpPr>
+          <p:cNvPr id="8" name="타원 7">
+            <a:extLst>
+              <a:ext uri="{FF2B5EF4-FFF2-40B4-BE49-F238E27FC236}">
+                <a16:creationId xmlns:a16="http://schemas.microsoft.com/office/drawing/2014/main" id="{C58B377E-CB4E-46EC-8A26-91AA9AD46EAD}"/>
+              </a:ext>
+            </a:extLst>
+          </p:cNvPr>
+          <p:cNvSpPr/>
+          <p:nvPr/>
+        </p:nvSpPr>
+        <p:spPr>
+          <a:xfrm>
+            <a:off x="8543193" y="1220665"/>
+            <a:ext cx="762002" cy="1954824"/>
+          </a:xfrm>
+          <a:prstGeom prst="ellipse">
+            <a:avLst/>
+          </a:prstGeom>
+        </p:spPr>
+        <p:style>
+          <a:lnRef idx="2">
+            <a:schemeClr val="accent1">
+              <a:shade val="50000"/>
+            </a:schemeClr>
+          </a:lnRef>
+          <a:fillRef idx="1">
+            <a:schemeClr val="accent1"/>
+          </a:fillRef>
+          <a:effectRef idx="0">
+            <a:schemeClr val="accent1"/>
+          </a:effectRef>
+          <a:fontRef idx="minor">
+            <a:schemeClr val="lt1"/>
+          </a:fontRef>
+        </p:style>
+        <p:txBody>
+          <a:bodyPr rtlCol="0" anchor="ctr"/>
+          <a:lstStyle/>
+          <a:p>
+            <a:pPr algn="ctr"/>
+            <a:endParaRPr lang="ko-KR" altLang="en-US"/>
+          </a:p>
+        </p:txBody>
+      </p:sp>
+      <p:sp>
+        <p:nvSpPr>
+          <p:cNvPr id="9" name="타원 8">
+            <a:extLst>
+              <a:ext uri="{FF2B5EF4-FFF2-40B4-BE49-F238E27FC236}">
+                <a16:creationId xmlns:a16="http://schemas.microsoft.com/office/drawing/2014/main" id="{4EB11B82-325E-44B5-8CEC-1566F01CF5FB}"/>
+              </a:ext>
+            </a:extLst>
+          </p:cNvPr>
+          <p:cNvSpPr/>
+          <p:nvPr/>
+        </p:nvSpPr>
+        <p:spPr>
+          <a:xfrm>
+            <a:off x="9709639" y="2324099"/>
+            <a:ext cx="762002" cy="1954824"/>
+          </a:xfrm>
+          <a:prstGeom prst="ellipse">
+            <a:avLst/>
+          </a:prstGeom>
+        </p:spPr>
+        <p:style>
+          <a:lnRef idx="2">
+            <a:schemeClr val="accent1">
+              <a:shade val="50000"/>
+            </a:schemeClr>
+          </a:lnRef>
+          <a:fillRef idx="1">
+            <a:schemeClr val="accent1"/>
+          </a:fillRef>
+          <a:effectRef idx="0">
+            <a:schemeClr val="accent1"/>
+          </a:effectRef>
+          <a:fontRef idx="minor">
+            <a:schemeClr val="lt1"/>
+          </a:fontRef>
+        </p:style>
+        <p:txBody>
+          <a:bodyPr rtlCol="0" anchor="ctr"/>
+          <a:lstStyle/>
+          <a:p>
+            <a:pPr algn="ctr"/>
+            <a:endParaRPr lang="ko-KR" altLang="en-US"/>
+          </a:p>
+        </p:txBody>
+      </p:sp>
+      <p:sp>
+        <p:nvSpPr>
+          <p:cNvPr id="11" name="직사각형 10">
+            <a:extLst>
+              <a:ext uri="{FF2B5EF4-FFF2-40B4-BE49-F238E27FC236}">
+                <a16:creationId xmlns:a16="http://schemas.microsoft.com/office/drawing/2014/main" id="{1CAD44F0-958B-45F2-B102-86DA9164F2BB}"/>
+              </a:ext>
+            </a:extLst>
+          </p:cNvPr>
+          <p:cNvSpPr/>
+          <p:nvPr/>
+        </p:nvSpPr>
+        <p:spPr>
+          <a:xfrm>
+            <a:off x="8279427" y="5101365"/>
+            <a:ext cx="896808" cy="1485167"/>
+          </a:xfrm>
+          <a:prstGeom prst="rect">
+            <a:avLst/>
+          </a:prstGeom>
+        </p:spPr>
+        <p:style>
+          <a:lnRef idx="2">
+            <a:schemeClr val="accent1">
+              <a:shade val="50000"/>
+            </a:schemeClr>
+          </a:lnRef>
+          <a:fillRef idx="1">
+            <a:schemeClr val="accent1"/>
+          </a:fillRef>
+          <a:effectRef idx="0">
+            <a:schemeClr val="accent1"/>
+          </a:effectRef>
+          <a:fontRef idx="minor">
+            <a:schemeClr val="lt1"/>
+          </a:fontRef>
+        </p:style>
+        <p:txBody>
+          <a:bodyPr rtlCol="0" anchor="ctr"/>
+          <a:lstStyle/>
+          <a:p>
+            <a:pPr algn="ctr"/>
+            <a:endParaRPr lang="ko-KR" altLang="en-US"/>
+          </a:p>
+        </p:txBody>
+      </p:sp>
+      <p:sp>
+        <p:nvSpPr>
+          <p:cNvPr id="12" name="직사각형 11">
+            <a:extLst>
+              <a:ext uri="{FF2B5EF4-FFF2-40B4-BE49-F238E27FC236}">
+                <a16:creationId xmlns:a16="http://schemas.microsoft.com/office/drawing/2014/main" id="{70DE2D47-D765-4082-98AF-C23AF786030A}"/>
+              </a:ext>
+            </a:extLst>
+          </p:cNvPr>
+          <p:cNvSpPr/>
+          <p:nvPr/>
+        </p:nvSpPr>
+        <p:spPr>
+          <a:xfrm>
+            <a:off x="9305198" y="5101365"/>
+            <a:ext cx="896808" cy="1485167"/>
+          </a:xfrm>
+          <a:prstGeom prst="rect">
+            <a:avLst/>
+          </a:prstGeom>
+        </p:spPr>
+        <p:style>
+          <a:lnRef idx="2">
+            <a:schemeClr val="accent1">
+              <a:shade val="50000"/>
+            </a:schemeClr>
+          </a:lnRef>
+          <a:fillRef idx="1">
+            <a:schemeClr val="accent1"/>
+          </a:fillRef>
+          <a:effectRef idx="0">
+            <a:schemeClr val="accent1"/>
+          </a:effectRef>
+          <a:fontRef idx="minor">
+            <a:schemeClr val="lt1"/>
+          </a:fontRef>
+        </p:style>
+        <p:txBody>
+          <a:bodyPr rtlCol="0" anchor="ctr"/>
+          <a:lstStyle/>
+          <a:p>
+            <a:pPr algn="ctr"/>
+            <a:endParaRPr lang="ko-KR" altLang="en-US"/>
+          </a:p>
+        </p:txBody>
+      </p:sp>
+      <p:sp>
+        <p:nvSpPr>
+          <p:cNvPr id="13" name="직사각형 12">
+            <a:extLst>
+              <a:ext uri="{FF2B5EF4-FFF2-40B4-BE49-F238E27FC236}">
+                <a16:creationId xmlns:a16="http://schemas.microsoft.com/office/drawing/2014/main" id="{506D9F96-A24F-4D9A-B780-4C8C6D45AB65}"/>
+              </a:ext>
+            </a:extLst>
+          </p:cNvPr>
+          <p:cNvSpPr/>
+          <p:nvPr/>
+        </p:nvSpPr>
+        <p:spPr>
+          <a:xfrm>
+            <a:off x="7295419" y="5089645"/>
+            <a:ext cx="896808" cy="1485167"/>
+          </a:xfrm>
+          <a:prstGeom prst="rect">
+            <a:avLst/>
+          </a:prstGeom>
+        </p:spPr>
+        <p:style>
+          <a:lnRef idx="2">
+            <a:schemeClr val="accent1">
+              <a:shade val="50000"/>
+            </a:schemeClr>
+          </a:lnRef>
+          <a:fillRef idx="1">
+            <a:schemeClr val="accent1"/>
+          </a:fillRef>
+          <a:effectRef idx="0">
+            <a:schemeClr val="accent1"/>
+          </a:effectRef>
+          <a:fontRef idx="minor">
+            <a:schemeClr val="lt1"/>
+          </a:fontRef>
+        </p:style>
+        <p:txBody>
+          <a:bodyPr rtlCol="0" anchor="ctr"/>
+          <a:lstStyle/>
+          <a:p>
+            <a:pPr algn="ctr"/>
+            <a:endParaRPr lang="ko-KR" altLang="en-US"/>
+          </a:p>
+        </p:txBody>
+      </p:sp>
+      <p:sp>
+        <p:nvSpPr>
+          <p:cNvPr id="3" name="직사각형 2">
+            <a:extLst>
+              <a:ext uri="{FF2B5EF4-FFF2-40B4-BE49-F238E27FC236}">
+                <a16:creationId xmlns:a16="http://schemas.microsoft.com/office/drawing/2014/main" id="{22E46162-D6B8-4E59-87E8-CF5BF0AEF509}"/>
+              </a:ext>
+            </a:extLst>
+          </p:cNvPr>
+          <p:cNvSpPr/>
+          <p:nvPr/>
+        </p:nvSpPr>
+        <p:spPr>
+          <a:xfrm>
+            <a:off x="8077203" y="1032363"/>
+            <a:ext cx="1693981" cy="123092"/>
+          </a:xfrm>
+          <a:prstGeom prst="rect">
+            <a:avLst/>
+          </a:prstGeom>
+          <a:solidFill>
+            <a:schemeClr val="tx1"/>
+          </a:solidFill>
+        </p:spPr>
+        <p:style>
+          <a:lnRef idx="2">
+            <a:schemeClr val="accent1">
+              <a:shade val="50000"/>
+            </a:schemeClr>
+          </a:lnRef>
+          <a:fillRef idx="1">
+            <a:schemeClr val="accent1"/>
+          </a:fillRef>
+          <a:effectRef idx="0">
+            <a:schemeClr val="accent1"/>
+          </a:effectRef>
+          <a:fontRef idx="minor">
+            <a:schemeClr val="lt1"/>
+          </a:fontRef>
+        </p:style>
+        <p:txBody>
+          <a:bodyPr rtlCol="0" anchor="ctr"/>
+          <a:lstStyle/>
+          <a:p>
+            <a:pPr algn="ctr"/>
+            <a:endParaRPr lang="ko-KR" altLang="en-US"/>
+          </a:p>
+        </p:txBody>
+      </p:sp>
+      <p:sp>
+        <p:nvSpPr>
+          <p:cNvPr id="14" name="직사각형 13">
+            <a:extLst>
+              <a:ext uri="{FF2B5EF4-FFF2-40B4-BE49-F238E27FC236}">
+                <a16:creationId xmlns:a16="http://schemas.microsoft.com/office/drawing/2014/main" id="{0BBD4E2F-9836-4CDE-A615-71E8044581B7}"/>
+              </a:ext>
+            </a:extLst>
+          </p:cNvPr>
+          <p:cNvSpPr/>
+          <p:nvPr/>
+        </p:nvSpPr>
+        <p:spPr>
+          <a:xfrm>
+            <a:off x="8077204" y="1032363"/>
+            <a:ext cx="1227992" cy="123092"/>
+          </a:xfrm>
+          <a:prstGeom prst="rect">
+            <a:avLst/>
+          </a:prstGeom>
+          <a:solidFill>
+            <a:srgbClr val="FF0000"/>
+          </a:solidFill>
+        </p:spPr>
+        <p:style>
+          <a:lnRef idx="2">
+            <a:schemeClr val="accent1">
+              <a:shade val="50000"/>
+            </a:schemeClr>
+          </a:lnRef>
+          <a:fillRef idx="1">
+            <a:schemeClr val="accent1"/>
+          </a:fillRef>
+          <a:effectRef idx="0">
+            <a:schemeClr val="accent1"/>
+          </a:effectRef>
+          <a:fontRef idx="minor">
+            <a:schemeClr val="lt1"/>
+          </a:fontRef>
+        </p:style>
+        <p:txBody>
+          <a:bodyPr rtlCol="0" anchor="ctr"/>
+          <a:lstStyle/>
+          <a:p>
+            <a:pPr algn="ctr"/>
+            <a:endParaRPr lang="ko-KR" altLang="en-US"/>
+          </a:p>
+        </p:txBody>
+      </p:sp>
+      <p:sp>
+        <p:nvSpPr>
+          <p:cNvPr id="16" name="TextBox 15">
+            <a:extLst>
+              <a:ext uri="{FF2B5EF4-FFF2-40B4-BE49-F238E27FC236}">
+                <a16:creationId xmlns:a16="http://schemas.microsoft.com/office/drawing/2014/main" id="{80B3149C-D359-4334-87DA-D300DB1055E4}"/>
+              </a:ext>
+            </a:extLst>
+          </p:cNvPr>
+          <p:cNvSpPr txBox="1"/>
+          <p:nvPr/>
+        </p:nvSpPr>
+        <p:spPr>
+          <a:xfrm>
+            <a:off x="87923" y="131939"/>
+            <a:ext cx="2534668" cy="369332"/>
+          </a:xfrm>
+          <a:prstGeom prst="rect">
+            <a:avLst/>
+          </a:prstGeom>
+          <a:noFill/>
+        </p:spPr>
+        <p:txBody>
+          <a:bodyPr wrap="none" rtlCol="0">
+            <a:spAutoFit/>
+          </a:bodyPr>
+          <a:lstStyle/>
+          <a:p>
+            <a:r>
+              <a:rPr lang="en-US" altLang="ko-KR" dirty="0"/>
+              <a:t>{</a:t>
+            </a:r>
+            <a:r>
+              <a:rPr lang="en-US" altLang="ko-KR" dirty="0" err="1"/>
+              <a:t>oo</a:t>
+            </a:r>
+            <a:r>
+              <a:rPr lang="en-US" altLang="ko-KR" dirty="0"/>
+              <a:t>}</a:t>
+            </a:r>
+            <a:r>
+              <a:rPr lang="ko-KR" altLang="en-US" dirty="0"/>
+              <a:t>에게 </a:t>
+            </a:r>
+            <a:r>
+              <a:rPr lang="en-US" altLang="ko-KR" dirty="0"/>
+              <a:t>{N}</a:t>
+            </a:r>
+            <a:r>
+              <a:rPr lang="ko-KR" altLang="en-US" dirty="0"/>
+              <a:t>의</a:t>
+            </a:r>
+            <a:r>
+              <a:rPr lang="en-US" altLang="ko-KR" dirty="0"/>
+              <a:t> </a:t>
+            </a:r>
+            <a:r>
+              <a:rPr lang="ko-KR" altLang="en-US" dirty="0"/>
+              <a:t>데미지</a:t>
+            </a:r>
+            <a:r>
+              <a:rPr lang="en-US" altLang="ko-KR" dirty="0"/>
+              <a:t>!</a:t>
+            </a:r>
+            <a:endParaRPr lang="ko-KR" altLang="en-US" dirty="0"/>
+          </a:p>
+        </p:txBody>
+      </p:sp>
+    </p:spTree>
+    <p:extLst>
+      <p:ext uri="{BB962C8B-B14F-4D97-AF65-F5344CB8AC3E}">
+        <p14:creationId xmlns:p14="http://schemas.microsoft.com/office/powerpoint/2010/main" val="1753032752"/>
+      </p:ext>
+    </p:extLst>
+  </p:cSld>
+  <p:clrMapOvr>
+    <a:masterClrMapping/>
+  </p:clrMapOvr>
+</p:sld>
+</file>
+
+<file path=ppt/slides/slide14.xml><?xml version="1.0" encoding="utf-8"?>
+<p:sld xmlns:a="http://schemas.openxmlformats.org/drawingml/2006/main" xmlns:r="http://schemas.openxmlformats.org/officeDocument/2006/relationships" xmlns:p="http://schemas.openxmlformats.org/presentationml/2006/main">
+  <p:cSld>
+    <p:spTree>
+      <p:nvGrpSpPr>
+        <p:cNvPr id="1" name=""/>
+        <p:cNvGrpSpPr/>
+        <p:nvPr/>
+      </p:nvGrpSpPr>
+      <p:grpSpPr>
+        <a:xfrm>
+          <a:off x="0" y="0"/>
+          <a:ext cx="0" cy="0"/>
+          <a:chOff x="0" y="0"/>
+          <a:chExt cx="0" cy="0"/>
+        </a:xfrm>
+      </p:grpSpPr>
+      <p:sp>
+        <p:nvSpPr>
+          <p:cNvPr id="4" name="타원 3">
+            <a:extLst>
+              <a:ext uri="{FF2B5EF4-FFF2-40B4-BE49-F238E27FC236}">
+                <a16:creationId xmlns:a16="http://schemas.microsoft.com/office/drawing/2014/main" id="{9F144EFD-8DE5-425A-A172-DF61CB5E10CD}"/>
+              </a:ext>
+            </a:extLst>
+          </p:cNvPr>
+          <p:cNvSpPr/>
+          <p:nvPr/>
+        </p:nvSpPr>
+        <p:spPr>
+          <a:xfrm>
+            <a:off x="1720361" y="1922583"/>
+            <a:ext cx="762002" cy="1954824"/>
+          </a:xfrm>
+          <a:prstGeom prst="ellipse">
+            <a:avLst/>
+          </a:prstGeom>
+        </p:spPr>
+        <p:style>
+          <a:lnRef idx="2">
+            <a:schemeClr val="accent1">
+              <a:shade val="50000"/>
+            </a:schemeClr>
+          </a:lnRef>
+          <a:fillRef idx="1">
+            <a:schemeClr val="accent1"/>
+          </a:fillRef>
+          <a:effectRef idx="0">
+            <a:schemeClr val="accent1"/>
+          </a:effectRef>
+          <a:fontRef idx="minor">
+            <a:schemeClr val="lt1"/>
+          </a:fontRef>
+        </p:style>
+        <p:txBody>
+          <a:bodyPr rtlCol="0" anchor="ctr"/>
+          <a:lstStyle/>
+          <a:p>
+            <a:pPr algn="ctr"/>
+            <a:endParaRPr lang="ko-KR" altLang="en-US"/>
+          </a:p>
+        </p:txBody>
+      </p:sp>
+      <p:sp>
+        <p:nvSpPr>
+          <p:cNvPr id="5" name="타원 4">
+            <a:extLst>
+              <a:ext uri="{FF2B5EF4-FFF2-40B4-BE49-F238E27FC236}">
+                <a16:creationId xmlns:a16="http://schemas.microsoft.com/office/drawing/2014/main" id="{B7BF02C6-D18D-411F-AFF0-B56B8413D29B}"/>
+              </a:ext>
+            </a:extLst>
+          </p:cNvPr>
+          <p:cNvSpPr/>
+          <p:nvPr/>
+        </p:nvSpPr>
+        <p:spPr>
+          <a:xfrm>
+            <a:off x="2766645" y="2773973"/>
+            <a:ext cx="762002" cy="1954824"/>
+          </a:xfrm>
+          <a:prstGeom prst="ellipse">
+            <a:avLst/>
+          </a:prstGeom>
+        </p:spPr>
+        <p:style>
+          <a:lnRef idx="2">
+            <a:schemeClr val="accent1">
+              <a:shade val="50000"/>
+            </a:schemeClr>
+          </a:lnRef>
+          <a:fillRef idx="1">
+            <a:schemeClr val="accent1"/>
+          </a:fillRef>
+          <a:effectRef idx="0">
+            <a:schemeClr val="accent1"/>
+          </a:effectRef>
+          <a:fontRef idx="minor">
+            <a:schemeClr val="lt1"/>
+          </a:fontRef>
+        </p:style>
+        <p:txBody>
+          <a:bodyPr rtlCol="0" anchor="ctr"/>
+          <a:lstStyle/>
+          <a:p>
+            <a:pPr algn="ctr"/>
+            <a:endParaRPr lang="ko-KR" altLang="en-US"/>
+          </a:p>
+        </p:txBody>
+      </p:sp>
+      <p:sp>
+        <p:nvSpPr>
+          <p:cNvPr id="6" name="타원 5">
+            <a:extLst>
+              <a:ext uri="{FF2B5EF4-FFF2-40B4-BE49-F238E27FC236}">
+                <a16:creationId xmlns:a16="http://schemas.microsoft.com/office/drawing/2014/main" id="{44E1D299-E83F-459A-94CC-665A45085287}"/>
+              </a:ext>
+            </a:extLst>
+          </p:cNvPr>
+          <p:cNvSpPr/>
+          <p:nvPr/>
+        </p:nvSpPr>
+        <p:spPr>
+          <a:xfrm>
+            <a:off x="3933091" y="3877407"/>
+            <a:ext cx="762002" cy="1954824"/>
+          </a:xfrm>
+          <a:prstGeom prst="ellipse">
+            <a:avLst/>
+          </a:prstGeom>
+        </p:spPr>
+        <p:style>
+          <a:lnRef idx="2">
+            <a:schemeClr val="accent1">
+              <a:shade val="50000"/>
+            </a:schemeClr>
+          </a:lnRef>
+          <a:fillRef idx="1">
+            <a:schemeClr val="accent1"/>
+          </a:fillRef>
+          <a:effectRef idx="0">
+            <a:schemeClr val="accent1"/>
+          </a:effectRef>
+          <a:fontRef idx="minor">
+            <a:schemeClr val="lt1"/>
+          </a:fontRef>
+        </p:style>
+        <p:txBody>
+          <a:bodyPr rtlCol="0" anchor="ctr"/>
+          <a:lstStyle/>
+          <a:p>
+            <a:pPr algn="ctr"/>
+            <a:endParaRPr lang="ko-KR" altLang="en-US"/>
+          </a:p>
+        </p:txBody>
+      </p:sp>
+      <p:sp>
+        <p:nvSpPr>
+          <p:cNvPr id="7" name="타원 6">
+            <a:extLst>
+              <a:ext uri="{FF2B5EF4-FFF2-40B4-BE49-F238E27FC236}">
+                <a16:creationId xmlns:a16="http://schemas.microsoft.com/office/drawing/2014/main" id="{37B313F7-1845-4B99-8D12-085C561344C9}"/>
+              </a:ext>
+            </a:extLst>
+          </p:cNvPr>
+          <p:cNvSpPr/>
+          <p:nvPr/>
+        </p:nvSpPr>
+        <p:spPr>
+          <a:xfrm>
+            <a:off x="7496909" y="369275"/>
+            <a:ext cx="762002" cy="1954824"/>
+          </a:xfrm>
+          <a:prstGeom prst="ellipse">
+            <a:avLst/>
+          </a:prstGeom>
+        </p:spPr>
+        <p:style>
+          <a:lnRef idx="2">
+            <a:schemeClr val="accent1">
+              <a:shade val="50000"/>
+            </a:schemeClr>
+          </a:lnRef>
+          <a:fillRef idx="1">
+            <a:schemeClr val="accent1"/>
+          </a:fillRef>
+          <a:effectRef idx="0">
+            <a:schemeClr val="accent1"/>
+          </a:effectRef>
+          <a:fontRef idx="minor">
+            <a:schemeClr val="lt1"/>
+          </a:fontRef>
+        </p:style>
+        <p:txBody>
+          <a:bodyPr rtlCol="0" anchor="ctr"/>
+          <a:lstStyle/>
+          <a:p>
+            <a:pPr algn="ctr"/>
+            <a:endParaRPr lang="ko-KR" altLang="en-US"/>
+          </a:p>
+        </p:txBody>
+      </p:sp>
+      <p:sp>
+        <p:nvSpPr>
+          <p:cNvPr id="8" name="타원 7">
+            <a:extLst>
+              <a:ext uri="{FF2B5EF4-FFF2-40B4-BE49-F238E27FC236}">
+                <a16:creationId xmlns:a16="http://schemas.microsoft.com/office/drawing/2014/main" id="{C58B377E-CB4E-46EC-8A26-91AA9AD46EAD}"/>
+              </a:ext>
+            </a:extLst>
+          </p:cNvPr>
+          <p:cNvSpPr/>
+          <p:nvPr/>
+        </p:nvSpPr>
+        <p:spPr>
+          <a:xfrm>
+            <a:off x="8543193" y="1220665"/>
+            <a:ext cx="762002" cy="1954824"/>
+          </a:xfrm>
+          <a:prstGeom prst="ellipse">
+            <a:avLst/>
+          </a:prstGeom>
+        </p:spPr>
+        <p:style>
+          <a:lnRef idx="2">
+            <a:schemeClr val="accent1">
+              <a:shade val="50000"/>
+            </a:schemeClr>
+          </a:lnRef>
+          <a:fillRef idx="1">
+            <a:schemeClr val="accent1"/>
+          </a:fillRef>
+          <a:effectRef idx="0">
+            <a:schemeClr val="accent1"/>
+          </a:effectRef>
+          <a:fontRef idx="minor">
+            <a:schemeClr val="lt1"/>
+          </a:fontRef>
+        </p:style>
+        <p:txBody>
+          <a:bodyPr rtlCol="0" anchor="ctr"/>
+          <a:lstStyle/>
+          <a:p>
+            <a:pPr algn="ctr"/>
+            <a:endParaRPr lang="ko-KR" altLang="en-US"/>
+          </a:p>
+        </p:txBody>
+      </p:sp>
+      <p:sp>
+        <p:nvSpPr>
+          <p:cNvPr id="9" name="타원 8">
+            <a:extLst>
+              <a:ext uri="{FF2B5EF4-FFF2-40B4-BE49-F238E27FC236}">
+                <a16:creationId xmlns:a16="http://schemas.microsoft.com/office/drawing/2014/main" id="{4EB11B82-325E-44B5-8CEC-1566F01CF5FB}"/>
+              </a:ext>
+            </a:extLst>
+          </p:cNvPr>
+          <p:cNvSpPr/>
+          <p:nvPr/>
+        </p:nvSpPr>
+        <p:spPr>
+          <a:xfrm>
+            <a:off x="9709639" y="2324099"/>
+            <a:ext cx="762002" cy="1954824"/>
+          </a:xfrm>
+          <a:prstGeom prst="ellipse">
+            <a:avLst/>
+          </a:prstGeom>
+        </p:spPr>
+        <p:style>
+          <a:lnRef idx="2">
+            <a:schemeClr val="accent1">
+              <a:shade val="50000"/>
+            </a:schemeClr>
+          </a:lnRef>
+          <a:fillRef idx="1">
+            <a:schemeClr val="accent1"/>
+          </a:fillRef>
+          <a:effectRef idx="0">
+            <a:schemeClr val="accent1"/>
+          </a:effectRef>
+          <a:fontRef idx="minor">
+            <a:schemeClr val="lt1"/>
+          </a:fontRef>
+        </p:style>
+        <p:txBody>
+          <a:bodyPr rtlCol="0" anchor="ctr"/>
+          <a:lstStyle/>
+          <a:p>
+            <a:pPr algn="ctr"/>
+            <a:endParaRPr lang="ko-KR" altLang="en-US"/>
+          </a:p>
+        </p:txBody>
+      </p:sp>
+      <p:sp>
+        <p:nvSpPr>
+          <p:cNvPr id="11" name="직사각형 10">
+            <a:extLst>
+              <a:ext uri="{FF2B5EF4-FFF2-40B4-BE49-F238E27FC236}">
+                <a16:creationId xmlns:a16="http://schemas.microsoft.com/office/drawing/2014/main" id="{1CAD44F0-958B-45F2-B102-86DA9164F2BB}"/>
+              </a:ext>
+            </a:extLst>
+          </p:cNvPr>
+          <p:cNvSpPr/>
+          <p:nvPr/>
+        </p:nvSpPr>
+        <p:spPr>
+          <a:xfrm>
+            <a:off x="8279427" y="5101365"/>
+            <a:ext cx="896808" cy="1485167"/>
+          </a:xfrm>
+          <a:prstGeom prst="rect">
+            <a:avLst/>
+          </a:prstGeom>
+        </p:spPr>
+        <p:style>
+          <a:lnRef idx="2">
+            <a:schemeClr val="accent1">
+              <a:shade val="50000"/>
+            </a:schemeClr>
+          </a:lnRef>
+          <a:fillRef idx="1">
+            <a:schemeClr val="accent1"/>
+          </a:fillRef>
+          <a:effectRef idx="0">
+            <a:schemeClr val="accent1"/>
+          </a:effectRef>
+          <a:fontRef idx="minor">
+            <a:schemeClr val="lt1"/>
+          </a:fontRef>
+        </p:style>
+        <p:txBody>
+          <a:bodyPr rtlCol="0" anchor="ctr"/>
+          <a:lstStyle/>
+          <a:p>
+            <a:pPr algn="ctr"/>
+            <a:endParaRPr lang="ko-KR" altLang="en-US"/>
+          </a:p>
+        </p:txBody>
+      </p:sp>
+      <p:sp>
+        <p:nvSpPr>
+          <p:cNvPr id="12" name="직사각형 11">
+            <a:extLst>
+              <a:ext uri="{FF2B5EF4-FFF2-40B4-BE49-F238E27FC236}">
+                <a16:creationId xmlns:a16="http://schemas.microsoft.com/office/drawing/2014/main" id="{70DE2D47-D765-4082-98AF-C23AF786030A}"/>
+              </a:ext>
+            </a:extLst>
+          </p:cNvPr>
+          <p:cNvSpPr/>
+          <p:nvPr/>
+        </p:nvSpPr>
+        <p:spPr>
+          <a:xfrm>
+            <a:off x="9305198" y="5101365"/>
+            <a:ext cx="896808" cy="1485167"/>
+          </a:xfrm>
+          <a:prstGeom prst="rect">
+            <a:avLst/>
+          </a:prstGeom>
+        </p:spPr>
+        <p:style>
+          <a:lnRef idx="2">
+            <a:schemeClr val="accent1">
+              <a:shade val="50000"/>
+            </a:schemeClr>
+          </a:lnRef>
+          <a:fillRef idx="1">
+            <a:schemeClr val="accent1"/>
+          </a:fillRef>
+          <a:effectRef idx="0">
+            <a:schemeClr val="accent1"/>
+          </a:effectRef>
+          <a:fontRef idx="minor">
+            <a:schemeClr val="lt1"/>
+          </a:fontRef>
+        </p:style>
+        <p:txBody>
+          <a:bodyPr rtlCol="0" anchor="ctr"/>
+          <a:lstStyle/>
+          <a:p>
+            <a:pPr algn="ctr"/>
+            <a:endParaRPr lang="ko-KR" altLang="en-US"/>
+          </a:p>
+        </p:txBody>
+      </p:sp>
+      <p:sp>
+        <p:nvSpPr>
+          <p:cNvPr id="13" name="직사각형 12">
+            <a:extLst>
+              <a:ext uri="{FF2B5EF4-FFF2-40B4-BE49-F238E27FC236}">
+                <a16:creationId xmlns:a16="http://schemas.microsoft.com/office/drawing/2014/main" id="{506D9F96-A24F-4D9A-B780-4C8C6D45AB65}"/>
+              </a:ext>
+            </a:extLst>
+          </p:cNvPr>
+          <p:cNvSpPr/>
+          <p:nvPr/>
+        </p:nvSpPr>
+        <p:spPr>
+          <a:xfrm>
+            <a:off x="7295419" y="5089645"/>
+            <a:ext cx="896808" cy="1485167"/>
+          </a:xfrm>
+          <a:prstGeom prst="rect">
+            <a:avLst/>
+          </a:prstGeom>
+        </p:spPr>
+        <p:style>
+          <a:lnRef idx="2">
+            <a:schemeClr val="accent1">
+              <a:shade val="50000"/>
+            </a:schemeClr>
+          </a:lnRef>
+          <a:fillRef idx="1">
+            <a:schemeClr val="accent1"/>
+          </a:fillRef>
+          <a:effectRef idx="0">
+            <a:schemeClr val="accent1"/>
+          </a:effectRef>
+          <a:fontRef idx="minor">
+            <a:schemeClr val="lt1"/>
+          </a:fontRef>
+        </p:style>
+        <p:txBody>
+          <a:bodyPr rtlCol="0" anchor="ctr"/>
+          <a:lstStyle/>
+          <a:p>
+            <a:pPr algn="ctr"/>
+            <a:endParaRPr lang="ko-KR" altLang="en-US"/>
+          </a:p>
+        </p:txBody>
+      </p:sp>
+      <p:sp>
+        <p:nvSpPr>
+          <p:cNvPr id="3" name="직사각형 2">
+            <a:extLst>
+              <a:ext uri="{FF2B5EF4-FFF2-40B4-BE49-F238E27FC236}">
+                <a16:creationId xmlns:a16="http://schemas.microsoft.com/office/drawing/2014/main" id="{22E46162-D6B8-4E59-87E8-CF5BF0AEF509}"/>
+              </a:ext>
+            </a:extLst>
+          </p:cNvPr>
+          <p:cNvSpPr/>
+          <p:nvPr/>
+        </p:nvSpPr>
+        <p:spPr>
+          <a:xfrm>
+            <a:off x="8077203" y="1032363"/>
+            <a:ext cx="1693981" cy="123092"/>
+          </a:xfrm>
+          <a:prstGeom prst="rect">
+            <a:avLst/>
+          </a:prstGeom>
+          <a:solidFill>
+            <a:schemeClr val="tx1"/>
+          </a:solidFill>
+        </p:spPr>
+        <p:style>
+          <a:lnRef idx="2">
+            <a:schemeClr val="accent1">
+              <a:shade val="50000"/>
+            </a:schemeClr>
+          </a:lnRef>
+          <a:fillRef idx="1">
+            <a:schemeClr val="accent1"/>
+          </a:fillRef>
+          <a:effectRef idx="0">
+            <a:schemeClr val="accent1"/>
+          </a:effectRef>
+          <a:fontRef idx="minor">
+            <a:schemeClr val="lt1"/>
+          </a:fontRef>
+        </p:style>
+        <p:txBody>
+          <a:bodyPr rtlCol="0" anchor="ctr"/>
+          <a:lstStyle/>
+          <a:p>
+            <a:pPr algn="ctr"/>
+            <a:endParaRPr lang="ko-KR" altLang="en-US"/>
+          </a:p>
+        </p:txBody>
+      </p:sp>
+      <p:sp>
+        <p:nvSpPr>
+          <p:cNvPr id="14" name="직사각형 13">
+            <a:extLst>
+              <a:ext uri="{FF2B5EF4-FFF2-40B4-BE49-F238E27FC236}">
+                <a16:creationId xmlns:a16="http://schemas.microsoft.com/office/drawing/2014/main" id="{0BBD4E2F-9836-4CDE-A615-71E8044581B7}"/>
+              </a:ext>
+            </a:extLst>
+          </p:cNvPr>
+          <p:cNvSpPr/>
+          <p:nvPr/>
+        </p:nvSpPr>
+        <p:spPr>
+          <a:xfrm>
+            <a:off x="8077204" y="1032363"/>
+            <a:ext cx="1227992" cy="123092"/>
+          </a:xfrm>
+          <a:prstGeom prst="rect">
+            <a:avLst/>
+          </a:prstGeom>
+          <a:solidFill>
+            <a:srgbClr val="FF0000"/>
+          </a:solidFill>
+        </p:spPr>
+        <p:style>
+          <a:lnRef idx="2">
+            <a:schemeClr val="accent1">
+              <a:shade val="50000"/>
+            </a:schemeClr>
+          </a:lnRef>
+          <a:fillRef idx="1">
+            <a:schemeClr val="accent1"/>
+          </a:fillRef>
+          <a:effectRef idx="0">
+            <a:schemeClr val="accent1"/>
+          </a:effectRef>
+          <a:fontRef idx="minor">
+            <a:schemeClr val="lt1"/>
+          </a:fontRef>
+        </p:style>
+        <p:txBody>
+          <a:bodyPr rtlCol="0" anchor="ctr"/>
+          <a:lstStyle/>
+          <a:p>
+            <a:pPr algn="ctr"/>
+            <a:endParaRPr lang="ko-KR" altLang="en-US"/>
+          </a:p>
+        </p:txBody>
+      </p:sp>
+      <p:sp>
+        <p:nvSpPr>
+          <p:cNvPr id="16" name="TextBox 15">
+            <a:extLst>
+              <a:ext uri="{FF2B5EF4-FFF2-40B4-BE49-F238E27FC236}">
+                <a16:creationId xmlns:a16="http://schemas.microsoft.com/office/drawing/2014/main" id="{80B3149C-D359-4334-87DA-D300DB1055E4}"/>
+              </a:ext>
+            </a:extLst>
+          </p:cNvPr>
+          <p:cNvSpPr txBox="1"/>
+          <p:nvPr/>
+        </p:nvSpPr>
+        <p:spPr>
+          <a:xfrm>
+            <a:off x="87923" y="131939"/>
+            <a:ext cx="2534668" cy="369332"/>
+          </a:xfrm>
+          <a:prstGeom prst="rect">
+            <a:avLst/>
+          </a:prstGeom>
+          <a:noFill/>
+        </p:spPr>
+        <p:txBody>
+          <a:bodyPr wrap="none" rtlCol="0">
+            <a:spAutoFit/>
+          </a:bodyPr>
+          <a:lstStyle/>
+          <a:p>
+            <a:r>
+              <a:rPr lang="en-US" altLang="ko-KR" dirty="0"/>
+              <a:t>{</a:t>
+            </a:r>
+            <a:r>
+              <a:rPr lang="en-US" altLang="ko-KR" dirty="0" err="1"/>
+              <a:t>oo</a:t>
+            </a:r>
+            <a:r>
+              <a:rPr lang="en-US" altLang="ko-KR" dirty="0"/>
+              <a:t>}</a:t>
+            </a:r>
+            <a:r>
+              <a:rPr lang="ko-KR" altLang="en-US" dirty="0"/>
+              <a:t>에게 </a:t>
+            </a:r>
+            <a:r>
+              <a:rPr lang="en-US" altLang="ko-KR" dirty="0"/>
+              <a:t>{N}</a:t>
+            </a:r>
+            <a:r>
+              <a:rPr lang="ko-KR" altLang="en-US" dirty="0"/>
+              <a:t>의</a:t>
+            </a:r>
+            <a:r>
+              <a:rPr lang="en-US" altLang="ko-KR" dirty="0"/>
+              <a:t> </a:t>
+            </a:r>
+            <a:r>
+              <a:rPr lang="ko-KR" altLang="en-US" dirty="0"/>
+              <a:t>데미지</a:t>
+            </a:r>
+            <a:r>
+              <a:rPr lang="en-US" altLang="ko-KR" dirty="0"/>
+              <a:t>!</a:t>
+            </a:r>
+            <a:endParaRPr lang="ko-KR" altLang="en-US" dirty="0"/>
+          </a:p>
+        </p:txBody>
+      </p:sp>
+      <p:sp>
+        <p:nvSpPr>
+          <p:cNvPr id="17" name="TextBox 16">
+            <a:extLst>
+              <a:ext uri="{FF2B5EF4-FFF2-40B4-BE49-F238E27FC236}">
+                <a16:creationId xmlns:a16="http://schemas.microsoft.com/office/drawing/2014/main" id="{F396A1C8-1D96-4BD9-BBD1-CD870342443E}"/>
+              </a:ext>
+            </a:extLst>
+          </p:cNvPr>
+          <p:cNvSpPr txBox="1"/>
+          <p:nvPr/>
+        </p:nvSpPr>
+        <p:spPr>
+          <a:xfrm>
+            <a:off x="87923" y="501271"/>
+            <a:ext cx="2164375" cy="369332"/>
+          </a:xfrm>
+          <a:prstGeom prst="rect">
+            <a:avLst/>
+          </a:prstGeom>
+          <a:noFill/>
+        </p:spPr>
+        <p:txBody>
+          <a:bodyPr wrap="none" rtlCol="0">
+            <a:spAutoFit/>
+          </a:bodyPr>
+          <a:lstStyle/>
+          <a:p>
+            <a:r>
+              <a:rPr lang="ko-KR" altLang="en-US" dirty="0"/>
+              <a:t>차례가 종료됩니다</a:t>
+            </a:r>
+            <a:r>
+              <a:rPr lang="en-US" altLang="ko-KR" dirty="0"/>
+              <a:t>.</a:t>
+            </a:r>
+            <a:endParaRPr lang="ko-KR" altLang="en-US" dirty="0"/>
+          </a:p>
+        </p:txBody>
+      </p:sp>
+    </p:spTree>
+    <p:extLst>
+      <p:ext uri="{BB962C8B-B14F-4D97-AF65-F5344CB8AC3E}">
+        <p14:creationId xmlns:p14="http://schemas.microsoft.com/office/powerpoint/2010/main" val="946200185"/>
       </p:ext>
     </p:extLst>
   </p:cSld>
@@ -8330,6 +11427,989 @@
 </p:sld>
 </file>
 
+<file path=ppt/slides/slide8.xml><?xml version="1.0" encoding="utf-8"?>
+<p:sld xmlns:a="http://schemas.openxmlformats.org/drawingml/2006/main" xmlns:r="http://schemas.openxmlformats.org/officeDocument/2006/relationships" xmlns:p="http://schemas.openxmlformats.org/presentationml/2006/main">
+  <p:cSld>
+    <p:spTree>
+      <p:nvGrpSpPr>
+        <p:cNvPr id="1" name=""/>
+        <p:cNvGrpSpPr/>
+        <p:nvPr/>
+      </p:nvGrpSpPr>
+      <p:grpSpPr>
+        <a:xfrm>
+          <a:off x="0" y="0"/>
+          <a:ext cx="0" cy="0"/>
+          <a:chOff x="0" y="0"/>
+          <a:chExt cx="0" cy="0"/>
+        </a:xfrm>
+      </p:grpSpPr>
+      <p:sp>
+        <p:nvSpPr>
+          <p:cNvPr id="4" name="타원 3">
+            <a:extLst>
+              <a:ext uri="{FF2B5EF4-FFF2-40B4-BE49-F238E27FC236}">
+                <a16:creationId xmlns:a16="http://schemas.microsoft.com/office/drawing/2014/main" id="{9F144EFD-8DE5-425A-A172-DF61CB5E10CD}"/>
+              </a:ext>
+            </a:extLst>
+          </p:cNvPr>
+          <p:cNvSpPr/>
+          <p:nvPr/>
+        </p:nvSpPr>
+        <p:spPr>
+          <a:xfrm>
+            <a:off x="1720361" y="1922583"/>
+            <a:ext cx="762002" cy="1954824"/>
+          </a:xfrm>
+          <a:prstGeom prst="ellipse">
+            <a:avLst/>
+          </a:prstGeom>
+        </p:spPr>
+        <p:style>
+          <a:lnRef idx="2">
+            <a:schemeClr val="accent1">
+              <a:shade val="50000"/>
+            </a:schemeClr>
+          </a:lnRef>
+          <a:fillRef idx="1">
+            <a:schemeClr val="accent1"/>
+          </a:fillRef>
+          <a:effectRef idx="0">
+            <a:schemeClr val="accent1"/>
+          </a:effectRef>
+          <a:fontRef idx="minor">
+            <a:schemeClr val="lt1"/>
+          </a:fontRef>
+        </p:style>
+        <p:txBody>
+          <a:bodyPr rtlCol="0" anchor="ctr"/>
+          <a:lstStyle/>
+          <a:p>
+            <a:pPr algn="ctr"/>
+            <a:endParaRPr lang="ko-KR" altLang="en-US"/>
+          </a:p>
+        </p:txBody>
+      </p:sp>
+      <p:sp>
+        <p:nvSpPr>
+          <p:cNvPr id="5" name="타원 4">
+            <a:extLst>
+              <a:ext uri="{FF2B5EF4-FFF2-40B4-BE49-F238E27FC236}">
+                <a16:creationId xmlns:a16="http://schemas.microsoft.com/office/drawing/2014/main" id="{B7BF02C6-D18D-411F-AFF0-B56B8413D29B}"/>
+              </a:ext>
+            </a:extLst>
+          </p:cNvPr>
+          <p:cNvSpPr/>
+          <p:nvPr/>
+        </p:nvSpPr>
+        <p:spPr>
+          <a:xfrm>
+            <a:off x="2766645" y="2773973"/>
+            <a:ext cx="762002" cy="1954824"/>
+          </a:xfrm>
+          <a:prstGeom prst="ellipse">
+            <a:avLst/>
+          </a:prstGeom>
+        </p:spPr>
+        <p:style>
+          <a:lnRef idx="2">
+            <a:schemeClr val="accent1">
+              <a:shade val="50000"/>
+            </a:schemeClr>
+          </a:lnRef>
+          <a:fillRef idx="1">
+            <a:schemeClr val="accent1"/>
+          </a:fillRef>
+          <a:effectRef idx="0">
+            <a:schemeClr val="accent1"/>
+          </a:effectRef>
+          <a:fontRef idx="minor">
+            <a:schemeClr val="lt1"/>
+          </a:fontRef>
+        </p:style>
+        <p:txBody>
+          <a:bodyPr rtlCol="0" anchor="ctr"/>
+          <a:lstStyle/>
+          <a:p>
+            <a:pPr algn="ctr"/>
+            <a:endParaRPr lang="ko-KR" altLang="en-US"/>
+          </a:p>
+        </p:txBody>
+      </p:sp>
+      <p:sp>
+        <p:nvSpPr>
+          <p:cNvPr id="6" name="타원 5">
+            <a:extLst>
+              <a:ext uri="{FF2B5EF4-FFF2-40B4-BE49-F238E27FC236}">
+                <a16:creationId xmlns:a16="http://schemas.microsoft.com/office/drawing/2014/main" id="{44E1D299-E83F-459A-94CC-665A45085287}"/>
+              </a:ext>
+            </a:extLst>
+          </p:cNvPr>
+          <p:cNvSpPr/>
+          <p:nvPr/>
+        </p:nvSpPr>
+        <p:spPr>
+          <a:xfrm>
+            <a:off x="3933091" y="3877407"/>
+            <a:ext cx="762002" cy="1954824"/>
+          </a:xfrm>
+          <a:prstGeom prst="ellipse">
+            <a:avLst/>
+          </a:prstGeom>
+        </p:spPr>
+        <p:style>
+          <a:lnRef idx="2">
+            <a:schemeClr val="accent1">
+              <a:shade val="50000"/>
+            </a:schemeClr>
+          </a:lnRef>
+          <a:fillRef idx="1">
+            <a:schemeClr val="accent1"/>
+          </a:fillRef>
+          <a:effectRef idx="0">
+            <a:schemeClr val="accent1"/>
+          </a:effectRef>
+          <a:fontRef idx="minor">
+            <a:schemeClr val="lt1"/>
+          </a:fontRef>
+        </p:style>
+        <p:txBody>
+          <a:bodyPr rtlCol="0" anchor="ctr"/>
+          <a:lstStyle/>
+          <a:p>
+            <a:pPr algn="ctr"/>
+            <a:endParaRPr lang="ko-KR" altLang="en-US"/>
+          </a:p>
+        </p:txBody>
+      </p:sp>
+      <p:sp>
+        <p:nvSpPr>
+          <p:cNvPr id="7" name="타원 6">
+            <a:extLst>
+              <a:ext uri="{FF2B5EF4-FFF2-40B4-BE49-F238E27FC236}">
+                <a16:creationId xmlns:a16="http://schemas.microsoft.com/office/drawing/2014/main" id="{37B313F7-1845-4B99-8D12-085C561344C9}"/>
+              </a:ext>
+            </a:extLst>
+          </p:cNvPr>
+          <p:cNvSpPr/>
+          <p:nvPr/>
+        </p:nvSpPr>
+        <p:spPr>
+          <a:xfrm>
+            <a:off x="7496909" y="369275"/>
+            <a:ext cx="762002" cy="1954824"/>
+          </a:xfrm>
+          <a:prstGeom prst="ellipse">
+            <a:avLst/>
+          </a:prstGeom>
+        </p:spPr>
+        <p:style>
+          <a:lnRef idx="2">
+            <a:schemeClr val="accent1">
+              <a:shade val="50000"/>
+            </a:schemeClr>
+          </a:lnRef>
+          <a:fillRef idx="1">
+            <a:schemeClr val="accent1"/>
+          </a:fillRef>
+          <a:effectRef idx="0">
+            <a:schemeClr val="accent1"/>
+          </a:effectRef>
+          <a:fontRef idx="minor">
+            <a:schemeClr val="lt1"/>
+          </a:fontRef>
+        </p:style>
+        <p:txBody>
+          <a:bodyPr rtlCol="0" anchor="ctr"/>
+          <a:lstStyle/>
+          <a:p>
+            <a:pPr algn="ctr"/>
+            <a:endParaRPr lang="ko-KR" altLang="en-US"/>
+          </a:p>
+        </p:txBody>
+      </p:sp>
+      <p:sp>
+        <p:nvSpPr>
+          <p:cNvPr id="8" name="타원 7">
+            <a:extLst>
+              <a:ext uri="{FF2B5EF4-FFF2-40B4-BE49-F238E27FC236}">
+                <a16:creationId xmlns:a16="http://schemas.microsoft.com/office/drawing/2014/main" id="{C58B377E-CB4E-46EC-8A26-91AA9AD46EAD}"/>
+              </a:ext>
+            </a:extLst>
+          </p:cNvPr>
+          <p:cNvSpPr/>
+          <p:nvPr/>
+        </p:nvSpPr>
+        <p:spPr>
+          <a:xfrm>
+            <a:off x="8543193" y="1220665"/>
+            <a:ext cx="762002" cy="1954824"/>
+          </a:xfrm>
+          <a:prstGeom prst="ellipse">
+            <a:avLst/>
+          </a:prstGeom>
+        </p:spPr>
+        <p:style>
+          <a:lnRef idx="2">
+            <a:schemeClr val="accent1">
+              <a:shade val="50000"/>
+            </a:schemeClr>
+          </a:lnRef>
+          <a:fillRef idx="1">
+            <a:schemeClr val="accent1"/>
+          </a:fillRef>
+          <a:effectRef idx="0">
+            <a:schemeClr val="accent1"/>
+          </a:effectRef>
+          <a:fontRef idx="minor">
+            <a:schemeClr val="lt1"/>
+          </a:fontRef>
+        </p:style>
+        <p:txBody>
+          <a:bodyPr rtlCol="0" anchor="ctr"/>
+          <a:lstStyle/>
+          <a:p>
+            <a:pPr algn="ctr"/>
+            <a:endParaRPr lang="ko-KR" altLang="en-US"/>
+          </a:p>
+        </p:txBody>
+      </p:sp>
+      <p:sp>
+        <p:nvSpPr>
+          <p:cNvPr id="9" name="타원 8">
+            <a:extLst>
+              <a:ext uri="{FF2B5EF4-FFF2-40B4-BE49-F238E27FC236}">
+                <a16:creationId xmlns:a16="http://schemas.microsoft.com/office/drawing/2014/main" id="{4EB11B82-325E-44B5-8CEC-1566F01CF5FB}"/>
+              </a:ext>
+            </a:extLst>
+          </p:cNvPr>
+          <p:cNvSpPr/>
+          <p:nvPr/>
+        </p:nvSpPr>
+        <p:spPr>
+          <a:xfrm>
+            <a:off x="9709639" y="2324099"/>
+            <a:ext cx="762002" cy="1954824"/>
+          </a:xfrm>
+          <a:prstGeom prst="ellipse">
+            <a:avLst/>
+          </a:prstGeom>
+        </p:spPr>
+        <p:style>
+          <a:lnRef idx="2">
+            <a:schemeClr val="accent1">
+              <a:shade val="50000"/>
+            </a:schemeClr>
+          </a:lnRef>
+          <a:fillRef idx="1">
+            <a:schemeClr val="accent1"/>
+          </a:fillRef>
+          <a:effectRef idx="0">
+            <a:schemeClr val="accent1"/>
+          </a:effectRef>
+          <a:fontRef idx="minor">
+            <a:schemeClr val="lt1"/>
+          </a:fontRef>
+        </p:style>
+        <p:txBody>
+          <a:bodyPr rtlCol="0" anchor="ctr"/>
+          <a:lstStyle/>
+          <a:p>
+            <a:pPr algn="ctr"/>
+            <a:endParaRPr lang="ko-KR" altLang="en-US"/>
+          </a:p>
+        </p:txBody>
+      </p:sp>
+      <p:sp>
+        <p:nvSpPr>
+          <p:cNvPr id="10" name="직사각형 9">
+            <a:extLst>
+              <a:ext uri="{FF2B5EF4-FFF2-40B4-BE49-F238E27FC236}">
+                <a16:creationId xmlns:a16="http://schemas.microsoft.com/office/drawing/2014/main" id="{51DEC49A-4B6D-4E6D-BD62-69DEA7D0229C}"/>
+              </a:ext>
+            </a:extLst>
+          </p:cNvPr>
+          <p:cNvSpPr/>
+          <p:nvPr/>
+        </p:nvSpPr>
+        <p:spPr>
+          <a:xfrm>
+            <a:off x="8321923" y="5089645"/>
+            <a:ext cx="896808" cy="1485167"/>
+          </a:xfrm>
+          <a:prstGeom prst="rect">
+            <a:avLst/>
+          </a:prstGeom>
+        </p:spPr>
+        <p:style>
+          <a:lnRef idx="2">
+            <a:schemeClr val="accent1">
+              <a:shade val="50000"/>
+            </a:schemeClr>
+          </a:lnRef>
+          <a:fillRef idx="1">
+            <a:schemeClr val="accent1"/>
+          </a:fillRef>
+          <a:effectRef idx="0">
+            <a:schemeClr val="accent1"/>
+          </a:effectRef>
+          <a:fontRef idx="minor">
+            <a:schemeClr val="lt1"/>
+          </a:fontRef>
+        </p:style>
+        <p:txBody>
+          <a:bodyPr rtlCol="0" anchor="ctr"/>
+          <a:lstStyle/>
+          <a:p>
+            <a:pPr algn="ctr"/>
+            <a:endParaRPr lang="ko-KR" altLang="en-US"/>
+          </a:p>
+        </p:txBody>
+      </p:sp>
+      <p:sp>
+        <p:nvSpPr>
+          <p:cNvPr id="11" name="직사각형 10">
+            <a:extLst>
+              <a:ext uri="{FF2B5EF4-FFF2-40B4-BE49-F238E27FC236}">
+                <a16:creationId xmlns:a16="http://schemas.microsoft.com/office/drawing/2014/main" id="{1CAD44F0-958B-45F2-B102-86DA9164F2BB}"/>
+              </a:ext>
+            </a:extLst>
+          </p:cNvPr>
+          <p:cNvSpPr/>
+          <p:nvPr/>
+        </p:nvSpPr>
+        <p:spPr>
+          <a:xfrm>
+            <a:off x="9348427" y="5089645"/>
+            <a:ext cx="896808" cy="1485167"/>
+          </a:xfrm>
+          <a:prstGeom prst="rect">
+            <a:avLst/>
+          </a:prstGeom>
+        </p:spPr>
+        <p:style>
+          <a:lnRef idx="2">
+            <a:schemeClr val="accent1">
+              <a:shade val="50000"/>
+            </a:schemeClr>
+          </a:lnRef>
+          <a:fillRef idx="1">
+            <a:schemeClr val="accent1"/>
+          </a:fillRef>
+          <a:effectRef idx="0">
+            <a:schemeClr val="accent1"/>
+          </a:effectRef>
+          <a:fontRef idx="minor">
+            <a:schemeClr val="lt1"/>
+          </a:fontRef>
+        </p:style>
+        <p:txBody>
+          <a:bodyPr rtlCol="0" anchor="ctr"/>
+          <a:lstStyle/>
+          <a:p>
+            <a:pPr algn="ctr"/>
+            <a:endParaRPr lang="ko-KR" altLang="en-US"/>
+          </a:p>
+        </p:txBody>
+      </p:sp>
+      <p:sp>
+        <p:nvSpPr>
+          <p:cNvPr id="12" name="직사각형 11">
+            <a:extLst>
+              <a:ext uri="{FF2B5EF4-FFF2-40B4-BE49-F238E27FC236}">
+                <a16:creationId xmlns:a16="http://schemas.microsoft.com/office/drawing/2014/main" id="{70DE2D47-D765-4082-98AF-C23AF786030A}"/>
+              </a:ext>
+            </a:extLst>
+          </p:cNvPr>
+          <p:cNvSpPr/>
+          <p:nvPr/>
+        </p:nvSpPr>
+        <p:spPr>
+          <a:xfrm>
+            <a:off x="10374931" y="5089647"/>
+            <a:ext cx="896808" cy="1485167"/>
+          </a:xfrm>
+          <a:prstGeom prst="rect">
+            <a:avLst/>
+          </a:prstGeom>
+        </p:spPr>
+        <p:style>
+          <a:lnRef idx="2">
+            <a:schemeClr val="accent1">
+              <a:shade val="50000"/>
+            </a:schemeClr>
+          </a:lnRef>
+          <a:fillRef idx="1">
+            <a:schemeClr val="accent1"/>
+          </a:fillRef>
+          <a:effectRef idx="0">
+            <a:schemeClr val="accent1"/>
+          </a:effectRef>
+          <a:fontRef idx="minor">
+            <a:schemeClr val="lt1"/>
+          </a:fontRef>
+        </p:style>
+        <p:txBody>
+          <a:bodyPr rtlCol="0" anchor="ctr"/>
+          <a:lstStyle/>
+          <a:p>
+            <a:pPr algn="ctr"/>
+            <a:endParaRPr lang="ko-KR" altLang="en-US"/>
+          </a:p>
+        </p:txBody>
+      </p:sp>
+      <p:sp>
+        <p:nvSpPr>
+          <p:cNvPr id="13" name="직사각형 12">
+            <a:extLst>
+              <a:ext uri="{FF2B5EF4-FFF2-40B4-BE49-F238E27FC236}">
+                <a16:creationId xmlns:a16="http://schemas.microsoft.com/office/drawing/2014/main" id="{506D9F96-A24F-4D9A-B780-4C8C6D45AB65}"/>
+              </a:ext>
+            </a:extLst>
+          </p:cNvPr>
+          <p:cNvSpPr/>
+          <p:nvPr/>
+        </p:nvSpPr>
+        <p:spPr>
+          <a:xfrm>
+            <a:off x="7295419" y="5089645"/>
+            <a:ext cx="896808" cy="1485167"/>
+          </a:xfrm>
+          <a:prstGeom prst="rect">
+            <a:avLst/>
+          </a:prstGeom>
+        </p:spPr>
+        <p:style>
+          <a:lnRef idx="2">
+            <a:schemeClr val="accent1">
+              <a:shade val="50000"/>
+            </a:schemeClr>
+          </a:lnRef>
+          <a:fillRef idx="1">
+            <a:schemeClr val="accent1"/>
+          </a:fillRef>
+          <a:effectRef idx="0">
+            <a:schemeClr val="accent1"/>
+          </a:effectRef>
+          <a:fontRef idx="minor">
+            <a:schemeClr val="lt1"/>
+          </a:fontRef>
+        </p:style>
+        <p:txBody>
+          <a:bodyPr rtlCol="0" anchor="ctr"/>
+          <a:lstStyle/>
+          <a:p>
+            <a:pPr algn="ctr"/>
+            <a:endParaRPr lang="ko-KR" altLang="en-US"/>
+          </a:p>
+        </p:txBody>
+      </p:sp>
+    </p:spTree>
+    <p:extLst>
+      <p:ext uri="{BB962C8B-B14F-4D97-AF65-F5344CB8AC3E}">
+        <p14:creationId xmlns:p14="http://schemas.microsoft.com/office/powerpoint/2010/main" val="1534424731"/>
+      </p:ext>
+    </p:extLst>
+  </p:cSld>
+  <p:clrMapOvr>
+    <a:masterClrMapping/>
+  </p:clrMapOvr>
+</p:sld>
+</file>
+
+<file path=ppt/slides/slide9.xml><?xml version="1.0" encoding="utf-8"?>
+<p:sld xmlns:a="http://schemas.openxmlformats.org/drawingml/2006/main" xmlns:r="http://schemas.openxmlformats.org/officeDocument/2006/relationships" xmlns:p="http://schemas.openxmlformats.org/presentationml/2006/main">
+  <p:cSld>
+    <p:spTree>
+      <p:nvGrpSpPr>
+        <p:cNvPr id="1" name=""/>
+        <p:cNvGrpSpPr/>
+        <p:nvPr/>
+      </p:nvGrpSpPr>
+      <p:grpSpPr>
+        <a:xfrm>
+          <a:off x="0" y="0"/>
+          <a:ext cx="0" cy="0"/>
+          <a:chOff x="0" y="0"/>
+          <a:chExt cx="0" cy="0"/>
+        </a:xfrm>
+      </p:grpSpPr>
+      <p:sp>
+        <p:nvSpPr>
+          <p:cNvPr id="4" name="타원 3">
+            <a:extLst>
+              <a:ext uri="{FF2B5EF4-FFF2-40B4-BE49-F238E27FC236}">
+                <a16:creationId xmlns:a16="http://schemas.microsoft.com/office/drawing/2014/main" id="{9F144EFD-8DE5-425A-A172-DF61CB5E10CD}"/>
+              </a:ext>
+            </a:extLst>
+          </p:cNvPr>
+          <p:cNvSpPr/>
+          <p:nvPr/>
+        </p:nvSpPr>
+        <p:spPr>
+          <a:xfrm>
+            <a:off x="1720361" y="1922583"/>
+            <a:ext cx="762002" cy="1954824"/>
+          </a:xfrm>
+          <a:prstGeom prst="ellipse">
+            <a:avLst/>
+          </a:prstGeom>
+        </p:spPr>
+        <p:style>
+          <a:lnRef idx="2">
+            <a:schemeClr val="accent1">
+              <a:shade val="50000"/>
+            </a:schemeClr>
+          </a:lnRef>
+          <a:fillRef idx="1">
+            <a:schemeClr val="accent1"/>
+          </a:fillRef>
+          <a:effectRef idx="0">
+            <a:schemeClr val="accent1"/>
+          </a:effectRef>
+          <a:fontRef idx="minor">
+            <a:schemeClr val="lt1"/>
+          </a:fontRef>
+        </p:style>
+        <p:txBody>
+          <a:bodyPr rtlCol="0" anchor="ctr"/>
+          <a:lstStyle/>
+          <a:p>
+            <a:pPr algn="ctr"/>
+            <a:endParaRPr lang="ko-KR" altLang="en-US"/>
+          </a:p>
+        </p:txBody>
+      </p:sp>
+      <p:sp>
+        <p:nvSpPr>
+          <p:cNvPr id="5" name="타원 4">
+            <a:extLst>
+              <a:ext uri="{FF2B5EF4-FFF2-40B4-BE49-F238E27FC236}">
+                <a16:creationId xmlns:a16="http://schemas.microsoft.com/office/drawing/2014/main" id="{B7BF02C6-D18D-411F-AFF0-B56B8413D29B}"/>
+              </a:ext>
+            </a:extLst>
+          </p:cNvPr>
+          <p:cNvSpPr/>
+          <p:nvPr/>
+        </p:nvSpPr>
+        <p:spPr>
+          <a:xfrm>
+            <a:off x="2766645" y="2773973"/>
+            <a:ext cx="762002" cy="1954824"/>
+          </a:xfrm>
+          <a:prstGeom prst="ellipse">
+            <a:avLst/>
+          </a:prstGeom>
+        </p:spPr>
+        <p:style>
+          <a:lnRef idx="2">
+            <a:schemeClr val="accent1">
+              <a:shade val="50000"/>
+            </a:schemeClr>
+          </a:lnRef>
+          <a:fillRef idx="1">
+            <a:schemeClr val="accent1"/>
+          </a:fillRef>
+          <a:effectRef idx="0">
+            <a:schemeClr val="accent1"/>
+          </a:effectRef>
+          <a:fontRef idx="minor">
+            <a:schemeClr val="lt1"/>
+          </a:fontRef>
+        </p:style>
+        <p:txBody>
+          <a:bodyPr rtlCol="0" anchor="ctr"/>
+          <a:lstStyle/>
+          <a:p>
+            <a:pPr algn="ctr"/>
+            <a:endParaRPr lang="ko-KR" altLang="en-US"/>
+          </a:p>
+        </p:txBody>
+      </p:sp>
+      <p:sp>
+        <p:nvSpPr>
+          <p:cNvPr id="6" name="타원 5">
+            <a:extLst>
+              <a:ext uri="{FF2B5EF4-FFF2-40B4-BE49-F238E27FC236}">
+                <a16:creationId xmlns:a16="http://schemas.microsoft.com/office/drawing/2014/main" id="{44E1D299-E83F-459A-94CC-665A45085287}"/>
+              </a:ext>
+            </a:extLst>
+          </p:cNvPr>
+          <p:cNvSpPr/>
+          <p:nvPr/>
+        </p:nvSpPr>
+        <p:spPr>
+          <a:xfrm>
+            <a:off x="3933091" y="3877407"/>
+            <a:ext cx="762002" cy="1954824"/>
+          </a:xfrm>
+          <a:prstGeom prst="ellipse">
+            <a:avLst/>
+          </a:prstGeom>
+        </p:spPr>
+        <p:style>
+          <a:lnRef idx="2">
+            <a:schemeClr val="accent1">
+              <a:shade val="50000"/>
+            </a:schemeClr>
+          </a:lnRef>
+          <a:fillRef idx="1">
+            <a:schemeClr val="accent1"/>
+          </a:fillRef>
+          <a:effectRef idx="0">
+            <a:schemeClr val="accent1"/>
+          </a:effectRef>
+          <a:fontRef idx="minor">
+            <a:schemeClr val="lt1"/>
+          </a:fontRef>
+        </p:style>
+        <p:txBody>
+          <a:bodyPr rtlCol="0" anchor="ctr"/>
+          <a:lstStyle/>
+          <a:p>
+            <a:pPr algn="ctr"/>
+            <a:endParaRPr lang="ko-KR" altLang="en-US"/>
+          </a:p>
+        </p:txBody>
+      </p:sp>
+      <p:sp>
+        <p:nvSpPr>
+          <p:cNvPr id="7" name="타원 6">
+            <a:extLst>
+              <a:ext uri="{FF2B5EF4-FFF2-40B4-BE49-F238E27FC236}">
+                <a16:creationId xmlns:a16="http://schemas.microsoft.com/office/drawing/2014/main" id="{37B313F7-1845-4B99-8D12-085C561344C9}"/>
+              </a:ext>
+            </a:extLst>
+          </p:cNvPr>
+          <p:cNvSpPr/>
+          <p:nvPr/>
+        </p:nvSpPr>
+        <p:spPr>
+          <a:xfrm>
+            <a:off x="7496909" y="369275"/>
+            <a:ext cx="762002" cy="1954824"/>
+          </a:xfrm>
+          <a:prstGeom prst="ellipse">
+            <a:avLst/>
+          </a:prstGeom>
+        </p:spPr>
+        <p:style>
+          <a:lnRef idx="2">
+            <a:schemeClr val="accent1">
+              <a:shade val="50000"/>
+            </a:schemeClr>
+          </a:lnRef>
+          <a:fillRef idx="1">
+            <a:schemeClr val="accent1"/>
+          </a:fillRef>
+          <a:effectRef idx="0">
+            <a:schemeClr val="accent1"/>
+          </a:effectRef>
+          <a:fontRef idx="minor">
+            <a:schemeClr val="lt1"/>
+          </a:fontRef>
+        </p:style>
+        <p:txBody>
+          <a:bodyPr rtlCol="0" anchor="ctr"/>
+          <a:lstStyle/>
+          <a:p>
+            <a:pPr algn="ctr"/>
+            <a:endParaRPr lang="ko-KR" altLang="en-US"/>
+          </a:p>
+        </p:txBody>
+      </p:sp>
+      <p:sp>
+        <p:nvSpPr>
+          <p:cNvPr id="8" name="타원 7">
+            <a:extLst>
+              <a:ext uri="{FF2B5EF4-FFF2-40B4-BE49-F238E27FC236}">
+                <a16:creationId xmlns:a16="http://schemas.microsoft.com/office/drawing/2014/main" id="{C58B377E-CB4E-46EC-8A26-91AA9AD46EAD}"/>
+              </a:ext>
+            </a:extLst>
+          </p:cNvPr>
+          <p:cNvSpPr/>
+          <p:nvPr/>
+        </p:nvSpPr>
+        <p:spPr>
+          <a:xfrm>
+            <a:off x="8543193" y="1220665"/>
+            <a:ext cx="762002" cy="1954824"/>
+          </a:xfrm>
+          <a:prstGeom prst="ellipse">
+            <a:avLst/>
+          </a:prstGeom>
+        </p:spPr>
+        <p:style>
+          <a:lnRef idx="2">
+            <a:schemeClr val="accent1">
+              <a:shade val="50000"/>
+            </a:schemeClr>
+          </a:lnRef>
+          <a:fillRef idx="1">
+            <a:schemeClr val="accent1"/>
+          </a:fillRef>
+          <a:effectRef idx="0">
+            <a:schemeClr val="accent1"/>
+          </a:effectRef>
+          <a:fontRef idx="minor">
+            <a:schemeClr val="lt1"/>
+          </a:fontRef>
+        </p:style>
+        <p:txBody>
+          <a:bodyPr rtlCol="0" anchor="ctr"/>
+          <a:lstStyle/>
+          <a:p>
+            <a:pPr algn="ctr"/>
+            <a:endParaRPr lang="ko-KR" altLang="en-US"/>
+          </a:p>
+        </p:txBody>
+      </p:sp>
+      <p:sp>
+        <p:nvSpPr>
+          <p:cNvPr id="9" name="타원 8">
+            <a:extLst>
+              <a:ext uri="{FF2B5EF4-FFF2-40B4-BE49-F238E27FC236}">
+                <a16:creationId xmlns:a16="http://schemas.microsoft.com/office/drawing/2014/main" id="{4EB11B82-325E-44B5-8CEC-1566F01CF5FB}"/>
+              </a:ext>
+            </a:extLst>
+          </p:cNvPr>
+          <p:cNvSpPr/>
+          <p:nvPr/>
+        </p:nvSpPr>
+        <p:spPr>
+          <a:xfrm>
+            <a:off x="9709639" y="2324099"/>
+            <a:ext cx="762002" cy="1954824"/>
+          </a:xfrm>
+          <a:prstGeom prst="ellipse">
+            <a:avLst/>
+          </a:prstGeom>
+        </p:spPr>
+        <p:style>
+          <a:lnRef idx="2">
+            <a:schemeClr val="accent1">
+              <a:shade val="50000"/>
+            </a:schemeClr>
+          </a:lnRef>
+          <a:fillRef idx="1">
+            <a:schemeClr val="accent1"/>
+          </a:fillRef>
+          <a:effectRef idx="0">
+            <a:schemeClr val="accent1"/>
+          </a:effectRef>
+          <a:fontRef idx="minor">
+            <a:schemeClr val="lt1"/>
+          </a:fontRef>
+        </p:style>
+        <p:txBody>
+          <a:bodyPr rtlCol="0" anchor="ctr"/>
+          <a:lstStyle/>
+          <a:p>
+            <a:pPr algn="ctr"/>
+            <a:endParaRPr lang="ko-KR" altLang="en-US"/>
+          </a:p>
+        </p:txBody>
+      </p:sp>
+      <p:sp>
+        <p:nvSpPr>
+          <p:cNvPr id="10" name="직사각형 9">
+            <a:extLst>
+              <a:ext uri="{FF2B5EF4-FFF2-40B4-BE49-F238E27FC236}">
+                <a16:creationId xmlns:a16="http://schemas.microsoft.com/office/drawing/2014/main" id="{51DEC49A-4B6D-4E6D-BD62-69DEA7D0229C}"/>
+              </a:ext>
+            </a:extLst>
+          </p:cNvPr>
+          <p:cNvSpPr/>
+          <p:nvPr/>
+        </p:nvSpPr>
+        <p:spPr>
+          <a:xfrm>
+            <a:off x="8321923" y="5089645"/>
+            <a:ext cx="896808" cy="1485167"/>
+          </a:xfrm>
+          <a:prstGeom prst="rect">
+            <a:avLst/>
+          </a:prstGeom>
+          <a:solidFill>
+            <a:schemeClr val="accent2"/>
+          </a:solidFill>
+        </p:spPr>
+        <p:style>
+          <a:lnRef idx="2">
+            <a:schemeClr val="accent1">
+              <a:shade val="50000"/>
+            </a:schemeClr>
+          </a:lnRef>
+          <a:fillRef idx="1">
+            <a:schemeClr val="accent1"/>
+          </a:fillRef>
+          <a:effectRef idx="0">
+            <a:schemeClr val="accent1"/>
+          </a:effectRef>
+          <a:fontRef idx="minor">
+            <a:schemeClr val="lt1"/>
+          </a:fontRef>
+        </p:style>
+        <p:txBody>
+          <a:bodyPr rtlCol="0" anchor="ctr"/>
+          <a:lstStyle/>
+          <a:p>
+            <a:pPr algn="ctr"/>
+            <a:endParaRPr lang="ko-KR" altLang="en-US"/>
+          </a:p>
+        </p:txBody>
+      </p:sp>
+      <p:sp>
+        <p:nvSpPr>
+          <p:cNvPr id="11" name="직사각형 10">
+            <a:extLst>
+              <a:ext uri="{FF2B5EF4-FFF2-40B4-BE49-F238E27FC236}">
+                <a16:creationId xmlns:a16="http://schemas.microsoft.com/office/drawing/2014/main" id="{1CAD44F0-958B-45F2-B102-86DA9164F2BB}"/>
+              </a:ext>
+            </a:extLst>
+          </p:cNvPr>
+          <p:cNvSpPr/>
+          <p:nvPr/>
+        </p:nvSpPr>
+        <p:spPr>
+          <a:xfrm>
+            <a:off x="9348427" y="5089645"/>
+            <a:ext cx="896808" cy="1485167"/>
+          </a:xfrm>
+          <a:prstGeom prst="rect">
+            <a:avLst/>
+          </a:prstGeom>
+        </p:spPr>
+        <p:style>
+          <a:lnRef idx="2">
+            <a:schemeClr val="accent1">
+              <a:shade val="50000"/>
+            </a:schemeClr>
+          </a:lnRef>
+          <a:fillRef idx="1">
+            <a:schemeClr val="accent1"/>
+          </a:fillRef>
+          <a:effectRef idx="0">
+            <a:schemeClr val="accent1"/>
+          </a:effectRef>
+          <a:fontRef idx="minor">
+            <a:schemeClr val="lt1"/>
+          </a:fontRef>
+        </p:style>
+        <p:txBody>
+          <a:bodyPr rtlCol="0" anchor="ctr"/>
+          <a:lstStyle/>
+          <a:p>
+            <a:pPr algn="ctr"/>
+            <a:endParaRPr lang="ko-KR" altLang="en-US"/>
+          </a:p>
+        </p:txBody>
+      </p:sp>
+      <p:sp>
+        <p:nvSpPr>
+          <p:cNvPr id="12" name="직사각형 11">
+            <a:extLst>
+              <a:ext uri="{FF2B5EF4-FFF2-40B4-BE49-F238E27FC236}">
+                <a16:creationId xmlns:a16="http://schemas.microsoft.com/office/drawing/2014/main" id="{70DE2D47-D765-4082-98AF-C23AF786030A}"/>
+              </a:ext>
+            </a:extLst>
+          </p:cNvPr>
+          <p:cNvSpPr/>
+          <p:nvPr/>
+        </p:nvSpPr>
+        <p:spPr>
+          <a:xfrm>
+            <a:off x="10374931" y="5089647"/>
+            <a:ext cx="896808" cy="1485167"/>
+          </a:xfrm>
+          <a:prstGeom prst="rect">
+            <a:avLst/>
+          </a:prstGeom>
+        </p:spPr>
+        <p:style>
+          <a:lnRef idx="2">
+            <a:schemeClr val="accent1">
+              <a:shade val="50000"/>
+            </a:schemeClr>
+          </a:lnRef>
+          <a:fillRef idx="1">
+            <a:schemeClr val="accent1"/>
+          </a:fillRef>
+          <a:effectRef idx="0">
+            <a:schemeClr val="accent1"/>
+          </a:effectRef>
+          <a:fontRef idx="minor">
+            <a:schemeClr val="lt1"/>
+          </a:fontRef>
+        </p:style>
+        <p:txBody>
+          <a:bodyPr rtlCol="0" anchor="ctr"/>
+          <a:lstStyle/>
+          <a:p>
+            <a:pPr algn="ctr"/>
+            <a:endParaRPr lang="ko-KR" altLang="en-US"/>
+          </a:p>
+        </p:txBody>
+      </p:sp>
+      <p:sp>
+        <p:nvSpPr>
+          <p:cNvPr id="13" name="직사각형 12">
+            <a:extLst>
+              <a:ext uri="{FF2B5EF4-FFF2-40B4-BE49-F238E27FC236}">
+                <a16:creationId xmlns:a16="http://schemas.microsoft.com/office/drawing/2014/main" id="{506D9F96-A24F-4D9A-B780-4C8C6D45AB65}"/>
+              </a:ext>
+            </a:extLst>
+          </p:cNvPr>
+          <p:cNvSpPr/>
+          <p:nvPr/>
+        </p:nvSpPr>
+        <p:spPr>
+          <a:xfrm>
+            <a:off x="7295419" y="5089645"/>
+            <a:ext cx="896808" cy="1485167"/>
+          </a:xfrm>
+          <a:prstGeom prst="rect">
+            <a:avLst/>
+          </a:prstGeom>
+        </p:spPr>
+        <p:style>
+          <a:lnRef idx="2">
+            <a:schemeClr val="accent1">
+              <a:shade val="50000"/>
+            </a:schemeClr>
+          </a:lnRef>
+          <a:fillRef idx="1">
+            <a:schemeClr val="accent1"/>
+          </a:fillRef>
+          <a:effectRef idx="0">
+            <a:schemeClr val="accent1"/>
+          </a:effectRef>
+          <a:fontRef idx="minor">
+            <a:schemeClr val="lt1"/>
+          </a:fontRef>
+        </p:style>
+        <p:txBody>
+          <a:bodyPr rtlCol="0" anchor="ctr"/>
+          <a:lstStyle/>
+          <a:p>
+            <a:pPr algn="ctr"/>
+            <a:endParaRPr lang="ko-KR" altLang="en-US"/>
+          </a:p>
+        </p:txBody>
+      </p:sp>
+    </p:spTree>
+    <p:extLst>
+      <p:ext uri="{BB962C8B-B14F-4D97-AF65-F5344CB8AC3E}">
+        <p14:creationId xmlns:p14="http://schemas.microsoft.com/office/powerpoint/2010/main" val="2363337750"/>
+      </p:ext>
+    </p:extLst>
+  </p:cSld>
+  <p:clrMapOvr>
+    <a:masterClrMapping/>
+  </p:clrMapOvr>
+</p:sld>
+</file>
+
 <file path=ppt/theme/theme1.xml><?xml version="1.0" encoding="utf-8"?>
 <a:theme xmlns:a="http://schemas.openxmlformats.org/drawingml/2006/main" name="Office 테마">
   <a:themeElements>
